--- a/Project/Number recognition from given number image.pptx
+++ b/Project/Number recognition from given number image.pptx
@@ -2,7 +2,7 @@
 <file path=ppt/presentation.xml><?xml version="1.0" encoding="utf-8"?>
 <p:presentation xmlns:a="http://schemas.openxmlformats.org/drawingml/2006/main" xmlns:r="http://schemas.openxmlformats.org/officeDocument/2006/relationships" xmlns:p="http://schemas.openxmlformats.org/presentationml/2006/main" saveSubsetFonts="1">
   <p:sldMasterIdLst>
-    <p:sldMasterId id="2147483648" r:id="rId1"/>
+    <p:sldMasterId id="2147483888" r:id="rId1"/>
   </p:sldMasterIdLst>
   <p:sldIdLst>
     <p:sldId id="256" r:id="rId2"/>
@@ -14,12 +14,9 @@
     <p:sldId id="262" r:id="rId8"/>
     <p:sldId id="263" r:id="rId9"/>
     <p:sldId id="264" r:id="rId10"/>
-    <p:sldId id="265" r:id="rId11"/>
-    <p:sldId id="266" r:id="rId12"/>
-    <p:sldId id="267" r:id="rId13"/>
-    <p:sldId id="268" r:id="rId14"/>
+    <p:sldId id="268" r:id="rId11"/>
   </p:sldIdLst>
-  <p:sldSz cx="9144000" cy="6858000" type="screen4x3"/>
+  <p:sldSz cx="12801600" cy="6858000"/>
   <p:notesSz cx="6858000" cy="9144000"/>
   <p:defaultTextStyle>
     <a:defPPr>
@@ -138,7 +135,7 @@
       </p:grpSpPr>
       <p:sp>
         <p:nvSpPr>
-          <p:cNvPr id="2" name="Title 1"/>
+          <p:cNvPr id="8" name="Title 7"/>
           <p:cNvSpPr>
             <a:spLocks noGrp="1"/>
           </p:cNvSpPr>
@@ -148,25 +145,141 @@
         </p:nvSpPr>
         <p:spPr>
           <a:xfrm>
-            <a:off x="685800" y="2130425"/>
-            <a:ext cx="7772400" cy="1470025"/>
-          </a:xfrm>
-        </p:spPr>
+            <a:off x="590842" y="1371600"/>
+            <a:ext cx="11521440" cy="1828800"/>
+          </a:xfrm>
+        </p:spPr>
+        <p:txBody>
+          <a:bodyPr vert="horz" lIns="45720" tIns="0" rIns="45720" bIns="0" anchor="b">
+            <a:normAutofit/>
+            <a:scene3d>
+              <a:camera prst="orthographicFront"/>
+              <a:lightRig rig="soft" dir="t">
+                <a:rot lat="0" lon="0" rev="17220000"/>
+              </a:lightRig>
+            </a:scene3d>
+            <a:sp3d prstMaterial="softEdge">
+              <a:bevelT w="38100" h="38100"/>
+            </a:sp3d>
+          </a:bodyPr>
+          <a:lstStyle>
+            <a:lvl1pPr>
+              <a:defRPr sz="4800" b="1" cap="all" baseline="0">
+                <a:ln w="6350">
+                  <a:noFill/>
+                </a:ln>
+                <a:gradFill>
+                  <a:gsLst>
+                    <a:gs pos="0">
+                      <a:schemeClr val="accent1">
+                        <a:tint val="73000"/>
+                        <a:satMod val="145000"/>
+                      </a:schemeClr>
+                    </a:gs>
+                    <a:gs pos="73000">
+                      <a:schemeClr val="accent1">
+                        <a:tint val="73000"/>
+                        <a:satMod val="145000"/>
+                      </a:schemeClr>
+                    </a:gs>
+                    <a:gs pos="100000">
+                      <a:schemeClr val="accent1">
+                        <a:tint val="83000"/>
+                        <a:satMod val="143000"/>
+                      </a:schemeClr>
+                    </a:gs>
+                  </a:gsLst>
+                  <a:lin ang="4800000" scaled="1"/>
+                </a:gradFill>
+                <a:effectLst>
+                  <a:outerShdw blurRad="127000" dist="200000" dir="2700000" algn="tl" rotWithShape="0">
+                    <a:srgbClr val="000000">
+                      <a:alpha val="30000"/>
+                    </a:srgbClr>
+                  </a:outerShdw>
+                </a:effectLst>
+              </a:defRPr>
+            </a:lvl1pPr>
+          </a:lstStyle>
+          <a:p>
+            <a:r>
+              <a:rPr kumimoji="0" lang="en-US" smtClean="0"/>
+              <a:t>Click to edit Master title style</a:t>
+            </a:r>
+            <a:endParaRPr kumimoji="0" lang="en-US"/>
+          </a:p>
+        </p:txBody>
+      </p:sp>
+      <p:sp>
+        <p:nvSpPr>
+          <p:cNvPr id="28" name="Date Placeholder 27"/>
+          <p:cNvSpPr>
+            <a:spLocks noGrp="1"/>
+          </p:cNvSpPr>
+          <p:nvPr>
+            <p:ph type="dt" sz="half" idx="10"/>
+          </p:nvPr>
+        </p:nvSpPr>
+        <p:spPr/>
         <p:txBody>
           <a:bodyPr/>
           <a:lstStyle/>
           <a:p>
-            <a:r>
-              <a:rPr lang="en-US" smtClean="0"/>
-              <a:t>Click to edit Master title style</a:t>
-            </a:r>
+            <a:fld id="{14722C87-0AB3-4E64-A643-8F68FF72149C}" type="datetimeFigureOut">
+              <a:rPr lang="en-US" smtClean="0"/>
+              <a:pPr/>
+              <a:t>2/12/2021</a:t>
+            </a:fld>
             <a:endParaRPr lang="en-US"/>
           </a:p>
         </p:txBody>
       </p:sp>
       <p:sp>
         <p:nvSpPr>
-          <p:cNvPr id="3" name="Subtitle 2"/>
+          <p:cNvPr id="17" name="Footer Placeholder 16"/>
+          <p:cNvSpPr>
+            <a:spLocks noGrp="1"/>
+          </p:cNvSpPr>
+          <p:nvPr>
+            <p:ph type="ftr" sz="quarter" idx="11"/>
+          </p:nvPr>
+        </p:nvSpPr>
+        <p:spPr/>
+        <p:txBody>
+          <a:bodyPr/>
+          <a:lstStyle/>
+          <a:p>
+            <a:endParaRPr lang="en-US"/>
+          </a:p>
+        </p:txBody>
+      </p:sp>
+      <p:sp>
+        <p:nvSpPr>
+          <p:cNvPr id="29" name="Slide Number Placeholder 28"/>
+          <p:cNvSpPr>
+            <a:spLocks noGrp="1"/>
+          </p:cNvSpPr>
+          <p:nvPr>
+            <p:ph type="sldNum" sz="quarter" idx="12"/>
+          </p:nvPr>
+        </p:nvSpPr>
+        <p:spPr/>
+        <p:txBody>
+          <a:bodyPr/>
+          <a:lstStyle/>
+          <a:p>
+            <a:fld id="{99E3C79C-9F12-4FA9-A0BC-CA37E0307FC7}" type="slidenum">
+              <a:rPr lang="en-US" smtClean="0"/>
+              <a:pPr/>
+              <a:t>‹#›</a:t>
+            </a:fld>
+            <a:endParaRPr lang="en-US"/>
+          </a:p>
+        </p:txBody>
+      </p:sp>
+      <p:sp>
+        <p:nvSpPr>
+          <p:cNvPr id="9" name="Subtitle 8"/>
           <p:cNvSpPr>
             <a:spLocks noGrp="1"/>
           </p:cNvSpPr>
@@ -176,8 +289,8 @@
         </p:nvSpPr>
         <p:spPr>
           <a:xfrm>
-            <a:off x="1371600" y="3886200"/>
-            <a:ext cx="6400800" cy="1752600"/>
+            <a:off x="1920240" y="3331698"/>
+            <a:ext cx="8961120" cy="1752600"/>
           </a:xfrm>
         </p:spPr>
         <p:txBody>
@@ -187,166 +300,41 @@
               <a:buNone/>
               <a:defRPr>
                 <a:solidFill>
-                  <a:schemeClr val="tx1">
-                    <a:tint val="75000"/>
-                  </a:schemeClr>
+                  <a:schemeClr val="tx1"/>
                 </a:solidFill>
               </a:defRPr>
             </a:lvl1pPr>
             <a:lvl2pPr marL="457200" indent="0" algn="ctr">
               <a:buNone/>
-              <a:defRPr>
-                <a:solidFill>
-                  <a:schemeClr val="tx1">
-                    <a:tint val="75000"/>
-                  </a:schemeClr>
-                </a:solidFill>
-              </a:defRPr>
             </a:lvl2pPr>
             <a:lvl3pPr marL="914400" indent="0" algn="ctr">
               <a:buNone/>
-              <a:defRPr>
-                <a:solidFill>
-                  <a:schemeClr val="tx1">
-                    <a:tint val="75000"/>
-                  </a:schemeClr>
-                </a:solidFill>
-              </a:defRPr>
             </a:lvl3pPr>
             <a:lvl4pPr marL="1371600" indent="0" algn="ctr">
               <a:buNone/>
-              <a:defRPr>
-                <a:solidFill>
-                  <a:schemeClr val="tx1">
-                    <a:tint val="75000"/>
-                  </a:schemeClr>
-                </a:solidFill>
-              </a:defRPr>
             </a:lvl4pPr>
             <a:lvl5pPr marL="1828800" indent="0" algn="ctr">
               <a:buNone/>
-              <a:defRPr>
-                <a:solidFill>
-                  <a:schemeClr val="tx1">
-                    <a:tint val="75000"/>
-                  </a:schemeClr>
-                </a:solidFill>
-              </a:defRPr>
             </a:lvl5pPr>
             <a:lvl6pPr marL="2286000" indent="0" algn="ctr">
               <a:buNone/>
-              <a:defRPr>
-                <a:solidFill>
-                  <a:schemeClr val="tx1">
-                    <a:tint val="75000"/>
-                  </a:schemeClr>
-                </a:solidFill>
-              </a:defRPr>
             </a:lvl6pPr>
             <a:lvl7pPr marL="2743200" indent="0" algn="ctr">
               <a:buNone/>
-              <a:defRPr>
-                <a:solidFill>
-                  <a:schemeClr val="tx1">
-                    <a:tint val="75000"/>
-                  </a:schemeClr>
-                </a:solidFill>
-              </a:defRPr>
             </a:lvl7pPr>
             <a:lvl8pPr marL="3200400" indent="0" algn="ctr">
               <a:buNone/>
-              <a:defRPr>
-                <a:solidFill>
-                  <a:schemeClr val="tx1">
-                    <a:tint val="75000"/>
-                  </a:schemeClr>
-                </a:solidFill>
-              </a:defRPr>
             </a:lvl8pPr>
             <a:lvl9pPr marL="3657600" indent="0" algn="ctr">
               <a:buNone/>
-              <a:defRPr>
-                <a:solidFill>
-                  <a:schemeClr val="tx1">
-                    <a:tint val="75000"/>
-                  </a:schemeClr>
-                </a:solidFill>
-              </a:defRPr>
             </a:lvl9pPr>
           </a:lstStyle>
           <a:p>
             <a:r>
-              <a:rPr lang="en-US" smtClean="0"/>
+              <a:rPr kumimoji="0" lang="en-US" smtClean="0"/>
               <a:t>Click to edit Master subtitle style</a:t>
             </a:r>
-            <a:endParaRPr lang="en-US"/>
-          </a:p>
-        </p:txBody>
-      </p:sp>
-      <p:sp>
-        <p:nvSpPr>
-          <p:cNvPr id="4" name="Date Placeholder 3"/>
-          <p:cNvSpPr>
-            <a:spLocks noGrp="1"/>
-          </p:cNvSpPr>
-          <p:nvPr>
-            <p:ph type="dt" sz="half" idx="10"/>
-          </p:nvPr>
-        </p:nvSpPr>
-        <p:spPr/>
-        <p:txBody>
-          <a:bodyPr/>
-          <a:lstStyle/>
-          <a:p>
-            <a:fld id="{14722C87-0AB3-4E64-A643-8F68FF72149C}" type="datetimeFigureOut">
-              <a:rPr lang="en-US" smtClean="0"/>
-              <a:pPr/>
-              <a:t>2/12/2021</a:t>
-            </a:fld>
-            <a:endParaRPr lang="en-US"/>
-          </a:p>
-        </p:txBody>
-      </p:sp>
-      <p:sp>
-        <p:nvSpPr>
-          <p:cNvPr id="5" name="Footer Placeholder 4"/>
-          <p:cNvSpPr>
-            <a:spLocks noGrp="1"/>
-          </p:cNvSpPr>
-          <p:nvPr>
-            <p:ph type="ftr" sz="quarter" idx="11"/>
-          </p:nvPr>
-        </p:nvSpPr>
-        <p:spPr/>
-        <p:txBody>
-          <a:bodyPr/>
-          <a:lstStyle/>
-          <a:p>
-            <a:endParaRPr lang="en-US"/>
-          </a:p>
-        </p:txBody>
-      </p:sp>
-      <p:sp>
-        <p:nvSpPr>
-          <p:cNvPr id="6" name="Slide Number Placeholder 5"/>
-          <p:cNvSpPr>
-            <a:spLocks noGrp="1"/>
-          </p:cNvSpPr>
-          <p:nvPr>
-            <p:ph type="sldNum" sz="quarter" idx="12"/>
-          </p:nvPr>
-        </p:nvSpPr>
-        <p:spPr/>
-        <p:txBody>
-          <a:bodyPr/>
-          <a:lstStyle/>
-          <a:p>
-            <a:fld id="{99E3C79C-9F12-4FA9-A0BC-CA37E0307FC7}" type="slidenum">
-              <a:rPr lang="en-US" smtClean="0"/>
-              <a:pPr/>
-              <a:t>‹#›</a:t>
-            </a:fld>
-            <a:endParaRPr lang="en-US"/>
+            <a:endParaRPr kumimoji="0" lang="en-US"/>
           </a:p>
         </p:txBody>
       </p:sp>
@@ -391,10 +379,10 @@
           <a:lstStyle/>
           <a:p>
             <a:r>
-              <a:rPr lang="en-US" smtClean="0"/>
+              <a:rPr kumimoji="0" lang="en-US" smtClean="0"/>
               <a:t>Click to edit Master title style</a:t>
             </a:r>
-            <a:endParaRPr lang="en-US"/>
+            <a:endParaRPr kumimoji="0" lang="en-US"/>
           </a:p>
         </p:txBody>
       </p:sp>
@@ -413,40 +401,40 @@
           <a:bodyPr vert="eaVert"/>
           <a:lstStyle/>
           <a:p>
-            <a:pPr lvl="0"/>
+            <a:pPr lvl="0" eaLnBrk="1" latinLnBrk="0" hangingPunct="1"/>
             <a:r>
               <a:rPr lang="en-US" smtClean="0"/>
               <a:t>Click to edit Master text styles</a:t>
             </a:r>
           </a:p>
           <a:p>
-            <a:pPr lvl="1"/>
+            <a:pPr lvl="1" eaLnBrk="1" latinLnBrk="0" hangingPunct="1"/>
             <a:r>
               <a:rPr lang="en-US" smtClean="0"/>
               <a:t>Second level</a:t>
             </a:r>
           </a:p>
           <a:p>
-            <a:pPr lvl="2"/>
+            <a:pPr lvl="2" eaLnBrk="1" latinLnBrk="0" hangingPunct="1"/>
             <a:r>
               <a:rPr lang="en-US" smtClean="0"/>
               <a:t>Third level</a:t>
             </a:r>
           </a:p>
           <a:p>
-            <a:pPr lvl="3"/>
+            <a:pPr lvl="3" eaLnBrk="1" latinLnBrk="0" hangingPunct="1"/>
             <a:r>
               <a:rPr lang="en-US" smtClean="0"/>
               <a:t>Fourth level</a:t>
             </a:r>
           </a:p>
           <a:p>
-            <a:pPr lvl="4"/>
+            <a:pPr lvl="4" eaLnBrk="1" latinLnBrk="0" hangingPunct="1"/>
             <a:r>
               <a:rPr lang="en-US" smtClean="0"/>
               <a:t>Fifth level</a:t>
             </a:r>
-            <a:endParaRPr lang="en-US"/>
+            <a:endParaRPr kumimoji="0" lang="en-US"/>
           </a:p>
         </p:txBody>
       </p:sp>
@@ -554,8 +542,8 @@
         </p:nvSpPr>
         <p:spPr>
           <a:xfrm>
-            <a:off x="6629400" y="274638"/>
-            <a:ext cx="2057400" cy="5851525"/>
+            <a:off x="9281160" y="274639"/>
+            <a:ext cx="2880360" cy="5851525"/>
           </a:xfrm>
         </p:spPr>
         <p:txBody>
@@ -563,10 +551,10 @@
           <a:lstStyle/>
           <a:p>
             <a:r>
-              <a:rPr lang="en-US" smtClean="0"/>
+              <a:rPr kumimoji="0" lang="en-US" smtClean="0"/>
               <a:t>Click to edit Master title style</a:t>
             </a:r>
-            <a:endParaRPr lang="en-US"/>
+            <a:endParaRPr kumimoji="0" lang="en-US"/>
           </a:p>
         </p:txBody>
       </p:sp>
@@ -582,48 +570,48 @@
         </p:nvSpPr>
         <p:spPr>
           <a:xfrm>
-            <a:off x="457200" y="274638"/>
-            <a:ext cx="6019800" cy="5851525"/>
+            <a:off x="640080" y="274639"/>
+            <a:ext cx="8427720" cy="5851525"/>
           </a:xfrm>
         </p:spPr>
         <p:txBody>
           <a:bodyPr vert="eaVert"/>
           <a:lstStyle/>
           <a:p>
-            <a:pPr lvl="0"/>
+            <a:pPr lvl="0" eaLnBrk="1" latinLnBrk="0" hangingPunct="1"/>
             <a:r>
               <a:rPr lang="en-US" smtClean="0"/>
               <a:t>Click to edit Master text styles</a:t>
             </a:r>
           </a:p>
           <a:p>
-            <a:pPr lvl="1"/>
+            <a:pPr lvl="1" eaLnBrk="1" latinLnBrk="0" hangingPunct="1"/>
             <a:r>
               <a:rPr lang="en-US" smtClean="0"/>
               <a:t>Second level</a:t>
             </a:r>
           </a:p>
           <a:p>
-            <a:pPr lvl="2"/>
+            <a:pPr lvl="2" eaLnBrk="1" latinLnBrk="0" hangingPunct="1"/>
             <a:r>
               <a:rPr lang="en-US" smtClean="0"/>
               <a:t>Third level</a:t>
             </a:r>
           </a:p>
           <a:p>
-            <a:pPr lvl="3"/>
+            <a:pPr lvl="3" eaLnBrk="1" latinLnBrk="0" hangingPunct="1"/>
             <a:r>
               <a:rPr lang="en-US" smtClean="0"/>
               <a:t>Fourth level</a:t>
             </a:r>
           </a:p>
           <a:p>
-            <a:pPr lvl="4"/>
+            <a:pPr lvl="4" eaLnBrk="1" latinLnBrk="0" hangingPunct="1"/>
             <a:r>
               <a:rPr lang="en-US" smtClean="0"/>
               <a:t>Fifth level</a:t>
             </a:r>
-            <a:endParaRPr lang="en-US"/>
+            <a:endParaRPr kumimoji="0" lang="en-US"/>
           </a:p>
         </p:txBody>
       </p:sp>
@@ -735,10 +723,10 @@
           <a:lstStyle/>
           <a:p>
             <a:r>
-              <a:rPr lang="en-US" smtClean="0"/>
+              <a:rPr kumimoji="0" lang="en-US" smtClean="0"/>
               <a:t>Click to edit Master title style</a:t>
             </a:r>
-            <a:endParaRPr lang="en-US"/>
+            <a:endParaRPr kumimoji="0" lang="en-US"/>
           </a:p>
         </p:txBody>
       </p:sp>
@@ -757,40 +745,40 @@
           <a:bodyPr/>
           <a:lstStyle/>
           <a:p>
-            <a:pPr lvl="0"/>
+            <a:pPr lvl="0" eaLnBrk="1" latinLnBrk="0" hangingPunct="1"/>
             <a:r>
               <a:rPr lang="en-US" smtClean="0"/>
               <a:t>Click to edit Master text styles</a:t>
             </a:r>
           </a:p>
           <a:p>
-            <a:pPr lvl="1"/>
+            <a:pPr lvl="1" eaLnBrk="1" latinLnBrk="0" hangingPunct="1"/>
             <a:r>
               <a:rPr lang="en-US" smtClean="0"/>
               <a:t>Second level</a:t>
             </a:r>
           </a:p>
           <a:p>
-            <a:pPr lvl="2"/>
+            <a:pPr lvl="2" eaLnBrk="1" latinLnBrk="0" hangingPunct="1"/>
             <a:r>
               <a:rPr lang="en-US" smtClean="0"/>
               <a:t>Third level</a:t>
             </a:r>
           </a:p>
           <a:p>
-            <a:pPr lvl="3"/>
+            <a:pPr lvl="3" eaLnBrk="1" latinLnBrk="0" hangingPunct="1"/>
             <a:r>
               <a:rPr lang="en-US" smtClean="0"/>
               <a:t>Fourth level</a:t>
             </a:r>
           </a:p>
           <a:p>
-            <a:pPr lvl="4"/>
+            <a:pPr lvl="4" eaLnBrk="1" latinLnBrk="0" hangingPunct="1"/>
             <a:r>
               <a:rPr lang="en-US" smtClean="0"/>
               <a:t>Fifth level</a:t>
             </a:r>
-            <a:endParaRPr lang="en-US"/>
+            <a:endParaRPr kumimoji="0" lang="en-US"/>
           </a:p>
         </p:txBody>
       </p:sp>
@@ -872,6 +860,11 @@
 <file path=ppt/slideLayouts/slideLayout3.xml><?xml version="1.0" encoding="utf-8"?>
 <p:sldLayout xmlns:a="http://schemas.openxmlformats.org/drawingml/2006/main" xmlns:r="http://schemas.openxmlformats.org/officeDocument/2006/relationships" xmlns:p="http://schemas.openxmlformats.org/presentationml/2006/main" type="secHead" preserve="1">
   <p:cSld name="Section Header">
+    <p:bg>
+      <p:bgRef idx="1003">
+        <a:schemeClr val="bg2"/>
+      </p:bgRef>
+    </p:bg>
     <p:spTree>
       <p:nvGrpSpPr>
         <p:cNvPr id="1" name=""/>
@@ -898,56 +891,94 @@
         </p:nvSpPr>
         <p:spPr>
           <a:xfrm>
-            <a:off x="722313" y="4406900"/>
-            <a:ext cx="7772400" cy="1362075"/>
+            <a:off x="2240280" y="609600"/>
+            <a:ext cx="9921240" cy="1828800"/>
+          </a:xfrm>
+        </p:spPr>
+        <p:txBody>
+          <a:bodyPr vert="horz" bIns="0" anchor="b">
+            <a:noAutofit/>
+            <a:scene3d>
+              <a:camera prst="orthographicFront"/>
+              <a:lightRig rig="soft" dir="t">
+                <a:rot lat="0" lon="0" rev="17220000"/>
+              </a:lightRig>
+            </a:scene3d>
+            <a:sp3d prstMaterial="softEdge">
+              <a:bevelT w="38100" h="38100"/>
+              <a:contourClr>
+                <a:schemeClr val="tx2">
+                  <a:shade val="50000"/>
+                </a:schemeClr>
+              </a:contourClr>
+            </a:sp3d>
+          </a:bodyPr>
+          <a:lstStyle>
+            <a:lvl1pPr algn="l" rtl="0">
+              <a:spcBef>
+                <a:spcPct val="0"/>
+              </a:spcBef>
+              <a:buNone/>
+              <a:defRPr sz="4800" b="1" cap="none" baseline="0">
+                <a:ln w="6350">
+                  <a:noFill/>
+                </a:ln>
+                <a:solidFill>
+                  <a:schemeClr val="accent1">
+                    <a:tint val="90000"/>
+                    <a:satMod val="120000"/>
+                  </a:schemeClr>
+                </a:solidFill>
+                <a:effectLst>
+                  <a:outerShdw blurRad="114300" dist="101600" dir="2700000" algn="tl" rotWithShape="0">
+                    <a:srgbClr val="000000">
+                      <a:alpha val="40000"/>
+                    </a:srgbClr>
+                  </a:outerShdw>
+                </a:effectLst>
+                <a:latin typeface="+mj-lt"/>
+                <a:ea typeface="+mj-ea"/>
+                <a:cs typeface="+mj-cs"/>
+              </a:defRPr>
+            </a:lvl1pPr>
+          </a:lstStyle>
+          <a:p>
+            <a:r>
+              <a:rPr kumimoji="0" lang="en-US" smtClean="0"/>
+              <a:t>Click to edit Master title style</a:t>
+            </a:r>
+            <a:endParaRPr kumimoji="0" lang="en-US"/>
+          </a:p>
+        </p:txBody>
+      </p:sp>
+      <p:sp>
+        <p:nvSpPr>
+          <p:cNvPr id="3" name="Text Placeholder 2"/>
+          <p:cNvSpPr>
+            <a:spLocks noGrp="1"/>
+          </p:cNvSpPr>
+          <p:nvPr>
+            <p:ph type="body" idx="1"/>
+          </p:nvPr>
+        </p:nvSpPr>
+        <p:spPr>
+          <a:xfrm>
+            <a:off x="2240280" y="2507786"/>
+            <a:ext cx="9921240" cy="1509712"/>
           </a:xfrm>
         </p:spPr>
         <p:txBody>
           <a:bodyPr anchor="t"/>
           <a:lstStyle>
-            <a:lvl1pPr algn="l">
-              <a:defRPr sz="4000" b="1" cap="all"/>
-            </a:lvl1pPr>
-          </a:lstStyle>
-          <a:p>
-            <a:r>
-              <a:rPr lang="en-US" smtClean="0"/>
-              <a:t>Click to edit Master title style</a:t>
-            </a:r>
-            <a:endParaRPr lang="en-US"/>
-          </a:p>
-        </p:txBody>
-      </p:sp>
-      <p:sp>
-        <p:nvSpPr>
-          <p:cNvPr id="3" name="Text Placeholder 2"/>
-          <p:cNvSpPr>
-            <a:spLocks noGrp="1"/>
-          </p:cNvSpPr>
-          <p:nvPr>
-            <p:ph type="body" idx="1"/>
-          </p:nvPr>
-        </p:nvSpPr>
-        <p:spPr>
-          <a:xfrm>
-            <a:off x="722313" y="2906713"/>
-            <a:ext cx="7772400" cy="1500187"/>
-          </a:xfrm>
-        </p:spPr>
-        <p:txBody>
-          <a:bodyPr anchor="b"/>
-          <a:lstStyle>
-            <a:lvl1pPr marL="0" indent="0">
+            <a:lvl1pPr marL="73152" indent="0" algn="l">
               <a:buNone/>
               <a:defRPr sz="2000">
                 <a:solidFill>
-                  <a:schemeClr val="tx1">
-                    <a:tint val="75000"/>
-                  </a:schemeClr>
+                  <a:schemeClr val="tx1"/>
                 </a:solidFill>
               </a:defRPr>
             </a:lvl1pPr>
-            <a:lvl2pPr marL="457200" indent="0">
+            <a:lvl2pPr>
               <a:buNone/>
               <a:defRPr sz="1800">
                 <a:solidFill>
@@ -957,7 +988,7 @@
                 </a:solidFill>
               </a:defRPr>
             </a:lvl2pPr>
-            <a:lvl3pPr marL="914400" indent="0">
+            <a:lvl3pPr>
               <a:buNone/>
               <a:defRPr sz="1600">
                 <a:solidFill>
@@ -967,7 +998,7 @@
                 </a:solidFill>
               </a:defRPr>
             </a:lvl3pPr>
-            <a:lvl4pPr marL="1371600" indent="0">
+            <a:lvl4pPr>
               <a:buNone/>
               <a:defRPr sz="1400">
                 <a:solidFill>
@@ -977,7 +1008,7 @@
                 </a:solidFill>
               </a:defRPr>
             </a:lvl4pPr>
-            <a:lvl5pPr marL="1828800" indent="0">
+            <a:lvl5pPr>
               <a:buNone/>
               <a:defRPr sz="1400">
                 <a:solidFill>
@@ -987,51 +1018,11 @@
                 </a:solidFill>
               </a:defRPr>
             </a:lvl5pPr>
-            <a:lvl6pPr marL="2286000" indent="0">
-              <a:buNone/>
-              <a:defRPr sz="1400">
-                <a:solidFill>
-                  <a:schemeClr val="tx1">
-                    <a:tint val="75000"/>
-                  </a:schemeClr>
-                </a:solidFill>
-              </a:defRPr>
-            </a:lvl6pPr>
-            <a:lvl7pPr marL="2743200" indent="0">
-              <a:buNone/>
-              <a:defRPr sz="1400">
-                <a:solidFill>
-                  <a:schemeClr val="tx1">
-                    <a:tint val="75000"/>
-                  </a:schemeClr>
-                </a:solidFill>
-              </a:defRPr>
-            </a:lvl7pPr>
-            <a:lvl8pPr marL="3200400" indent="0">
-              <a:buNone/>
-              <a:defRPr sz="1400">
-                <a:solidFill>
-                  <a:schemeClr val="tx1">
-                    <a:tint val="75000"/>
-                  </a:schemeClr>
-                </a:solidFill>
-              </a:defRPr>
-            </a:lvl8pPr>
-            <a:lvl9pPr marL="3657600" indent="0">
-              <a:buNone/>
-              <a:defRPr sz="1400">
-                <a:solidFill>
-                  <a:schemeClr val="tx1">
-                    <a:tint val="75000"/>
-                  </a:schemeClr>
-                </a:solidFill>
-              </a:defRPr>
-            </a:lvl9pPr>
           </a:lstStyle>
           <a:p>
-            <a:pPr lvl="0"/>
-            <a:r>
-              <a:rPr lang="en-US" smtClean="0"/>
+            <a:pPr lvl="0" eaLnBrk="1" latinLnBrk="0" hangingPunct="1"/>
+            <a:r>
+              <a:rPr kumimoji="0" lang="en-US" smtClean="0"/>
               <a:t>Click to edit Master text styles</a:t>
             </a:r>
           </a:p>
@@ -1090,7 +1081,12 @@
             <p:ph type="sldNum" sz="quarter" idx="12"/>
           </p:nvPr>
         </p:nvSpPr>
-        <p:spPr/>
+        <p:spPr>
+          <a:xfrm>
+            <a:off x="11094720" y="6416676"/>
+            <a:ext cx="1066800" cy="365125"/>
+          </a:xfrm>
+        </p:spPr>
         <p:txBody>
           <a:bodyPr/>
           <a:lstStyle/>
@@ -1107,7 +1103,7 @@
     </p:spTree>
   </p:cSld>
   <p:clrMapOvr>
-    <a:masterClrMapping/>
+    <a:overrideClrMapping bg1="dk1" tx1="lt1" bg2="dk2" tx2="lt2" accent1="accent1" accent2="accent2" accent3="accent3" accent4="accent4" accent5="accent5" accent6="accent6" hlink="hlink" folHlink="folHlink"/>
   </p:clrMapOvr>
 </p:sldLayout>
 </file>
@@ -1145,10 +1141,10 @@
           <a:lstStyle/>
           <a:p>
             <a:r>
-              <a:rPr lang="en-US" smtClean="0"/>
+              <a:rPr kumimoji="0" lang="en-US" smtClean="0"/>
               <a:t>Click to edit Master title style</a:t>
             </a:r>
-            <a:endParaRPr lang="en-US"/>
+            <a:endParaRPr kumimoji="0" lang="en-US"/>
           </a:p>
         </p:txBody>
       </p:sp>
@@ -1164,15 +1160,15 @@
         </p:nvSpPr>
         <p:spPr>
           <a:xfrm>
-            <a:off x="457200" y="1600200"/>
-            <a:ext cx="4038600" cy="4525963"/>
+            <a:off x="640080" y="1600201"/>
+            <a:ext cx="5654040" cy="4525963"/>
           </a:xfrm>
         </p:spPr>
         <p:txBody>
           <a:bodyPr/>
           <a:lstStyle>
             <a:lvl1pPr>
-              <a:defRPr sz="2800"/>
+              <a:defRPr sz="2600"/>
             </a:lvl1pPr>
             <a:lvl2pPr>
               <a:defRPr sz="2400"/>
@@ -1186,54 +1182,42 @@
             <a:lvl5pPr>
               <a:defRPr sz="1800"/>
             </a:lvl5pPr>
-            <a:lvl6pPr>
-              <a:defRPr sz="1800"/>
-            </a:lvl6pPr>
-            <a:lvl7pPr>
-              <a:defRPr sz="1800"/>
-            </a:lvl7pPr>
-            <a:lvl8pPr>
-              <a:defRPr sz="1800"/>
-            </a:lvl8pPr>
-            <a:lvl9pPr>
-              <a:defRPr sz="1800"/>
-            </a:lvl9pPr>
           </a:lstStyle>
           <a:p>
-            <a:pPr lvl="0"/>
+            <a:pPr lvl="0" eaLnBrk="1" latinLnBrk="0" hangingPunct="1"/>
             <a:r>
               <a:rPr lang="en-US" smtClean="0"/>
               <a:t>Click to edit Master text styles</a:t>
             </a:r>
           </a:p>
           <a:p>
-            <a:pPr lvl="1"/>
+            <a:pPr lvl="1" eaLnBrk="1" latinLnBrk="0" hangingPunct="1"/>
             <a:r>
               <a:rPr lang="en-US" smtClean="0"/>
               <a:t>Second level</a:t>
             </a:r>
           </a:p>
           <a:p>
-            <a:pPr lvl="2"/>
+            <a:pPr lvl="2" eaLnBrk="1" latinLnBrk="0" hangingPunct="1"/>
             <a:r>
               <a:rPr lang="en-US" smtClean="0"/>
               <a:t>Third level</a:t>
             </a:r>
           </a:p>
           <a:p>
-            <a:pPr lvl="3"/>
+            <a:pPr lvl="3" eaLnBrk="1" latinLnBrk="0" hangingPunct="1"/>
             <a:r>
               <a:rPr lang="en-US" smtClean="0"/>
               <a:t>Fourth level</a:t>
             </a:r>
           </a:p>
           <a:p>
-            <a:pPr lvl="4"/>
+            <a:pPr lvl="4" eaLnBrk="1" latinLnBrk="0" hangingPunct="1"/>
             <a:r>
               <a:rPr lang="en-US" smtClean="0"/>
               <a:t>Fifth level</a:t>
             </a:r>
-            <a:endParaRPr lang="en-US"/>
+            <a:endParaRPr kumimoji="0" lang="en-US"/>
           </a:p>
         </p:txBody>
       </p:sp>
@@ -1249,15 +1233,15 @@
         </p:nvSpPr>
         <p:spPr>
           <a:xfrm>
-            <a:off x="4648200" y="1600200"/>
-            <a:ext cx="4038600" cy="4525963"/>
+            <a:off x="6507480" y="1600201"/>
+            <a:ext cx="5654040" cy="4525963"/>
           </a:xfrm>
         </p:spPr>
         <p:txBody>
           <a:bodyPr/>
           <a:lstStyle>
             <a:lvl1pPr>
-              <a:defRPr sz="2800"/>
+              <a:defRPr sz="2600"/>
             </a:lvl1pPr>
             <a:lvl2pPr>
               <a:defRPr sz="2400"/>
@@ -1271,54 +1255,42 @@
             <a:lvl5pPr>
               <a:defRPr sz="1800"/>
             </a:lvl5pPr>
-            <a:lvl6pPr>
-              <a:defRPr sz="1800"/>
-            </a:lvl6pPr>
-            <a:lvl7pPr>
-              <a:defRPr sz="1800"/>
-            </a:lvl7pPr>
-            <a:lvl8pPr>
-              <a:defRPr sz="1800"/>
-            </a:lvl8pPr>
-            <a:lvl9pPr>
-              <a:defRPr sz="1800"/>
-            </a:lvl9pPr>
           </a:lstStyle>
           <a:p>
-            <a:pPr lvl="0"/>
+            <a:pPr lvl="0" eaLnBrk="1" latinLnBrk="0" hangingPunct="1"/>
             <a:r>
               <a:rPr lang="en-US" smtClean="0"/>
               <a:t>Click to edit Master text styles</a:t>
             </a:r>
           </a:p>
           <a:p>
-            <a:pPr lvl="1"/>
+            <a:pPr lvl="1" eaLnBrk="1" latinLnBrk="0" hangingPunct="1"/>
             <a:r>
               <a:rPr lang="en-US" smtClean="0"/>
               <a:t>Second level</a:t>
             </a:r>
           </a:p>
           <a:p>
-            <a:pPr lvl="2"/>
+            <a:pPr lvl="2" eaLnBrk="1" latinLnBrk="0" hangingPunct="1"/>
             <a:r>
               <a:rPr lang="en-US" smtClean="0"/>
               <a:t>Third level</a:t>
             </a:r>
           </a:p>
           <a:p>
-            <a:pPr lvl="3"/>
+            <a:pPr lvl="3" eaLnBrk="1" latinLnBrk="0" hangingPunct="1"/>
             <a:r>
               <a:rPr lang="en-US" smtClean="0"/>
               <a:t>Fourth level</a:t>
             </a:r>
           </a:p>
           <a:p>
-            <a:pPr lvl="4"/>
+            <a:pPr lvl="4" eaLnBrk="1" latinLnBrk="0" hangingPunct="1"/>
             <a:r>
               <a:rPr lang="en-US" smtClean="0"/>
               <a:t>Fifth level</a:t>
             </a:r>
-            <a:endParaRPr lang="en-US"/>
+            <a:endParaRPr kumimoji="0" lang="en-US"/>
           </a:p>
         </p:txBody>
       </p:sp>
@@ -1424,9 +1396,14 @@
             <p:ph type="title"/>
           </p:nvPr>
         </p:nvSpPr>
-        <p:spPr/>
-        <p:txBody>
-          <a:bodyPr/>
+        <p:spPr>
+          <a:xfrm>
+            <a:off x="640080" y="273050"/>
+            <a:ext cx="11521440" cy="1143000"/>
+          </a:xfrm>
+        </p:spPr>
+        <p:txBody>
+          <a:bodyPr anchor="ctr"/>
           <a:lstStyle>
             <a:lvl1pPr>
               <a:defRPr/>
@@ -1434,10 +1411,10 @@
           </a:lstStyle>
           <a:p>
             <a:r>
-              <a:rPr lang="en-US" smtClean="0"/>
+              <a:rPr kumimoji="0" lang="en-US" smtClean="0"/>
               <a:t>Click to edit Master title style</a:t>
             </a:r>
-            <a:endParaRPr lang="en-US"/>
+            <a:endParaRPr kumimoji="0" lang="en-US"/>
           </a:p>
         </p:txBody>
       </p:sp>
@@ -1453,54 +1430,95 @@
         </p:nvSpPr>
         <p:spPr>
           <a:xfrm>
-            <a:off x="457200" y="1535113"/>
-            <a:ext cx="4040188" cy="639762"/>
-          </a:xfrm>
-        </p:spPr>
-        <p:txBody>
-          <a:bodyPr anchor="b"/>
+            <a:off x="640080" y="1535113"/>
+            <a:ext cx="5656263" cy="750887"/>
+          </a:xfrm>
+        </p:spPr>
+        <p:txBody>
+          <a:bodyPr anchor="ctr"/>
           <a:lstStyle>
             <a:lvl1pPr marL="0" indent="0">
               <a:buNone/>
-              <a:defRPr sz="2400" b="1"/>
+              <a:defRPr sz="2400" b="0" cap="all" baseline="0">
+                <a:solidFill>
+                  <a:schemeClr val="tx1"/>
+                </a:solidFill>
+              </a:defRPr>
             </a:lvl1pPr>
-            <a:lvl2pPr marL="457200" indent="0">
+            <a:lvl2pPr>
               <a:buNone/>
               <a:defRPr sz="2000" b="1"/>
             </a:lvl2pPr>
-            <a:lvl3pPr marL="914400" indent="0">
+            <a:lvl3pPr>
               <a:buNone/>
               <a:defRPr sz="1800" b="1"/>
             </a:lvl3pPr>
-            <a:lvl4pPr marL="1371600" indent="0">
+            <a:lvl4pPr>
               <a:buNone/>
               <a:defRPr sz="1600" b="1"/>
             </a:lvl4pPr>
-            <a:lvl5pPr marL="1828800" indent="0">
+            <a:lvl5pPr>
               <a:buNone/>
               <a:defRPr sz="1600" b="1"/>
             </a:lvl5pPr>
-            <a:lvl6pPr marL="2286000" indent="0">
+          </a:lstStyle>
+          <a:p>
+            <a:pPr lvl="0" eaLnBrk="1" latinLnBrk="0" hangingPunct="1"/>
+            <a:r>
+              <a:rPr kumimoji="0" lang="en-US" smtClean="0"/>
+              <a:t>Click to edit Master text styles</a:t>
+            </a:r>
+          </a:p>
+        </p:txBody>
+      </p:sp>
+      <p:sp>
+        <p:nvSpPr>
+          <p:cNvPr id="4" name="Text Placeholder 3"/>
+          <p:cNvSpPr>
+            <a:spLocks noGrp="1"/>
+          </p:cNvSpPr>
+          <p:nvPr>
+            <p:ph type="body" sz="half" idx="3"/>
+          </p:nvPr>
+        </p:nvSpPr>
+        <p:spPr>
+          <a:xfrm>
+            <a:off x="6503036" y="1535113"/>
+            <a:ext cx="5658485" cy="750887"/>
+          </a:xfrm>
+        </p:spPr>
+        <p:txBody>
+          <a:bodyPr anchor="ctr"/>
+          <a:lstStyle>
+            <a:lvl1pPr marL="0" indent="0">
+              <a:buNone/>
+              <a:defRPr sz="2400" b="0" cap="all" baseline="0">
+                <a:solidFill>
+                  <a:schemeClr val="tx1"/>
+                </a:solidFill>
+              </a:defRPr>
+            </a:lvl1pPr>
+            <a:lvl2pPr>
+              <a:buNone/>
+              <a:defRPr sz="2000" b="1"/>
+            </a:lvl2pPr>
+            <a:lvl3pPr>
+              <a:buNone/>
+              <a:defRPr sz="1800" b="1"/>
+            </a:lvl3pPr>
+            <a:lvl4pPr>
               <a:buNone/>
               <a:defRPr sz="1600" b="1"/>
-            </a:lvl6pPr>
-            <a:lvl7pPr marL="2743200" indent="0">
+            </a:lvl4pPr>
+            <a:lvl5pPr>
               <a:buNone/>
               <a:defRPr sz="1600" b="1"/>
-            </a:lvl7pPr>
-            <a:lvl8pPr marL="3200400" indent="0">
-              <a:buNone/>
-              <a:defRPr sz="1600" b="1"/>
-            </a:lvl8pPr>
-            <a:lvl9pPr marL="3657600" indent="0">
-              <a:buNone/>
-              <a:defRPr sz="1600" b="1"/>
-            </a:lvl9pPr>
+            </a:lvl5pPr>
           </a:lstStyle>
           <a:p>
-            <a:pPr lvl="0"/>
-            <a:r>
-              <a:rPr lang="en-US" smtClean="0"/>
+            <a:pPr lvl="0" eaLnBrk="1" latinLnBrk="0" hangingPunct="1"/>
+            <a:r>
+              <a:rPr kumimoji="0" lang="en-US" smtClean="0"/>
               <a:t>Click to edit Master text styles</a:t>
             </a:r>
           </a:p>
@@ -1508,18 +1526,18 @@
       </p:sp>
       <p:sp>
         <p:nvSpPr>
-          <p:cNvPr id="4" name="Content Placeholder 3"/>
-          <p:cNvSpPr>
-            <a:spLocks noGrp="1"/>
-          </p:cNvSpPr>
-          <p:nvPr>
-            <p:ph sz="half" idx="2"/>
+          <p:cNvPr id="5" name="Content Placeholder 4"/>
+          <p:cNvSpPr>
+            <a:spLocks noGrp="1"/>
+          </p:cNvSpPr>
+          <p:nvPr>
+            <p:ph sz="quarter" idx="2"/>
           </p:nvPr>
         </p:nvSpPr>
         <p:spPr>
           <a:xfrm>
-            <a:off x="457200" y="2174875"/>
-            <a:ext cx="4040188" cy="3951288"/>
+            <a:off x="640080" y="2362201"/>
+            <a:ext cx="5656263" cy="3763963"/>
           </a:xfrm>
         </p:spPr>
         <p:txBody>
@@ -1540,136 +1558,59 @@
             <a:lvl5pPr>
               <a:defRPr sz="1600"/>
             </a:lvl5pPr>
-            <a:lvl6pPr>
-              <a:defRPr sz="1600"/>
-            </a:lvl6pPr>
-            <a:lvl7pPr>
-              <a:defRPr sz="1600"/>
-            </a:lvl7pPr>
-            <a:lvl8pPr>
-              <a:defRPr sz="1600"/>
-            </a:lvl8pPr>
-            <a:lvl9pPr>
-              <a:defRPr sz="1600"/>
-            </a:lvl9pPr>
           </a:lstStyle>
           <a:p>
-            <a:pPr lvl="0"/>
+            <a:pPr lvl="0" eaLnBrk="1" latinLnBrk="0" hangingPunct="1"/>
             <a:r>
               <a:rPr lang="en-US" smtClean="0"/>
               <a:t>Click to edit Master text styles</a:t>
             </a:r>
           </a:p>
           <a:p>
-            <a:pPr lvl="1"/>
+            <a:pPr lvl="1" eaLnBrk="1" latinLnBrk="0" hangingPunct="1"/>
             <a:r>
               <a:rPr lang="en-US" smtClean="0"/>
               <a:t>Second level</a:t>
             </a:r>
           </a:p>
           <a:p>
-            <a:pPr lvl="2"/>
+            <a:pPr lvl="2" eaLnBrk="1" latinLnBrk="0" hangingPunct="1"/>
             <a:r>
               <a:rPr lang="en-US" smtClean="0"/>
               <a:t>Third level</a:t>
             </a:r>
           </a:p>
           <a:p>
-            <a:pPr lvl="3"/>
+            <a:pPr lvl="3" eaLnBrk="1" latinLnBrk="0" hangingPunct="1"/>
             <a:r>
               <a:rPr lang="en-US" smtClean="0"/>
               <a:t>Fourth level</a:t>
             </a:r>
           </a:p>
           <a:p>
-            <a:pPr lvl="4"/>
+            <a:pPr lvl="4" eaLnBrk="1" latinLnBrk="0" hangingPunct="1"/>
             <a:r>
               <a:rPr lang="en-US" smtClean="0"/>
               <a:t>Fifth level</a:t>
             </a:r>
-            <a:endParaRPr lang="en-US"/>
-          </a:p>
-        </p:txBody>
-      </p:sp>
-      <p:sp>
-        <p:nvSpPr>
-          <p:cNvPr id="5" name="Text Placeholder 4"/>
-          <p:cNvSpPr>
-            <a:spLocks noGrp="1"/>
-          </p:cNvSpPr>
-          <p:nvPr>
-            <p:ph type="body" sz="quarter" idx="3"/>
+            <a:endParaRPr kumimoji="0" lang="en-US"/>
+          </a:p>
+        </p:txBody>
+      </p:sp>
+      <p:sp>
+        <p:nvSpPr>
+          <p:cNvPr id="6" name="Content Placeholder 5"/>
+          <p:cNvSpPr>
+            <a:spLocks noGrp="1"/>
+          </p:cNvSpPr>
+          <p:nvPr>
+            <p:ph sz="quarter" idx="4"/>
           </p:nvPr>
         </p:nvSpPr>
         <p:spPr>
           <a:xfrm>
-            <a:off x="4645025" y="1535113"/>
-            <a:ext cx="4041775" cy="639762"/>
-          </a:xfrm>
-        </p:spPr>
-        <p:txBody>
-          <a:bodyPr anchor="b"/>
-          <a:lstStyle>
-            <a:lvl1pPr marL="0" indent="0">
-              <a:buNone/>
-              <a:defRPr sz="2400" b="1"/>
-            </a:lvl1pPr>
-            <a:lvl2pPr marL="457200" indent="0">
-              <a:buNone/>
-              <a:defRPr sz="2000" b="1"/>
-            </a:lvl2pPr>
-            <a:lvl3pPr marL="914400" indent="0">
-              <a:buNone/>
-              <a:defRPr sz="1800" b="1"/>
-            </a:lvl3pPr>
-            <a:lvl4pPr marL="1371600" indent="0">
-              <a:buNone/>
-              <a:defRPr sz="1600" b="1"/>
-            </a:lvl4pPr>
-            <a:lvl5pPr marL="1828800" indent="0">
-              <a:buNone/>
-              <a:defRPr sz="1600" b="1"/>
-            </a:lvl5pPr>
-            <a:lvl6pPr marL="2286000" indent="0">
-              <a:buNone/>
-              <a:defRPr sz="1600" b="1"/>
-            </a:lvl6pPr>
-            <a:lvl7pPr marL="2743200" indent="0">
-              <a:buNone/>
-              <a:defRPr sz="1600" b="1"/>
-            </a:lvl7pPr>
-            <a:lvl8pPr marL="3200400" indent="0">
-              <a:buNone/>
-              <a:defRPr sz="1600" b="1"/>
-            </a:lvl8pPr>
-            <a:lvl9pPr marL="3657600" indent="0">
-              <a:buNone/>
-              <a:defRPr sz="1600" b="1"/>
-            </a:lvl9pPr>
-          </a:lstStyle>
-          <a:p>
-            <a:pPr lvl="0"/>
-            <a:r>
-              <a:rPr lang="en-US" smtClean="0"/>
-              <a:t>Click to edit Master text styles</a:t>
-            </a:r>
-          </a:p>
-        </p:txBody>
-      </p:sp>
-      <p:sp>
-        <p:nvSpPr>
-          <p:cNvPr id="6" name="Content Placeholder 5"/>
-          <p:cNvSpPr>
-            <a:spLocks noGrp="1"/>
-          </p:cNvSpPr>
-          <p:nvPr>
-            <p:ph sz="quarter" idx="4"/>
-          </p:nvPr>
-        </p:nvSpPr>
-        <p:spPr>
-          <a:xfrm>
-            <a:off x="4645025" y="2174875"/>
-            <a:ext cx="4041775" cy="3951288"/>
+            <a:off x="6503036" y="2362201"/>
+            <a:ext cx="5658485" cy="3763963"/>
           </a:xfrm>
         </p:spPr>
         <p:txBody>
@@ -1690,54 +1631,42 @@
             <a:lvl5pPr>
               <a:defRPr sz="1600"/>
             </a:lvl5pPr>
-            <a:lvl6pPr>
-              <a:defRPr sz="1600"/>
-            </a:lvl6pPr>
-            <a:lvl7pPr>
-              <a:defRPr sz="1600"/>
-            </a:lvl7pPr>
-            <a:lvl8pPr>
-              <a:defRPr sz="1600"/>
-            </a:lvl8pPr>
-            <a:lvl9pPr>
-              <a:defRPr sz="1600"/>
-            </a:lvl9pPr>
           </a:lstStyle>
           <a:p>
-            <a:pPr lvl="0"/>
+            <a:pPr lvl="0" eaLnBrk="1" latinLnBrk="0" hangingPunct="1"/>
             <a:r>
               <a:rPr lang="en-US" smtClean="0"/>
               <a:t>Click to edit Master text styles</a:t>
             </a:r>
           </a:p>
           <a:p>
-            <a:pPr lvl="1"/>
+            <a:pPr lvl="1" eaLnBrk="1" latinLnBrk="0" hangingPunct="1"/>
             <a:r>
               <a:rPr lang="en-US" smtClean="0"/>
               <a:t>Second level</a:t>
             </a:r>
           </a:p>
           <a:p>
-            <a:pPr lvl="2"/>
+            <a:pPr lvl="2" eaLnBrk="1" latinLnBrk="0" hangingPunct="1"/>
             <a:r>
               <a:rPr lang="en-US" smtClean="0"/>
               <a:t>Third level</a:t>
             </a:r>
           </a:p>
           <a:p>
-            <a:pPr lvl="3"/>
+            <a:pPr lvl="3" eaLnBrk="1" latinLnBrk="0" hangingPunct="1"/>
             <a:r>
               <a:rPr lang="en-US" smtClean="0"/>
               <a:t>Fourth level</a:t>
             </a:r>
           </a:p>
           <a:p>
-            <a:pPr lvl="4"/>
+            <a:pPr lvl="4" eaLnBrk="1" latinLnBrk="0" hangingPunct="1"/>
             <a:r>
               <a:rPr lang="en-US" smtClean="0"/>
               <a:t>Fifth level</a:t>
             </a:r>
-            <a:endParaRPr lang="en-US"/>
+            <a:endParaRPr kumimoji="0" lang="en-US"/>
           </a:p>
         </p:txBody>
       </p:sp>
@@ -1849,10 +1778,10 @@
           <a:lstStyle/>
           <a:p>
             <a:r>
-              <a:rPr lang="en-US" smtClean="0"/>
+              <a:rPr kumimoji="0" lang="en-US" smtClean="0"/>
               <a:t>Click to edit Master title style</a:t>
             </a:r>
-            <a:endParaRPr lang="en-US"/>
+            <a:endParaRPr kumimoji="0" lang="en-US"/>
           </a:p>
         </p:txBody>
       </p:sp>
@@ -2052,125 +1981,54 @@
         </p:nvSpPr>
         <p:spPr>
           <a:xfrm>
-            <a:off x="457200" y="273050"/>
-            <a:ext cx="3008313" cy="1162050"/>
-          </a:xfrm>
-        </p:spPr>
-        <p:txBody>
-          <a:bodyPr anchor="b"/>
+            <a:off x="640081" y="273050"/>
+            <a:ext cx="4211638" cy="1162050"/>
+          </a:xfrm>
+        </p:spPr>
+        <p:txBody>
+          <a:bodyPr vert="horz" anchor="b">
+            <a:normAutofit/>
+            <a:sp3d prstMaterial="softEdge"/>
+          </a:bodyPr>
           <a:lstStyle>
             <a:lvl1pPr algn="l">
-              <a:defRPr sz="2000" b="1"/>
+              <a:buNone/>
+              <a:defRPr sz="2200" b="0">
+                <a:ln w="6350">
+                  <a:noFill/>
+                </a:ln>
+                <a:solidFill>
+                  <a:schemeClr val="accent1">
+                    <a:tint val="73000"/>
+                    <a:satMod val="180000"/>
+                  </a:schemeClr>
+                </a:solidFill>
+              </a:defRPr>
             </a:lvl1pPr>
           </a:lstStyle>
           <a:p>
             <a:r>
-              <a:rPr lang="en-US" smtClean="0"/>
+              <a:rPr kumimoji="0" lang="en-US" smtClean="0"/>
               <a:t>Click to edit Master title style</a:t>
             </a:r>
-            <a:endParaRPr lang="en-US"/>
-          </a:p>
-        </p:txBody>
-      </p:sp>
-      <p:sp>
-        <p:nvSpPr>
-          <p:cNvPr id="3" name="Content Placeholder 2"/>
-          <p:cNvSpPr>
-            <a:spLocks noGrp="1"/>
-          </p:cNvSpPr>
-          <p:nvPr>
-            <p:ph idx="1"/>
+            <a:endParaRPr kumimoji="0" lang="en-US"/>
+          </a:p>
+        </p:txBody>
+      </p:sp>
+      <p:sp>
+        <p:nvSpPr>
+          <p:cNvPr id="3" name="Text Placeholder 2"/>
+          <p:cNvSpPr>
+            <a:spLocks noGrp="1"/>
+          </p:cNvSpPr>
+          <p:nvPr>
+            <p:ph type="body" idx="2"/>
           </p:nvPr>
         </p:nvSpPr>
         <p:spPr>
           <a:xfrm>
-            <a:off x="3575050" y="273050"/>
-            <a:ext cx="5111750" cy="5853113"/>
-          </a:xfrm>
-        </p:spPr>
-        <p:txBody>
-          <a:bodyPr/>
-          <a:lstStyle>
-            <a:lvl1pPr>
-              <a:defRPr sz="3200"/>
-            </a:lvl1pPr>
-            <a:lvl2pPr>
-              <a:defRPr sz="2800"/>
-            </a:lvl2pPr>
-            <a:lvl3pPr>
-              <a:defRPr sz="2400"/>
-            </a:lvl3pPr>
-            <a:lvl4pPr>
-              <a:defRPr sz="2000"/>
-            </a:lvl4pPr>
-            <a:lvl5pPr>
-              <a:defRPr sz="2000"/>
-            </a:lvl5pPr>
-            <a:lvl6pPr>
-              <a:defRPr sz="2000"/>
-            </a:lvl6pPr>
-            <a:lvl7pPr>
-              <a:defRPr sz="2000"/>
-            </a:lvl7pPr>
-            <a:lvl8pPr>
-              <a:defRPr sz="2000"/>
-            </a:lvl8pPr>
-            <a:lvl9pPr>
-              <a:defRPr sz="2000"/>
-            </a:lvl9pPr>
-          </a:lstStyle>
-          <a:p>
-            <a:pPr lvl="0"/>
-            <a:r>
-              <a:rPr lang="en-US" smtClean="0"/>
-              <a:t>Click to edit Master text styles</a:t>
-            </a:r>
-          </a:p>
-          <a:p>
-            <a:pPr lvl="1"/>
-            <a:r>
-              <a:rPr lang="en-US" smtClean="0"/>
-              <a:t>Second level</a:t>
-            </a:r>
-          </a:p>
-          <a:p>
-            <a:pPr lvl="2"/>
-            <a:r>
-              <a:rPr lang="en-US" smtClean="0"/>
-              <a:t>Third level</a:t>
-            </a:r>
-          </a:p>
-          <a:p>
-            <a:pPr lvl="3"/>
-            <a:r>
-              <a:rPr lang="en-US" smtClean="0"/>
-              <a:t>Fourth level</a:t>
-            </a:r>
-          </a:p>
-          <a:p>
-            <a:pPr lvl="4"/>
-            <a:r>
-              <a:rPr lang="en-US" smtClean="0"/>
-              <a:t>Fifth level</a:t>
-            </a:r>
-            <a:endParaRPr lang="en-US"/>
-          </a:p>
-        </p:txBody>
-      </p:sp>
-      <p:sp>
-        <p:nvSpPr>
-          <p:cNvPr id="4" name="Text Placeholder 3"/>
-          <p:cNvSpPr>
-            <a:spLocks noGrp="1"/>
-          </p:cNvSpPr>
-          <p:nvPr>
-            <p:ph type="body" sz="half" idx="2"/>
-          </p:nvPr>
-        </p:nvSpPr>
-        <p:spPr>
-          <a:xfrm>
-            <a:off x="457200" y="1435100"/>
-            <a:ext cx="3008313" cy="4691063"/>
+            <a:off x="640081" y="1524001"/>
+            <a:ext cx="4211638" cy="4602163"/>
           </a:xfrm>
         </p:spPr>
         <p:txBody>
@@ -2180,45 +2038,102 @@
               <a:buNone/>
               <a:defRPr sz="1400"/>
             </a:lvl1pPr>
-            <a:lvl2pPr marL="457200" indent="0">
+            <a:lvl2pPr>
               <a:buNone/>
               <a:defRPr sz="1200"/>
             </a:lvl2pPr>
-            <a:lvl3pPr marL="914400" indent="0">
+            <a:lvl3pPr>
               <a:buNone/>
               <a:defRPr sz="1000"/>
             </a:lvl3pPr>
-            <a:lvl4pPr marL="1371600" indent="0">
+            <a:lvl4pPr>
               <a:buNone/>
               <a:defRPr sz="900"/>
             </a:lvl4pPr>
-            <a:lvl5pPr marL="1828800" indent="0">
+            <a:lvl5pPr>
               <a:buNone/>
               <a:defRPr sz="900"/>
             </a:lvl5pPr>
-            <a:lvl6pPr marL="2286000" indent="0">
-              <a:buNone/>
-              <a:defRPr sz="900"/>
-            </a:lvl6pPr>
-            <a:lvl7pPr marL="2743200" indent="0">
-              <a:buNone/>
-              <a:defRPr sz="900"/>
-            </a:lvl7pPr>
-            <a:lvl8pPr marL="3200400" indent="0">
-              <a:buNone/>
-              <a:defRPr sz="900"/>
-            </a:lvl8pPr>
-            <a:lvl9pPr marL="3657600" indent="0">
-              <a:buNone/>
-              <a:defRPr sz="900"/>
-            </a:lvl9pPr>
           </a:lstStyle>
           <a:p>
-            <a:pPr lvl="0"/>
-            <a:r>
-              <a:rPr lang="en-US" smtClean="0"/>
+            <a:pPr lvl="0" eaLnBrk="1" latinLnBrk="0" hangingPunct="1"/>
+            <a:r>
+              <a:rPr kumimoji="0" lang="en-US" smtClean="0"/>
               <a:t>Click to edit Master text styles</a:t>
             </a:r>
+          </a:p>
+        </p:txBody>
+      </p:sp>
+      <p:sp>
+        <p:nvSpPr>
+          <p:cNvPr id="4" name="Content Placeholder 3"/>
+          <p:cNvSpPr>
+            <a:spLocks noGrp="1"/>
+          </p:cNvSpPr>
+          <p:nvPr>
+            <p:ph sz="half" idx="1"/>
+          </p:nvPr>
+        </p:nvSpPr>
+        <p:spPr>
+          <a:xfrm>
+            <a:off x="5005070" y="273051"/>
+            <a:ext cx="7156450" cy="5853113"/>
+          </a:xfrm>
+        </p:spPr>
+        <p:txBody>
+          <a:bodyPr/>
+          <a:lstStyle>
+            <a:lvl1pPr>
+              <a:defRPr sz="2600"/>
+            </a:lvl1pPr>
+            <a:lvl2pPr>
+              <a:defRPr sz="2400"/>
+            </a:lvl2pPr>
+            <a:lvl3pPr>
+              <a:defRPr sz="2200"/>
+            </a:lvl3pPr>
+            <a:lvl4pPr>
+              <a:defRPr sz="2000"/>
+            </a:lvl4pPr>
+            <a:lvl5pPr>
+              <a:defRPr sz="1800"/>
+            </a:lvl5pPr>
+          </a:lstStyle>
+          <a:p>
+            <a:pPr lvl="0" eaLnBrk="1" latinLnBrk="0" hangingPunct="1"/>
+            <a:r>
+              <a:rPr lang="en-US" smtClean="0"/>
+              <a:t>Click to edit Master text styles</a:t>
+            </a:r>
+          </a:p>
+          <a:p>
+            <a:pPr lvl="1" eaLnBrk="1" latinLnBrk="0" hangingPunct="1"/>
+            <a:r>
+              <a:rPr lang="en-US" smtClean="0"/>
+              <a:t>Second level</a:t>
+            </a:r>
+          </a:p>
+          <a:p>
+            <a:pPr lvl="2" eaLnBrk="1" latinLnBrk="0" hangingPunct="1"/>
+            <a:r>
+              <a:rPr lang="en-US" smtClean="0"/>
+              <a:t>Third level</a:t>
+            </a:r>
+          </a:p>
+          <a:p>
+            <a:pPr lvl="3" eaLnBrk="1" latinLnBrk="0" hangingPunct="1"/>
+            <a:r>
+              <a:rPr lang="en-US" smtClean="0"/>
+              <a:t>Fourth level</a:t>
+            </a:r>
+          </a:p>
+          <a:p>
+            <a:pPr lvl="4" eaLnBrk="1" latinLnBrk="0" hangingPunct="1"/>
+            <a:r>
+              <a:rPr lang="en-US" smtClean="0"/>
+              <a:t>Fifth level</a:t>
+            </a:r>
+            <a:endParaRPr kumimoji="0" lang="en-US"/>
           </a:p>
         </p:txBody>
       </p:sp>
@@ -2326,23 +2241,26 @@
         </p:nvSpPr>
         <p:spPr>
           <a:xfrm>
-            <a:off x="1792288" y="4800600"/>
-            <a:ext cx="5486400" cy="566738"/>
-          </a:xfrm>
-        </p:spPr>
-        <p:txBody>
-          <a:bodyPr anchor="b"/>
+            <a:off x="2560320" y="609600"/>
+            <a:ext cx="7680960" cy="522288"/>
+          </a:xfrm>
+        </p:spPr>
+        <p:txBody>
+          <a:bodyPr lIns="45720" rIns="45720" bIns="0" anchor="b">
+            <a:sp3d prstMaterial="softEdge"/>
+          </a:bodyPr>
           <a:lstStyle>
-            <a:lvl1pPr algn="l">
+            <a:lvl1pPr algn="ctr">
+              <a:buNone/>
               <a:defRPr sz="2000" b="1"/>
             </a:lvl1pPr>
           </a:lstStyle>
           <a:p>
             <a:r>
-              <a:rPr lang="en-US" smtClean="0"/>
+              <a:rPr kumimoji="0" lang="en-US" smtClean="0"/>
               <a:t>Click to edit Master title style</a:t>
             </a:r>
-            <a:endParaRPr lang="en-US"/>
+            <a:endParaRPr kumimoji="0" lang="en-US"/>
           </a:p>
         </p:txBody>
       </p:sp>
@@ -2358,52 +2276,85 @@
         </p:nvSpPr>
         <p:spPr>
           <a:xfrm>
-            <a:off x="1792288" y="612775"/>
-            <a:ext cx="5486400" cy="4114800"/>
-          </a:xfrm>
-        </p:spPr>
-        <p:txBody>
-          <a:bodyPr/>
+            <a:off x="2560320" y="1831975"/>
+            <a:ext cx="7680960" cy="3962400"/>
+          </a:xfrm>
+          <a:solidFill>
+            <a:schemeClr val="bg2"/>
+          </a:solidFill>
+          <a:ln w="44450" cap="sq" cmpd="sng" algn="ctr">
+            <a:solidFill>
+              <a:srgbClr val="FFFFFF"/>
+            </a:solidFill>
+            <a:prstDash val="solid"/>
+            <a:miter lim="800000"/>
+          </a:ln>
+          <a:effectLst>
+            <a:outerShdw blurRad="190500" dist="228600" dir="2700000" sy="90000">
+              <a:srgbClr val="000000">
+                <a:alpha val="25000"/>
+              </a:srgbClr>
+            </a:outerShdw>
+          </a:effectLst>
+          <a:scene3d>
+            <a:camera prst="orthographicFront">
+              <a:rot lat="0" lon="0" rev="0"/>
+            </a:camera>
+            <a:lightRig rig="balanced" dir="tr">
+              <a:rot lat="0" lon="0" rev="2700000"/>
+            </a:lightRig>
+          </a:scene3d>
+          <a:sp3d prstMaterial="matte">
+            <a:contourClr>
+              <a:schemeClr val="tx2">
+                <a:shade val="50000"/>
+              </a:schemeClr>
+            </a:contourClr>
+          </a:sp3d>
+        </p:spPr>
+        <p:style>
+          <a:lnRef idx="3">
+            <a:schemeClr val="lt1"/>
+          </a:lnRef>
+          <a:fillRef idx="1">
+            <a:schemeClr val="accent1"/>
+          </a:fillRef>
+          <a:effectRef idx="1">
+            <a:schemeClr val="accent1"/>
+          </a:effectRef>
+          <a:fontRef idx="minor">
+            <a:schemeClr val="lt1"/>
+          </a:fontRef>
+        </p:style>
+        <p:txBody>
+          <a:bodyPr anchor="t"/>
           <a:lstStyle>
-            <a:lvl1pPr marL="0" indent="0">
+            <a:lvl1pPr indent="0">
               <a:buNone/>
               <a:defRPr sz="3200"/>
             </a:lvl1pPr>
-            <a:lvl2pPr marL="457200" indent="0">
-              <a:buNone/>
-              <a:defRPr sz="2800"/>
-            </a:lvl2pPr>
-            <a:lvl3pPr marL="914400" indent="0">
-              <a:buNone/>
-              <a:defRPr sz="2400"/>
-            </a:lvl3pPr>
-            <a:lvl4pPr marL="1371600" indent="0">
-              <a:buNone/>
-              <a:defRPr sz="2000"/>
-            </a:lvl4pPr>
-            <a:lvl5pPr marL="1828800" indent="0">
-              <a:buNone/>
-              <a:defRPr sz="2000"/>
-            </a:lvl5pPr>
-            <a:lvl6pPr marL="2286000" indent="0">
-              <a:buNone/>
-              <a:defRPr sz="2000"/>
-            </a:lvl6pPr>
-            <a:lvl7pPr marL="2743200" indent="0">
-              <a:buNone/>
-              <a:defRPr sz="2000"/>
-            </a:lvl7pPr>
-            <a:lvl8pPr marL="3200400" indent="0">
-              <a:buNone/>
-              <a:defRPr sz="2000"/>
-            </a:lvl8pPr>
-            <a:lvl9pPr marL="3657600" indent="0">
-              <a:buNone/>
-              <a:defRPr sz="2000"/>
-            </a:lvl9pPr>
           </a:lstStyle>
           <a:p>
-            <a:endParaRPr lang="en-US"/>
+            <a:pPr marL="0" algn="l" rtl="0" eaLnBrk="1" latinLnBrk="0" hangingPunct="1"/>
+            <a:r>
+              <a:rPr kumimoji="0" lang="en-US" smtClean="0">
+                <a:solidFill>
+                  <a:schemeClr val="lt1"/>
+                </a:solidFill>
+                <a:latin typeface="+mn-lt"/>
+                <a:ea typeface="+mn-ea"/>
+                <a:cs typeface="+mn-cs"/>
+              </a:rPr>
+              <a:t>Click icon to add picture</a:t>
+            </a:r>
+            <a:endParaRPr kumimoji="0" lang="en-US" dirty="0">
+              <a:solidFill>
+                <a:schemeClr val="lt1"/>
+              </a:solidFill>
+              <a:latin typeface="+mn-lt"/>
+              <a:ea typeface="+mn-ea"/>
+              <a:cs typeface="+mn-cs"/>
+            </a:endParaRPr>
           </a:p>
         </p:txBody>
       </p:sp>
@@ -2419,54 +2370,34 @@
         </p:nvSpPr>
         <p:spPr>
           <a:xfrm>
-            <a:off x="1792288" y="5367338"/>
-            <a:ext cx="5486400" cy="804862"/>
-          </a:xfrm>
-        </p:spPr>
-        <p:txBody>
-          <a:bodyPr/>
+            <a:off x="2560320" y="1166787"/>
+            <a:ext cx="7680960" cy="530352"/>
+          </a:xfrm>
+        </p:spPr>
+        <p:txBody>
+          <a:bodyPr lIns="45720" tIns="45720" rIns="45720" anchor="t"/>
           <a:lstStyle>
-            <a:lvl1pPr marL="0" indent="0">
+            <a:lvl1pPr marL="0" indent="0" algn="ctr">
               <a:buNone/>
               <a:defRPr sz="1400"/>
             </a:lvl1pPr>
-            <a:lvl2pPr marL="457200" indent="0">
-              <a:buNone/>
+            <a:lvl2pPr>
               <a:defRPr sz="1200"/>
             </a:lvl2pPr>
-            <a:lvl3pPr marL="914400" indent="0">
-              <a:buNone/>
+            <a:lvl3pPr>
               <a:defRPr sz="1000"/>
             </a:lvl3pPr>
-            <a:lvl4pPr marL="1371600" indent="0">
-              <a:buNone/>
+            <a:lvl4pPr>
               <a:defRPr sz="900"/>
             </a:lvl4pPr>
-            <a:lvl5pPr marL="1828800" indent="0">
-              <a:buNone/>
+            <a:lvl5pPr>
               <a:defRPr sz="900"/>
             </a:lvl5pPr>
-            <a:lvl6pPr marL="2286000" indent="0">
-              <a:buNone/>
-              <a:defRPr sz="900"/>
-            </a:lvl6pPr>
-            <a:lvl7pPr marL="2743200" indent="0">
-              <a:buNone/>
-              <a:defRPr sz="900"/>
-            </a:lvl7pPr>
-            <a:lvl8pPr marL="3200400" indent="0">
-              <a:buNone/>
-              <a:defRPr sz="900"/>
-            </a:lvl8pPr>
-            <a:lvl9pPr marL="3657600" indent="0">
-              <a:buNone/>
-              <a:defRPr sz="900"/>
-            </a:lvl9pPr>
           </a:lstStyle>
           <a:p>
-            <a:pPr lvl="0"/>
-            <a:r>
-              <a:rPr lang="en-US" smtClean="0"/>
+            <a:pPr lvl="0" eaLnBrk="1" latinLnBrk="0" hangingPunct="1"/>
+            <a:r>
+              <a:rPr kumimoji="0" lang="en-US" smtClean="0"/>
               <a:t>Click to edit Master text styles</a:t>
             </a:r>
           </a:p>
@@ -2551,8 +2482,8 @@
 <p:sldMaster xmlns:a="http://schemas.openxmlformats.org/drawingml/2006/main" xmlns:r="http://schemas.openxmlformats.org/officeDocument/2006/relationships" xmlns:p="http://schemas.openxmlformats.org/presentationml/2006/main">
   <p:cSld>
     <p:bg>
-      <p:bgRef idx="1001">
-        <a:schemeClr val="bg1"/>
+      <p:bgRef idx="1003">
+        <a:schemeClr val="bg2"/>
       </p:bgRef>
     </p:bg>
     <p:spTree>
@@ -2571,7 +2502,7 @@
       </p:grpSpPr>
       <p:sp>
         <p:nvSpPr>
-          <p:cNvPr id="2" name="Title Placeholder 1"/>
+          <p:cNvPr id="22" name="Title Placeholder 21"/>
           <p:cNvSpPr>
             <a:spLocks noGrp="1"/>
           </p:cNvSpPr>
@@ -2581,30 +2512,39 @@
         </p:nvSpPr>
         <p:spPr>
           <a:xfrm>
-            <a:off x="457200" y="274638"/>
-            <a:ext cx="8229600" cy="1143000"/>
+            <a:off x="640080" y="274638"/>
+            <a:ext cx="11521440" cy="1143000"/>
           </a:xfrm>
           <a:prstGeom prst="rect">
             <a:avLst/>
           </a:prstGeom>
         </p:spPr>
         <p:txBody>
-          <a:bodyPr vert="horz" lIns="91440" tIns="45720" rIns="91440" bIns="45720" rtlCol="0" anchor="ctr">
+          <a:bodyPr vert="horz" anchor="ctr">
             <a:normAutofit/>
+            <a:scene3d>
+              <a:camera prst="orthographicFront"/>
+              <a:lightRig rig="soft" dir="t">
+                <a:rot lat="0" lon="0" rev="16800000"/>
+              </a:lightRig>
+            </a:scene3d>
+            <a:sp3d prstMaterial="softEdge">
+              <a:bevelT w="38100" h="38100"/>
+            </a:sp3d>
           </a:bodyPr>
           <a:lstStyle/>
           <a:p>
             <a:r>
-              <a:rPr lang="en-US" smtClean="0"/>
+              <a:rPr kumimoji="0" lang="en-US" smtClean="0"/>
               <a:t>Click to edit Master title style</a:t>
             </a:r>
-            <a:endParaRPr lang="en-US"/>
-          </a:p>
-        </p:txBody>
-      </p:sp>
-      <p:sp>
-        <p:nvSpPr>
-          <p:cNvPr id="3" name="Text Placeholder 2"/>
+            <a:endParaRPr kumimoji="0" lang="en-US"/>
+          </a:p>
+        </p:txBody>
+      </p:sp>
+      <p:sp>
+        <p:nvSpPr>
+          <p:cNvPr id="13" name="Text Placeholder 12"/>
           <p:cNvSpPr>
             <a:spLocks noGrp="1"/>
           </p:cNvSpPr>
@@ -2614,59 +2554,59 @@
         </p:nvSpPr>
         <p:spPr>
           <a:xfrm>
-            <a:off x="457200" y="1600200"/>
-            <a:ext cx="8229600" cy="4525963"/>
+            <a:off x="640080" y="1600200"/>
+            <a:ext cx="11521440" cy="4709160"/>
           </a:xfrm>
           <a:prstGeom prst="rect">
             <a:avLst/>
           </a:prstGeom>
         </p:spPr>
         <p:txBody>
-          <a:bodyPr vert="horz" lIns="91440" tIns="45720" rIns="91440" bIns="45720" rtlCol="0">
+          <a:bodyPr vert="horz">
             <a:normAutofit/>
           </a:bodyPr>
           <a:lstStyle/>
           <a:p>
-            <a:pPr lvl="0"/>
-            <a:r>
-              <a:rPr lang="en-US" smtClean="0"/>
+            <a:pPr lvl="0" eaLnBrk="1" latinLnBrk="0" hangingPunct="1"/>
+            <a:r>
+              <a:rPr kumimoji="0" lang="en-US" smtClean="0"/>
               <a:t>Click to edit Master text styles</a:t>
             </a:r>
           </a:p>
           <a:p>
-            <a:pPr lvl="1"/>
-            <a:r>
-              <a:rPr lang="en-US" smtClean="0"/>
+            <a:pPr lvl="1" eaLnBrk="1" latinLnBrk="0" hangingPunct="1"/>
+            <a:r>
+              <a:rPr kumimoji="0" lang="en-US" smtClean="0"/>
               <a:t>Second level</a:t>
             </a:r>
           </a:p>
           <a:p>
-            <a:pPr lvl="2"/>
-            <a:r>
-              <a:rPr lang="en-US" smtClean="0"/>
+            <a:pPr lvl="2" eaLnBrk="1" latinLnBrk="0" hangingPunct="1"/>
+            <a:r>
+              <a:rPr kumimoji="0" lang="en-US" smtClean="0"/>
               <a:t>Third level</a:t>
             </a:r>
           </a:p>
           <a:p>
-            <a:pPr lvl="3"/>
-            <a:r>
-              <a:rPr lang="en-US" smtClean="0"/>
+            <a:pPr lvl="3" eaLnBrk="1" latinLnBrk="0" hangingPunct="1"/>
+            <a:r>
+              <a:rPr kumimoji="0" lang="en-US" smtClean="0"/>
               <a:t>Fourth level</a:t>
             </a:r>
           </a:p>
           <a:p>
-            <a:pPr lvl="4"/>
-            <a:r>
-              <a:rPr lang="en-US" smtClean="0"/>
+            <a:pPr lvl="4" eaLnBrk="1" latinLnBrk="0" hangingPunct="1"/>
+            <a:r>
+              <a:rPr kumimoji="0" lang="en-US" smtClean="0"/>
               <a:t>Fifth level</a:t>
             </a:r>
-            <a:endParaRPr lang="en-US"/>
-          </a:p>
-        </p:txBody>
-      </p:sp>
-      <p:sp>
-        <p:nvSpPr>
-          <p:cNvPr id="4" name="Date Placeholder 3"/>
+            <a:endParaRPr kumimoji="0" lang="en-US"/>
+          </a:p>
+        </p:txBody>
+      </p:sp>
+      <p:sp>
+        <p:nvSpPr>
+          <p:cNvPr id="14" name="Date Placeholder 13"/>
           <p:cNvSpPr>
             <a:spLocks noGrp="1"/>
           </p:cNvSpPr>
@@ -2676,21 +2616,21 @@
         </p:nvSpPr>
         <p:spPr>
           <a:xfrm>
-            <a:off x="457200" y="6356350"/>
-            <a:ext cx="2133600" cy="365125"/>
+            <a:off x="640080" y="6416676"/>
+            <a:ext cx="2987040" cy="365125"/>
           </a:xfrm>
           <a:prstGeom prst="rect">
             <a:avLst/>
           </a:prstGeom>
         </p:spPr>
         <p:txBody>
-          <a:bodyPr vert="horz" lIns="91440" tIns="45720" rIns="91440" bIns="45720" rtlCol="0" anchor="ctr"/>
+          <a:bodyPr vert="horz" anchor="b"/>
           <a:lstStyle>
-            <a:lvl1pPr algn="l">
-              <a:defRPr sz="1200">
+            <a:lvl1pPr algn="l" eaLnBrk="1" latinLnBrk="0" hangingPunct="1">
+              <a:defRPr kumimoji="0" sz="1200">
                 <a:solidFill>
                   <a:schemeClr val="tx1">
-                    <a:tint val="75000"/>
+                    <a:shade val="50000"/>
                   </a:schemeClr>
                 </a:solidFill>
               </a:defRPr>
@@ -2708,7 +2648,7 @@
       </p:sp>
       <p:sp>
         <p:nvSpPr>
-          <p:cNvPr id="5" name="Footer Placeholder 4"/>
+          <p:cNvPr id="3" name="Footer Placeholder 2"/>
           <p:cNvSpPr>
             <a:spLocks noGrp="1"/>
           </p:cNvSpPr>
@@ -2718,21 +2658,21 @@
         </p:nvSpPr>
         <p:spPr>
           <a:xfrm>
-            <a:off x="3124200" y="6356350"/>
-            <a:ext cx="2895600" cy="365125"/>
+            <a:off x="4373880" y="6416676"/>
+            <a:ext cx="4053840" cy="365125"/>
           </a:xfrm>
           <a:prstGeom prst="rect">
             <a:avLst/>
           </a:prstGeom>
         </p:spPr>
         <p:txBody>
-          <a:bodyPr vert="horz" lIns="91440" tIns="45720" rIns="91440" bIns="45720" rtlCol="0" anchor="ctr"/>
+          <a:bodyPr vert="horz" anchor="b"/>
           <a:lstStyle>
-            <a:lvl1pPr algn="ctr">
-              <a:defRPr sz="1200">
+            <a:lvl1pPr algn="ctr" eaLnBrk="1" latinLnBrk="0" hangingPunct="1">
+              <a:defRPr kumimoji="0" sz="1200">
                 <a:solidFill>
                   <a:schemeClr val="tx1">
-                    <a:tint val="75000"/>
+                    <a:shade val="50000"/>
                   </a:schemeClr>
                 </a:solidFill>
               </a:defRPr>
@@ -2745,7 +2685,7 @@
       </p:sp>
       <p:sp>
         <p:nvSpPr>
-          <p:cNvPr id="6" name="Slide Number Placeholder 5"/>
+          <p:cNvPr id="23" name="Slide Number Placeholder 22"/>
           <p:cNvSpPr>
             <a:spLocks noGrp="1"/>
           </p:cNvSpPr>
@@ -2755,21 +2695,21 @@
         </p:nvSpPr>
         <p:spPr>
           <a:xfrm>
-            <a:off x="6553200" y="6356350"/>
-            <a:ext cx="2133600" cy="365125"/>
+            <a:off x="11094720" y="6416676"/>
+            <a:ext cx="1066800" cy="365125"/>
           </a:xfrm>
           <a:prstGeom prst="rect">
             <a:avLst/>
           </a:prstGeom>
         </p:spPr>
         <p:txBody>
-          <a:bodyPr vert="horz" lIns="91440" tIns="45720" rIns="91440" bIns="45720" rtlCol="0" anchor="ctr"/>
+          <a:bodyPr vert="horz" lIns="0" rIns="0" anchor="b"/>
           <a:lstStyle>
-            <a:lvl1pPr algn="r">
-              <a:defRPr sz="1200">
+            <a:lvl1pPr algn="r" eaLnBrk="1" latinLnBrk="0" hangingPunct="1">
+              <a:defRPr kumimoji="0" sz="1200">
                 <a:solidFill>
                   <a:schemeClr val="tx1">
-                    <a:tint val="75000"/>
+                    <a:shade val="50000"/>
                   </a:schemeClr>
                 </a:solidFill>
               </a:defRPr>
@@ -2787,31 +2727,61 @@
       </p:sp>
     </p:spTree>
   </p:cSld>
-  <p:clrMap bg1="lt1" tx1="dk1" bg2="lt2" tx2="dk2" accent1="accent1" accent2="accent2" accent3="accent3" accent4="accent4" accent5="accent5" accent6="accent6" hlink="hlink" folHlink="folHlink"/>
+  <p:clrMap bg1="dk1" tx1="lt1" bg2="dk2" tx2="lt2" accent1="accent1" accent2="accent2" accent3="accent3" accent4="accent4" accent5="accent5" accent6="accent6" hlink="hlink" folHlink="folHlink"/>
   <p:sldLayoutIdLst>
-    <p:sldLayoutId id="2147483649" r:id="rId1"/>
-    <p:sldLayoutId id="2147483650" r:id="rId2"/>
-    <p:sldLayoutId id="2147483651" r:id="rId3"/>
-    <p:sldLayoutId id="2147483652" r:id="rId4"/>
-    <p:sldLayoutId id="2147483653" r:id="rId5"/>
-    <p:sldLayoutId id="2147483654" r:id="rId6"/>
-    <p:sldLayoutId id="2147483655" r:id="rId7"/>
-    <p:sldLayoutId id="2147483656" r:id="rId8"/>
-    <p:sldLayoutId id="2147483657" r:id="rId9"/>
-    <p:sldLayoutId id="2147483658" r:id="rId10"/>
-    <p:sldLayoutId id="2147483659" r:id="rId11"/>
+    <p:sldLayoutId id="2147483889" r:id="rId1"/>
+    <p:sldLayoutId id="2147483890" r:id="rId2"/>
+    <p:sldLayoutId id="2147483891" r:id="rId3"/>
+    <p:sldLayoutId id="2147483892" r:id="rId4"/>
+    <p:sldLayoutId id="2147483893" r:id="rId5"/>
+    <p:sldLayoutId id="2147483894" r:id="rId6"/>
+    <p:sldLayoutId id="2147483895" r:id="rId7"/>
+    <p:sldLayoutId id="2147483896" r:id="rId8"/>
+    <p:sldLayoutId id="2147483897" r:id="rId9"/>
+    <p:sldLayoutId id="2147483898" r:id="rId10"/>
+    <p:sldLayoutId id="2147483899" r:id="rId11"/>
   </p:sldLayoutIdLst>
   <p:txStyles>
     <p:titleStyle>
-      <a:lvl1pPr algn="ctr" defTabSz="914400" rtl="0" eaLnBrk="1" latinLnBrk="0" hangingPunct="1">
+      <a:lvl1pPr algn="ctr" rtl="0" eaLnBrk="1" latinLnBrk="0" hangingPunct="1">
         <a:spcBef>
           <a:spcPct val="0"/>
         </a:spcBef>
         <a:buNone/>
-        <a:defRPr sz="4400" kern="1200">
-          <a:solidFill>
-            <a:schemeClr val="tx1"/>
-          </a:solidFill>
+        <a:defRPr kumimoji="0" sz="4100" b="1" kern="1200" cap="none" baseline="0">
+          <a:ln w="6350">
+            <a:noFill/>
+          </a:ln>
+          <a:gradFill>
+            <a:gsLst>
+              <a:gs pos="0">
+                <a:schemeClr val="accent1">
+                  <a:tint val="73000"/>
+                  <a:satMod val="145000"/>
+                </a:schemeClr>
+              </a:gs>
+              <a:gs pos="73000">
+                <a:schemeClr val="accent1">
+                  <a:tint val="73000"/>
+                  <a:satMod val="145000"/>
+                </a:schemeClr>
+              </a:gs>
+              <a:gs pos="100000">
+                <a:schemeClr val="accent1">
+                  <a:tint val="83000"/>
+                  <a:satMod val="143000"/>
+                </a:schemeClr>
+              </a:gs>
+            </a:gsLst>
+            <a:lin ang="4800000" scaled="1"/>
+          </a:gradFill>
+          <a:effectLst>
+            <a:outerShdw blurRad="114300" dist="101600" dir="2700000" algn="tl" rotWithShape="0">
+              <a:srgbClr val="000000">
+                <a:alpha val="40000"/>
+              </a:srgbClr>
+            </a:outerShdw>
+          </a:effectLst>
           <a:latin typeface="+mj-lt"/>
           <a:ea typeface="+mj-ea"/>
           <a:cs typeface="+mj-cs"/>
@@ -2819,13 +2789,19 @@
       </a:lvl1pPr>
     </p:titleStyle>
     <p:bodyStyle>
-      <a:lvl1pPr marL="342900" indent="-342900" algn="l" defTabSz="914400" rtl="0" eaLnBrk="1" latinLnBrk="0" hangingPunct="1">
+      <a:lvl1pPr marL="548640" indent="-411480" algn="l" rtl="0" eaLnBrk="1" latinLnBrk="0" hangingPunct="1">
         <a:spcBef>
           <a:spcPct val="20000"/>
         </a:spcBef>
-        <a:buFont typeface="Arial" pitchFamily="34" charset="0"/>
-        <a:buChar char="•"/>
-        <a:defRPr sz="3200" kern="1200">
+        <a:buClr>
+          <a:schemeClr val="tx1">
+            <a:shade val="95000"/>
+          </a:schemeClr>
+        </a:buClr>
+        <a:buSzPct val="65000"/>
+        <a:buFont typeface="Wingdings 2"/>
+        <a:buChar char=""/>
+        <a:defRPr kumimoji="0" sz="2800" kern="1200">
           <a:solidFill>
             <a:schemeClr val="tx1"/>
           </a:solidFill>
@@ -2834,13 +2810,17 @@
           <a:cs typeface="+mn-cs"/>
         </a:defRPr>
       </a:lvl1pPr>
-      <a:lvl2pPr marL="742950" indent="-285750" algn="l" defTabSz="914400" rtl="0" eaLnBrk="1" latinLnBrk="0" hangingPunct="1">
+      <a:lvl2pPr marL="868680" indent="-283464" algn="l" rtl="0" eaLnBrk="1" latinLnBrk="0" hangingPunct="1">
         <a:spcBef>
           <a:spcPct val="20000"/>
         </a:spcBef>
-        <a:buFont typeface="Arial" pitchFamily="34" charset="0"/>
-        <a:buChar char="–"/>
-        <a:defRPr sz="2800" kern="1200">
+        <a:buClr>
+          <a:schemeClr val="tx1"/>
+        </a:buClr>
+        <a:buSzPct val="80000"/>
+        <a:buFont typeface="Wingdings 2"/>
+        <a:buChar char=""/>
+        <a:defRPr kumimoji="0" sz="2400" kern="1200">
           <a:solidFill>
             <a:schemeClr val="tx1"/>
           </a:solidFill>
@@ -2849,13 +2829,17 @@
           <a:cs typeface="+mn-cs"/>
         </a:defRPr>
       </a:lvl2pPr>
-      <a:lvl3pPr marL="1143000" indent="-228600" algn="l" defTabSz="914400" rtl="0" eaLnBrk="1" latinLnBrk="0" hangingPunct="1">
+      <a:lvl3pPr marL="1133856" indent="-228600" algn="l" rtl="0" eaLnBrk="1" latinLnBrk="0" hangingPunct="1">
         <a:spcBef>
           <a:spcPct val="20000"/>
         </a:spcBef>
-        <a:buFont typeface="Arial" pitchFamily="34" charset="0"/>
-        <a:buChar char="•"/>
-        <a:defRPr sz="2400" kern="1200">
+        <a:buClr>
+          <a:schemeClr val="tx1"/>
+        </a:buClr>
+        <a:buSzPct val="95000"/>
+        <a:buFont typeface="Wingdings"/>
+        <a:buChar char=""/>
+        <a:defRPr kumimoji="0" sz="2200" kern="1200">
           <a:solidFill>
             <a:schemeClr val="tx1"/>
           </a:solidFill>
@@ -2864,13 +2848,17 @@
           <a:cs typeface="+mn-cs"/>
         </a:defRPr>
       </a:lvl3pPr>
-      <a:lvl4pPr marL="1600200" indent="-228600" algn="l" defTabSz="914400" rtl="0" eaLnBrk="1" latinLnBrk="0" hangingPunct="1">
+      <a:lvl4pPr marL="1353312" indent="-182880" algn="l" rtl="0" eaLnBrk="1" latinLnBrk="0" hangingPunct="1">
         <a:spcBef>
           <a:spcPct val="20000"/>
         </a:spcBef>
-        <a:buFont typeface="Arial" pitchFamily="34" charset="0"/>
-        <a:buChar char="–"/>
-        <a:defRPr sz="2000" kern="1200">
+        <a:buClr>
+          <a:schemeClr val="tx1"/>
+        </a:buClr>
+        <a:buSzPct val="100000"/>
+        <a:buFont typeface="Wingdings 3"/>
+        <a:buChar char=""/>
+        <a:defRPr kumimoji="0" sz="2000" kern="1200">
           <a:solidFill>
             <a:schemeClr val="tx1"/>
           </a:solidFill>
@@ -2879,13 +2867,16 @@
           <a:cs typeface="+mn-cs"/>
         </a:defRPr>
       </a:lvl4pPr>
-      <a:lvl5pPr marL="2057400" indent="-228600" algn="l" defTabSz="914400" rtl="0" eaLnBrk="1" latinLnBrk="0" hangingPunct="1">
+      <a:lvl5pPr marL="1545336" indent="-182880" algn="l" rtl="0" eaLnBrk="1" latinLnBrk="0" hangingPunct="1">
         <a:spcBef>
           <a:spcPct val="20000"/>
         </a:spcBef>
-        <a:buFont typeface="Arial" pitchFamily="34" charset="0"/>
-        <a:buChar char="»"/>
-        <a:defRPr sz="2000" kern="1200">
+        <a:buClr>
+          <a:schemeClr val="tx1"/>
+        </a:buClr>
+        <a:buFont typeface="Wingdings 2"/>
+        <a:buChar char=""/>
+        <a:defRPr kumimoji="0" sz="2000" kern="1200">
           <a:solidFill>
             <a:schemeClr val="tx1"/>
           </a:solidFill>
@@ -2894,13 +2885,16 @@
           <a:cs typeface="+mn-cs"/>
         </a:defRPr>
       </a:lvl5pPr>
-      <a:lvl6pPr marL="2514600" indent="-228600" algn="l" defTabSz="914400" rtl="0" eaLnBrk="1" latinLnBrk="0" hangingPunct="1">
+      <a:lvl6pPr marL="1764792" indent="-182880" algn="l" rtl="0" eaLnBrk="1" latinLnBrk="0" hangingPunct="1">
         <a:spcBef>
           <a:spcPct val="20000"/>
         </a:spcBef>
-        <a:buFont typeface="Arial" pitchFamily="34" charset="0"/>
-        <a:buChar char="•"/>
-        <a:defRPr sz="2000" kern="1200">
+        <a:buClr>
+          <a:schemeClr val="tx1"/>
+        </a:buClr>
+        <a:buFont typeface="Wingdings 3"/>
+        <a:buChar char=""/>
+        <a:defRPr kumimoji="0" sz="1800" kern="1200">
           <a:solidFill>
             <a:schemeClr val="tx1"/>
           </a:solidFill>
@@ -2909,13 +2903,16 @@
           <a:cs typeface="+mn-cs"/>
         </a:defRPr>
       </a:lvl6pPr>
-      <a:lvl7pPr marL="2971800" indent="-228600" algn="l" defTabSz="914400" rtl="0" eaLnBrk="1" latinLnBrk="0" hangingPunct="1">
+      <a:lvl7pPr marL="1965960" indent="-182880" algn="l" rtl="0" eaLnBrk="1" latinLnBrk="0" hangingPunct="1">
         <a:spcBef>
           <a:spcPct val="20000"/>
         </a:spcBef>
-        <a:buFont typeface="Arial" pitchFamily="34" charset="0"/>
-        <a:buChar char="•"/>
-        <a:defRPr sz="2000" kern="1200">
+        <a:buClr>
+          <a:schemeClr val="tx1"/>
+        </a:buClr>
+        <a:buFont typeface="Wingdings 2"/>
+        <a:buChar char=""/>
+        <a:defRPr kumimoji="0" sz="1600" kern="1200">
           <a:solidFill>
             <a:schemeClr val="tx1"/>
           </a:solidFill>
@@ -2924,13 +2921,16 @@
           <a:cs typeface="+mn-cs"/>
         </a:defRPr>
       </a:lvl7pPr>
-      <a:lvl8pPr marL="3429000" indent="-228600" algn="l" defTabSz="914400" rtl="0" eaLnBrk="1" latinLnBrk="0" hangingPunct="1">
+      <a:lvl8pPr marL="2167128" indent="-182880" algn="l" rtl="0" eaLnBrk="1" latinLnBrk="0" hangingPunct="1">
         <a:spcBef>
           <a:spcPct val="20000"/>
         </a:spcBef>
-        <a:buFont typeface="Arial" pitchFamily="34" charset="0"/>
-        <a:buChar char="•"/>
-        <a:defRPr sz="2000" kern="1200">
+        <a:buClr>
+          <a:schemeClr val="tx1"/>
+        </a:buClr>
+        <a:buFont typeface="Wingdings 2"/>
+        <a:buChar char=""/>
+        <a:defRPr kumimoji="0" sz="1400" kern="1200">
           <a:solidFill>
             <a:schemeClr val="tx1"/>
           </a:solidFill>
@@ -2939,13 +2939,16 @@
           <a:cs typeface="+mn-cs"/>
         </a:defRPr>
       </a:lvl8pPr>
-      <a:lvl9pPr marL="3886200" indent="-228600" algn="l" defTabSz="914400" rtl="0" eaLnBrk="1" latinLnBrk="0" hangingPunct="1">
+      <a:lvl9pPr marL="2368296" indent="-182880" algn="l" rtl="0" eaLnBrk="1" latinLnBrk="0" hangingPunct="1">
         <a:spcBef>
           <a:spcPct val="20000"/>
         </a:spcBef>
-        <a:buFont typeface="Arial" pitchFamily="34" charset="0"/>
-        <a:buChar char="•"/>
-        <a:defRPr sz="2000" kern="1200">
+        <a:buClr>
+          <a:schemeClr val="tx1"/>
+        </a:buClr>
+        <a:buFont typeface="Wingdings 2"/>
+        <a:buChar char=""/>
+        <a:defRPr kumimoji="0" sz="1400" kern="1200" baseline="0">
           <a:solidFill>
             <a:schemeClr val="tx1"/>
           </a:solidFill>
@@ -2956,11 +2959,8 @@
       </a:lvl9pPr>
     </p:bodyStyle>
     <p:otherStyle>
-      <a:defPPr>
-        <a:defRPr lang="en-US"/>
-      </a:defPPr>
-      <a:lvl1pPr marL="0" algn="l" defTabSz="914400" rtl="0" eaLnBrk="1" latinLnBrk="0" hangingPunct="1">
-        <a:defRPr sz="1800" kern="1200">
+      <a:lvl1pPr marL="0" algn="l" rtl="0" eaLnBrk="1" latinLnBrk="0" hangingPunct="1">
+        <a:defRPr kumimoji="0" kern="1200">
           <a:solidFill>
             <a:schemeClr val="tx1"/>
           </a:solidFill>
@@ -2969,8 +2969,8 @@
           <a:cs typeface="+mn-cs"/>
         </a:defRPr>
       </a:lvl1pPr>
-      <a:lvl2pPr marL="457200" algn="l" defTabSz="914400" rtl="0" eaLnBrk="1" latinLnBrk="0" hangingPunct="1">
-        <a:defRPr sz="1800" kern="1200">
+      <a:lvl2pPr marL="457200" algn="l" rtl="0" eaLnBrk="1" latinLnBrk="0" hangingPunct="1">
+        <a:defRPr kumimoji="0" kern="1200">
           <a:solidFill>
             <a:schemeClr val="tx1"/>
           </a:solidFill>
@@ -2979,8 +2979,8 @@
           <a:cs typeface="+mn-cs"/>
         </a:defRPr>
       </a:lvl2pPr>
-      <a:lvl3pPr marL="914400" algn="l" defTabSz="914400" rtl="0" eaLnBrk="1" latinLnBrk="0" hangingPunct="1">
-        <a:defRPr sz="1800" kern="1200">
+      <a:lvl3pPr marL="914400" algn="l" rtl="0" eaLnBrk="1" latinLnBrk="0" hangingPunct="1">
+        <a:defRPr kumimoji="0" kern="1200">
           <a:solidFill>
             <a:schemeClr val="tx1"/>
           </a:solidFill>
@@ -2989,8 +2989,8 @@
           <a:cs typeface="+mn-cs"/>
         </a:defRPr>
       </a:lvl3pPr>
-      <a:lvl4pPr marL="1371600" algn="l" defTabSz="914400" rtl="0" eaLnBrk="1" latinLnBrk="0" hangingPunct="1">
-        <a:defRPr sz="1800" kern="1200">
+      <a:lvl4pPr marL="1371600" algn="l" rtl="0" eaLnBrk="1" latinLnBrk="0" hangingPunct="1">
+        <a:defRPr kumimoji="0" kern="1200">
           <a:solidFill>
             <a:schemeClr val="tx1"/>
           </a:solidFill>
@@ -2999,8 +2999,8 @@
           <a:cs typeface="+mn-cs"/>
         </a:defRPr>
       </a:lvl4pPr>
-      <a:lvl5pPr marL="1828800" algn="l" defTabSz="914400" rtl="0" eaLnBrk="1" latinLnBrk="0" hangingPunct="1">
-        <a:defRPr sz="1800" kern="1200">
+      <a:lvl5pPr marL="1828800" algn="l" rtl="0" eaLnBrk="1" latinLnBrk="0" hangingPunct="1">
+        <a:defRPr kumimoji="0" kern="1200">
           <a:solidFill>
             <a:schemeClr val="tx1"/>
           </a:solidFill>
@@ -3009,8 +3009,8 @@
           <a:cs typeface="+mn-cs"/>
         </a:defRPr>
       </a:lvl5pPr>
-      <a:lvl6pPr marL="2286000" algn="l" defTabSz="914400" rtl="0" eaLnBrk="1" latinLnBrk="0" hangingPunct="1">
-        <a:defRPr sz="1800" kern="1200">
+      <a:lvl6pPr marL="2286000" algn="l" rtl="0" eaLnBrk="1" latinLnBrk="0" hangingPunct="1">
+        <a:defRPr kumimoji="0" kern="1200">
           <a:solidFill>
             <a:schemeClr val="tx1"/>
           </a:solidFill>
@@ -3019,8 +3019,8 @@
           <a:cs typeface="+mn-cs"/>
         </a:defRPr>
       </a:lvl6pPr>
-      <a:lvl7pPr marL="2743200" algn="l" defTabSz="914400" rtl="0" eaLnBrk="1" latinLnBrk="0" hangingPunct="1">
-        <a:defRPr sz="1800" kern="1200">
+      <a:lvl7pPr marL="2743200" algn="l" rtl="0" eaLnBrk="1" latinLnBrk="0" hangingPunct="1">
+        <a:defRPr kumimoji="0" kern="1200">
           <a:solidFill>
             <a:schemeClr val="tx1"/>
           </a:solidFill>
@@ -3029,8 +3029,8 @@
           <a:cs typeface="+mn-cs"/>
         </a:defRPr>
       </a:lvl7pPr>
-      <a:lvl8pPr marL="3200400" algn="l" defTabSz="914400" rtl="0" eaLnBrk="1" latinLnBrk="0" hangingPunct="1">
-        <a:defRPr sz="1800" kern="1200">
+      <a:lvl8pPr marL="3200400" algn="l" rtl="0" eaLnBrk="1" latinLnBrk="0" hangingPunct="1">
+        <a:defRPr kumimoji="0" kern="1200">
           <a:solidFill>
             <a:schemeClr val="tx1"/>
           </a:solidFill>
@@ -3039,8 +3039,8 @@
           <a:cs typeface="+mn-cs"/>
         </a:defRPr>
       </a:lvl8pPr>
-      <a:lvl9pPr marL="3657600" algn="l" defTabSz="914400" rtl="0" eaLnBrk="1" latinLnBrk="0" hangingPunct="1">
-        <a:defRPr sz="1800" kern="1200">
+      <a:lvl9pPr marL="3657600" algn="l" rtl="0" eaLnBrk="1" latinLnBrk="0" hangingPunct="1">
+        <a:defRPr kumimoji="0" kern="1200">
           <a:solidFill>
             <a:schemeClr val="tx1"/>
           </a:solidFill>
@@ -3083,8 +3083,8 @@
         </p:nvSpPr>
         <p:spPr>
           <a:xfrm>
-            <a:off x="685800" y="914400"/>
-            <a:ext cx="7772400" cy="1470025"/>
+            <a:off x="960120" y="914402"/>
+            <a:ext cx="10881360" cy="1470025"/>
           </a:xfrm>
         </p:spPr>
         <p:txBody>
@@ -3098,7 +3098,21 @@
                 <a:latin typeface="Times New Roman" pitchFamily="18" charset="0"/>
                 <a:cs typeface="Times New Roman" pitchFamily="18" charset="0"/>
               </a:rPr>
-              <a:t>Number recognition from given number image</a:t>
+              <a:t>Number recognition from given </a:t>
+            </a:r>
+            <a:r>
+              <a:rPr lang="en-US" sz="4000" dirty="0" smtClean="0">
+                <a:latin typeface="Times New Roman" pitchFamily="18" charset="0"/>
+                <a:cs typeface="Times New Roman" pitchFamily="18" charset="0"/>
+              </a:rPr>
+              <a:t>numbers </a:t>
+            </a:r>
+            <a:r>
+              <a:rPr lang="en-US" sz="4000" dirty="0" smtClean="0">
+                <a:latin typeface="Times New Roman" pitchFamily="18" charset="0"/>
+                <a:cs typeface="Times New Roman" pitchFamily="18" charset="0"/>
+              </a:rPr>
+              <a:t>image</a:t>
             </a:r>
             <a:endParaRPr lang="en-US" sz="4000" dirty="0">
               <a:latin typeface="Times New Roman" pitchFamily="18" charset="0"/>
@@ -3119,13 +3133,13 @@
         </p:nvSpPr>
         <p:spPr>
           <a:xfrm>
-            <a:off x="1371600" y="2819400"/>
-            <a:ext cx="6400800" cy="2819400"/>
+            <a:off x="1920240" y="2819400"/>
+            <a:ext cx="8961120" cy="2819400"/>
           </a:xfrm>
         </p:spPr>
         <p:txBody>
           <a:bodyPr>
-            <a:normAutofit lnSpcReduction="10000"/>
+            <a:normAutofit/>
           </a:bodyPr>
           <a:lstStyle/>
           <a:p>
@@ -3256,6 +3270,13 @@
   <p:clrMapOvr>
     <a:masterClrMapping/>
   </p:clrMapOvr>
+  <p:timing>
+    <p:tnLst>
+      <p:par>
+        <p:cTn id="1" dur="indefinite" restart="never" nodeType="tmRoot"/>
+      </p:par>
+    </p:tnLst>
+  </p:timing>
 </p:sld>
 </file>
 
@@ -3291,524 +3312,84 @@
           <a:bodyPr/>
           <a:lstStyle/>
           <a:p>
-            <a:endParaRPr lang="en-US"/>
-          </a:p>
-        </p:txBody>
-      </p:sp>
-      <p:sp>
-        <p:nvSpPr>
-          <p:cNvPr id="3" name="Content Placeholder 2"/>
-          <p:cNvSpPr>
-            <a:spLocks noGrp="1"/>
-          </p:cNvSpPr>
-          <p:nvPr>
-            <p:ph idx="1"/>
-          </p:nvPr>
-        </p:nvSpPr>
-        <p:spPr/>
-        <p:txBody>
-          <a:bodyPr>
-            <a:normAutofit fontScale="40000" lnSpcReduction="20000"/>
-          </a:bodyPr>
-          <a:lstStyle/>
-          <a:p>
-            <a:pPr>
-              <a:buNone/>
-            </a:pPr>
-            <a:r>
-              <a:rPr lang="en-US" sz="3500" dirty="0" smtClean="0">
+            <a:r>
+              <a:rPr lang="en-US" dirty="0" smtClean="0">
                 <a:latin typeface="Times New Roman" pitchFamily="18" charset="0"/>
                 <a:cs typeface="Times New Roman" pitchFamily="18" charset="0"/>
               </a:rPr>
-              <a:t>N=length(</a:t>
-            </a:r>
-            <a:r>
-              <a:rPr lang="en-US" sz="3500" dirty="0" err="1" smtClean="0">
-                <a:latin typeface="Times New Roman" pitchFamily="18" charset="0"/>
-                <a:cs typeface="Times New Roman" pitchFamily="18" charset="0"/>
-              </a:rPr>
-              <a:t>bic</a:t>
-            </a:r>
-            <a:r>
-              <a:rPr lang="en-US" sz="3500" dirty="0" smtClean="0">
-                <a:latin typeface="Times New Roman" pitchFamily="18" charset="0"/>
-                <a:cs typeface="Times New Roman" pitchFamily="18" charset="0"/>
-              </a:rPr>
-              <a:t>);</a:t>
-            </a:r>
-          </a:p>
-          <a:p>
-            <a:pPr>
-              <a:buNone/>
-            </a:pPr>
-            <a:r>
-              <a:rPr lang="en-US" sz="3500" dirty="0" smtClean="0">
-                <a:latin typeface="Times New Roman" pitchFamily="18" charset="0"/>
-                <a:cs typeface="Times New Roman" pitchFamily="18" charset="0"/>
-              </a:rPr>
-              <a:t> </a:t>
-            </a:r>
-          </a:p>
-          <a:p>
-            <a:pPr>
-              <a:buNone/>
-            </a:pPr>
-            <a:r>
-              <a:rPr lang="en-US" sz="3500" dirty="0" err="1" smtClean="0">
-                <a:latin typeface="Times New Roman" pitchFamily="18" charset="0"/>
-                <a:cs typeface="Times New Roman" pitchFamily="18" charset="0"/>
-              </a:rPr>
-              <a:t>xf</a:t>
-            </a:r>
-            <a:r>
-              <a:rPr lang="en-US" sz="3500" dirty="0" smtClean="0">
-                <a:latin typeface="Times New Roman" pitchFamily="18" charset="0"/>
-                <a:cs typeface="Times New Roman" pitchFamily="18" charset="0"/>
-              </a:rPr>
-              <a:t>=bit;</a:t>
-            </a:r>
-          </a:p>
-          <a:p>
-            <a:pPr>
-              <a:buNone/>
-            </a:pPr>
-            <a:r>
-              <a:rPr lang="en-US" sz="3500" dirty="0" err="1" smtClean="0">
-                <a:latin typeface="Times New Roman" pitchFamily="18" charset="0"/>
-                <a:cs typeface="Times New Roman" pitchFamily="18" charset="0"/>
-              </a:rPr>
-              <a:t>win_num</a:t>
-            </a:r>
-            <a:r>
-              <a:rPr lang="en-US" sz="3500" dirty="0" smtClean="0">
-                <a:latin typeface="Times New Roman" pitchFamily="18" charset="0"/>
-                <a:cs typeface="Times New Roman" pitchFamily="18" charset="0"/>
-              </a:rPr>
-              <a:t>=size(xf,2);</a:t>
-            </a:r>
-          </a:p>
-          <a:p>
-            <a:pPr>
-              <a:buNone/>
-            </a:pPr>
-            <a:r>
-              <a:rPr lang="en-US" sz="3500" dirty="0" smtClean="0">
-                <a:latin typeface="Times New Roman" pitchFamily="18" charset="0"/>
-                <a:cs typeface="Times New Roman" pitchFamily="18" charset="0"/>
-              </a:rPr>
-              <a:t>M0=size(bic,2);</a:t>
-            </a:r>
-          </a:p>
-          <a:p>
-            <a:pPr>
-              <a:buNone/>
-            </a:pPr>
-            <a:r>
-              <a:rPr lang="en-US" sz="3500" dirty="0" smtClean="0">
-                <a:latin typeface="Times New Roman" pitchFamily="18" charset="0"/>
-                <a:cs typeface="Times New Roman" pitchFamily="18" charset="0"/>
-              </a:rPr>
-              <a:t> </a:t>
-            </a:r>
-          </a:p>
-          <a:p>
-            <a:pPr>
-              <a:buNone/>
-            </a:pPr>
-            <a:r>
-              <a:rPr lang="en-US" sz="3500" dirty="0" err="1" smtClean="0">
-                <a:latin typeface="Times New Roman" pitchFamily="18" charset="0"/>
-                <a:cs typeface="Times New Roman" pitchFamily="18" charset="0"/>
-              </a:rPr>
-              <a:t>ccor</a:t>
-            </a:r>
-            <a:r>
-              <a:rPr lang="en-US" sz="3500" dirty="0" smtClean="0">
-                <a:latin typeface="Times New Roman" pitchFamily="18" charset="0"/>
-                <a:cs typeface="Times New Roman" pitchFamily="18" charset="0"/>
-              </a:rPr>
-              <a:t>=</a:t>
-            </a:r>
-            <a:r>
-              <a:rPr lang="en-US" sz="3500" dirty="0" err="1" smtClean="0">
-                <a:latin typeface="Times New Roman" pitchFamily="18" charset="0"/>
-                <a:cs typeface="Times New Roman" pitchFamily="18" charset="0"/>
-              </a:rPr>
-              <a:t>NaN</a:t>
-            </a:r>
-            <a:r>
-              <a:rPr lang="en-US" sz="3500" dirty="0" smtClean="0">
-                <a:latin typeface="Times New Roman" pitchFamily="18" charset="0"/>
-                <a:cs typeface="Times New Roman" pitchFamily="18" charset="0"/>
-              </a:rPr>
-              <a:t>(M0-1,win_num);</a:t>
-            </a:r>
-          </a:p>
-          <a:p>
-            <a:pPr>
-              <a:buNone/>
-            </a:pPr>
-            <a:r>
-              <a:rPr lang="en-US" sz="3500" dirty="0" smtClean="0">
-                <a:latin typeface="Times New Roman" pitchFamily="18" charset="0"/>
-                <a:cs typeface="Times New Roman" pitchFamily="18" charset="0"/>
-              </a:rPr>
-              <a:t>for </a:t>
-            </a:r>
-            <a:r>
-              <a:rPr lang="en-US" sz="3500" dirty="0" err="1" smtClean="0">
-                <a:latin typeface="Times New Roman" pitchFamily="18" charset="0"/>
-                <a:cs typeface="Times New Roman" pitchFamily="18" charset="0"/>
-              </a:rPr>
-              <a:t>col</a:t>
-            </a:r>
-            <a:r>
-              <a:rPr lang="en-US" sz="3500" dirty="0" smtClean="0">
-                <a:latin typeface="Times New Roman" pitchFamily="18" charset="0"/>
-                <a:cs typeface="Times New Roman" pitchFamily="18" charset="0"/>
-              </a:rPr>
-              <a:t>=1:win_num</a:t>
-            </a:r>
-          </a:p>
-          <a:p>
-            <a:pPr>
-              <a:buNone/>
-            </a:pPr>
-            <a:r>
-              <a:rPr lang="en-US" sz="3500" dirty="0" smtClean="0">
-                <a:latin typeface="Times New Roman" pitchFamily="18" charset="0"/>
-                <a:cs typeface="Times New Roman" pitchFamily="18" charset="0"/>
-              </a:rPr>
-              <a:t>    for m=1:M0-1,</a:t>
-            </a:r>
-          </a:p>
-          <a:p>
-            <a:pPr>
-              <a:buNone/>
-            </a:pPr>
-            <a:r>
-              <a:rPr lang="en-US" sz="3500" dirty="0" smtClean="0">
-                <a:latin typeface="Times New Roman" pitchFamily="18" charset="0"/>
-                <a:cs typeface="Times New Roman" pitchFamily="18" charset="0"/>
-              </a:rPr>
-              <a:t>  </a:t>
-            </a:r>
-            <a:r>
-              <a:rPr lang="en-US" sz="3500" dirty="0" smtClean="0">
-                <a:latin typeface="Times New Roman" pitchFamily="18" charset="0"/>
-                <a:cs typeface="Times New Roman" pitchFamily="18" charset="0"/>
-              </a:rPr>
-              <a:t>     </a:t>
-            </a:r>
-            <a:r>
-              <a:rPr lang="en-US" sz="3500" dirty="0" smtClean="0">
-                <a:latin typeface="Times New Roman" pitchFamily="18" charset="0"/>
-                <a:cs typeface="Times New Roman" pitchFamily="18" charset="0"/>
-              </a:rPr>
-              <a:t>[step1,step2,step3]=deal(0);</a:t>
-            </a:r>
-          </a:p>
-          <a:p>
-            <a:pPr>
-              <a:buNone/>
-            </a:pPr>
-            <a:r>
-              <a:rPr lang="en-US" sz="3500" dirty="0" smtClean="0">
-                <a:latin typeface="Times New Roman" pitchFamily="18" charset="0"/>
-                <a:cs typeface="Times New Roman" pitchFamily="18" charset="0"/>
-              </a:rPr>
-              <a:t>      </a:t>
-            </a:r>
-            <a:r>
-              <a:rPr lang="en-US" sz="3500" dirty="0" smtClean="0">
-                <a:latin typeface="Times New Roman" pitchFamily="18" charset="0"/>
-                <a:cs typeface="Times New Roman" pitchFamily="18" charset="0"/>
-              </a:rPr>
-              <a:t>for n=1:N-m,</a:t>
-            </a:r>
-          </a:p>
-          <a:p>
-            <a:pPr>
-              <a:buNone/>
-            </a:pPr>
-            <a:r>
-              <a:rPr lang="en-US" sz="3500" dirty="0" smtClean="0">
-                <a:latin typeface="Times New Roman" pitchFamily="18" charset="0"/>
-                <a:cs typeface="Times New Roman" pitchFamily="18" charset="0"/>
-              </a:rPr>
-              <a:t>           </a:t>
-            </a:r>
-            <a:r>
-              <a:rPr lang="en-US" sz="3500" dirty="0" smtClean="0">
-                <a:latin typeface="Times New Roman" pitchFamily="18" charset="0"/>
-                <a:cs typeface="Times New Roman" pitchFamily="18" charset="0"/>
-              </a:rPr>
-              <a:t>step1=step1+xf(</a:t>
-            </a:r>
-            <a:r>
-              <a:rPr lang="en-US" sz="3500" dirty="0" err="1" smtClean="0">
-                <a:latin typeface="Times New Roman" pitchFamily="18" charset="0"/>
-                <a:cs typeface="Times New Roman" pitchFamily="18" charset="0"/>
-              </a:rPr>
-              <a:t>n,col</a:t>
-            </a:r>
-            <a:r>
-              <a:rPr lang="en-US" sz="3500" dirty="0" smtClean="0">
-                <a:latin typeface="Times New Roman" pitchFamily="18" charset="0"/>
-                <a:cs typeface="Times New Roman" pitchFamily="18" charset="0"/>
-              </a:rPr>
-              <a:t>)*</a:t>
-            </a:r>
-            <a:r>
-              <a:rPr lang="en-US" sz="3500" dirty="0" err="1" smtClean="0">
-                <a:latin typeface="Times New Roman" pitchFamily="18" charset="0"/>
-                <a:cs typeface="Times New Roman" pitchFamily="18" charset="0"/>
-              </a:rPr>
-              <a:t>xf</a:t>
-            </a:r>
-            <a:r>
-              <a:rPr lang="en-US" sz="3500" dirty="0" smtClean="0">
-                <a:latin typeface="Times New Roman" pitchFamily="18" charset="0"/>
-                <a:cs typeface="Times New Roman" pitchFamily="18" charset="0"/>
-              </a:rPr>
-              <a:t>(</a:t>
-            </a:r>
-            <a:r>
-              <a:rPr lang="en-US" sz="3500" dirty="0" err="1" smtClean="0">
-                <a:latin typeface="Times New Roman" pitchFamily="18" charset="0"/>
-                <a:cs typeface="Times New Roman" pitchFamily="18" charset="0"/>
-              </a:rPr>
-              <a:t>n+m,col</a:t>
-            </a:r>
-            <a:r>
-              <a:rPr lang="en-US" sz="3500" dirty="0" smtClean="0">
-                <a:latin typeface="Times New Roman" pitchFamily="18" charset="0"/>
-                <a:cs typeface="Times New Roman" pitchFamily="18" charset="0"/>
-              </a:rPr>
-              <a:t>);</a:t>
-            </a:r>
-          </a:p>
-          <a:p>
-            <a:pPr>
-              <a:buNone/>
-            </a:pPr>
-            <a:r>
-              <a:rPr lang="en-US" sz="3500" dirty="0" smtClean="0">
-                <a:latin typeface="Times New Roman" pitchFamily="18" charset="0"/>
-                <a:cs typeface="Times New Roman" pitchFamily="18" charset="0"/>
-              </a:rPr>
-              <a:t>  </a:t>
-            </a:r>
-            <a:r>
-              <a:rPr lang="en-US" sz="3500" dirty="0" smtClean="0">
-                <a:latin typeface="Times New Roman" pitchFamily="18" charset="0"/>
-                <a:cs typeface="Times New Roman" pitchFamily="18" charset="0"/>
-              </a:rPr>
-              <a:t>         </a:t>
-            </a:r>
-            <a:r>
-              <a:rPr lang="en-US" sz="3500" dirty="0" smtClean="0">
-                <a:latin typeface="Times New Roman" pitchFamily="18" charset="0"/>
-                <a:cs typeface="Times New Roman" pitchFamily="18" charset="0"/>
-              </a:rPr>
-              <a:t>step2=step2+xf(</a:t>
-            </a:r>
-            <a:r>
-              <a:rPr lang="en-US" sz="3500" dirty="0" err="1" smtClean="0">
-                <a:latin typeface="Times New Roman" pitchFamily="18" charset="0"/>
-                <a:cs typeface="Times New Roman" pitchFamily="18" charset="0"/>
-              </a:rPr>
-              <a:t>n,col</a:t>
-            </a:r>
-            <a:r>
-              <a:rPr lang="en-US" sz="3500" dirty="0" smtClean="0">
-                <a:latin typeface="Times New Roman" pitchFamily="18" charset="0"/>
-                <a:cs typeface="Times New Roman" pitchFamily="18" charset="0"/>
-              </a:rPr>
-              <a:t>)^2;</a:t>
-            </a:r>
-          </a:p>
-          <a:p>
-            <a:pPr>
-              <a:buNone/>
-            </a:pPr>
-            <a:r>
-              <a:rPr lang="en-US" sz="3500" dirty="0" smtClean="0">
-                <a:latin typeface="Times New Roman" pitchFamily="18" charset="0"/>
-                <a:cs typeface="Times New Roman" pitchFamily="18" charset="0"/>
-              </a:rPr>
-              <a:t>  </a:t>
-            </a:r>
-            <a:r>
-              <a:rPr lang="en-US" sz="3500" dirty="0" smtClean="0">
-                <a:latin typeface="Times New Roman" pitchFamily="18" charset="0"/>
-                <a:cs typeface="Times New Roman" pitchFamily="18" charset="0"/>
-              </a:rPr>
-              <a:t>         </a:t>
-            </a:r>
-            <a:r>
-              <a:rPr lang="en-US" sz="3500" dirty="0" smtClean="0">
-                <a:latin typeface="Times New Roman" pitchFamily="18" charset="0"/>
-                <a:cs typeface="Times New Roman" pitchFamily="18" charset="0"/>
-              </a:rPr>
-              <a:t>step3=step3+xf(</a:t>
-            </a:r>
-            <a:r>
-              <a:rPr lang="en-US" sz="3500" dirty="0" err="1" smtClean="0">
-                <a:latin typeface="Times New Roman" pitchFamily="18" charset="0"/>
-                <a:cs typeface="Times New Roman" pitchFamily="18" charset="0"/>
-              </a:rPr>
-              <a:t>n+m,col</a:t>
-            </a:r>
-            <a:r>
-              <a:rPr lang="en-US" sz="3500" dirty="0" smtClean="0">
-                <a:latin typeface="Times New Roman" pitchFamily="18" charset="0"/>
-                <a:cs typeface="Times New Roman" pitchFamily="18" charset="0"/>
-              </a:rPr>
-              <a:t>)^2;</a:t>
-            </a:r>
-          </a:p>
-          <a:p>
-            <a:pPr>
-              <a:buNone/>
-            </a:pPr>
-            <a:r>
-              <a:rPr lang="en-US" sz="3500" dirty="0" smtClean="0">
-                <a:latin typeface="Times New Roman" pitchFamily="18" charset="0"/>
-                <a:cs typeface="Times New Roman" pitchFamily="18" charset="0"/>
-              </a:rPr>
-              <a:t>       </a:t>
-            </a:r>
-            <a:r>
-              <a:rPr lang="en-US" sz="3500" dirty="0" smtClean="0">
-                <a:latin typeface="Times New Roman" pitchFamily="18" charset="0"/>
-                <a:cs typeface="Times New Roman" pitchFamily="18" charset="0"/>
-              </a:rPr>
-              <a:t>end</a:t>
-            </a:r>
-          </a:p>
-          <a:p>
-            <a:pPr>
-              <a:buNone/>
-            </a:pPr>
-            <a:r>
-              <a:rPr lang="en-US" sz="3500" dirty="0" smtClean="0">
-                <a:latin typeface="Times New Roman" pitchFamily="18" charset="0"/>
-                <a:cs typeface="Times New Roman" pitchFamily="18" charset="0"/>
-              </a:rPr>
-              <a:t>        </a:t>
-            </a:r>
-            <a:r>
-              <a:rPr lang="en-US" sz="3500" dirty="0" err="1" smtClean="0">
-                <a:latin typeface="Times New Roman" pitchFamily="18" charset="0"/>
-                <a:cs typeface="Times New Roman" pitchFamily="18" charset="0"/>
-              </a:rPr>
-              <a:t>ccor</a:t>
-            </a:r>
-            <a:r>
-              <a:rPr lang="en-US" sz="3500" dirty="0" smtClean="0">
-                <a:latin typeface="Times New Roman" pitchFamily="18" charset="0"/>
-                <a:cs typeface="Times New Roman" pitchFamily="18" charset="0"/>
-              </a:rPr>
-              <a:t>(</a:t>
-            </a:r>
-            <a:r>
-              <a:rPr lang="en-US" sz="3500" dirty="0" err="1" smtClean="0">
-                <a:latin typeface="Times New Roman" pitchFamily="18" charset="0"/>
-                <a:cs typeface="Times New Roman" pitchFamily="18" charset="0"/>
-              </a:rPr>
-              <a:t>m,col</a:t>
-            </a:r>
-            <a:r>
-              <a:rPr lang="en-US" sz="3500" dirty="0" smtClean="0">
-                <a:latin typeface="Times New Roman" pitchFamily="18" charset="0"/>
-                <a:cs typeface="Times New Roman" pitchFamily="18" charset="0"/>
-              </a:rPr>
-              <a:t>)=step1/</a:t>
-            </a:r>
-            <a:r>
-              <a:rPr lang="en-US" sz="3500" dirty="0" err="1" smtClean="0">
-                <a:latin typeface="Times New Roman" pitchFamily="18" charset="0"/>
-                <a:cs typeface="Times New Roman" pitchFamily="18" charset="0"/>
-              </a:rPr>
-              <a:t>sqrt</a:t>
-            </a:r>
-            <a:r>
-              <a:rPr lang="en-US" sz="3500" dirty="0" smtClean="0">
-                <a:latin typeface="Times New Roman" pitchFamily="18" charset="0"/>
-                <a:cs typeface="Times New Roman" pitchFamily="18" charset="0"/>
-              </a:rPr>
-              <a:t>(step2*step3);        </a:t>
-            </a:r>
-          </a:p>
-          <a:p>
-            <a:pPr>
-              <a:buNone/>
-            </a:pPr>
-            <a:r>
-              <a:rPr lang="en-US" sz="3500" dirty="0" smtClean="0">
-                <a:latin typeface="Times New Roman" pitchFamily="18" charset="0"/>
-                <a:cs typeface="Times New Roman" pitchFamily="18" charset="0"/>
-              </a:rPr>
-              <a:t>   end</a:t>
-            </a:r>
-            <a:endParaRPr lang="en-US" sz="3500" dirty="0" smtClean="0">
+              <a:t>Conclusion</a:t>
+            </a:r>
+            <a:endParaRPr lang="en-US" dirty="0">
               <a:latin typeface="Times New Roman" pitchFamily="18" charset="0"/>
               <a:cs typeface="Times New Roman" pitchFamily="18" charset="0"/>
             </a:endParaRPr>
           </a:p>
-          <a:p>
-            <a:pPr>
+        </p:txBody>
+      </p:sp>
+      <p:sp>
+        <p:nvSpPr>
+          <p:cNvPr id="3" name="Content Placeholder 2"/>
+          <p:cNvSpPr>
+            <a:spLocks noGrp="1"/>
+          </p:cNvSpPr>
+          <p:nvPr>
+            <p:ph idx="1"/>
+          </p:nvPr>
+        </p:nvSpPr>
+        <p:spPr>
+          <a:xfrm>
+            <a:off x="381000" y="1676400"/>
+            <a:ext cx="11521440" cy="4525963"/>
+          </a:xfrm>
+        </p:spPr>
+        <p:txBody>
+          <a:bodyPr>
+            <a:normAutofit/>
+          </a:bodyPr>
+          <a:lstStyle/>
+          <a:p>
+            <a:pPr algn="just">
               <a:buNone/>
             </a:pPr>
             <a:r>
-              <a:rPr lang="en-US" sz="3500" dirty="0" smtClean="0">
+              <a:rPr lang="en-US" sz="2800" dirty="0" smtClean="0">
                 <a:latin typeface="Times New Roman" pitchFamily="18" charset="0"/>
                 <a:cs typeface="Times New Roman" pitchFamily="18" charset="0"/>
               </a:rPr>
-              <a:t>end</a:t>
-            </a:r>
-          </a:p>
-          <a:p>
-            <a:pPr>
-              <a:buNone/>
-            </a:pPr>
-            <a:endParaRPr lang="en-US" sz="3500" dirty="0" smtClean="0">
+              <a:t>    </a:t>
+            </a:r>
+            <a:r>
+              <a:rPr lang="en-US" sz="2800" dirty="0" smtClean="0">
+                <a:latin typeface="Times New Roman" pitchFamily="18" charset="0"/>
+                <a:cs typeface="Times New Roman" pitchFamily="18" charset="0"/>
+              </a:rPr>
+              <a:t> By </a:t>
+            </a:r>
+            <a:r>
+              <a:rPr lang="en-US" sz="2800" dirty="0" smtClean="0">
+                <a:latin typeface="Times New Roman" pitchFamily="18" charset="0"/>
+                <a:cs typeface="Times New Roman" pitchFamily="18" charset="0"/>
+              </a:rPr>
+              <a:t>this we can identify the main </a:t>
+            </a:r>
+            <a:r>
+              <a:rPr lang="en-US" sz="2800" dirty="0" smtClean="0">
+                <a:latin typeface="Times New Roman" pitchFamily="18" charset="0"/>
+                <a:cs typeface="Times New Roman" pitchFamily="18" charset="0"/>
+              </a:rPr>
+              <a:t>pattern that means number, </a:t>
+            </a:r>
+            <a:r>
+              <a:rPr lang="en-US" sz="2800" dirty="0" smtClean="0">
+                <a:latin typeface="Times New Roman" pitchFamily="18" charset="0"/>
+                <a:cs typeface="Times New Roman" pitchFamily="18" charset="0"/>
+              </a:rPr>
+              <a:t>which we want to find from the template. Pattern recognition is now the most helpful system for daily life, Though it has some disadvantages, we can get more and more help for daily life or corporate life. </a:t>
+            </a:r>
+            <a:endParaRPr lang="en-US" sz="2800" dirty="0">
               <a:latin typeface="Times New Roman" pitchFamily="18" charset="0"/>
               <a:cs typeface="Times New Roman" pitchFamily="18" charset="0"/>
             </a:endParaRPr>
-          </a:p>
-          <a:p>
-            <a:pPr>
-              <a:buNone/>
-            </a:pPr>
-            <a:r>
-              <a:rPr lang="en-US" sz="3500" dirty="0" smtClean="0">
-                <a:latin typeface="Times New Roman" pitchFamily="18" charset="0"/>
-                <a:cs typeface="Times New Roman" pitchFamily="18" charset="0"/>
-              </a:rPr>
-              <a:t>co = </a:t>
-            </a:r>
-            <a:r>
-              <a:rPr lang="en-US" sz="3500" dirty="0" err="1" smtClean="0">
-                <a:latin typeface="Times New Roman" pitchFamily="18" charset="0"/>
-                <a:cs typeface="Times New Roman" pitchFamily="18" charset="0"/>
-              </a:rPr>
-              <a:t>ccor</a:t>
-            </a:r>
-            <a:r>
-              <a:rPr lang="en-US" sz="3500" dirty="0" smtClean="0">
-                <a:latin typeface="Times New Roman" pitchFamily="18" charset="0"/>
-                <a:cs typeface="Times New Roman" pitchFamily="18" charset="0"/>
-              </a:rPr>
-              <a:t>;</a:t>
-            </a:r>
-          </a:p>
-          <a:p>
-            <a:pPr>
-              <a:buNone/>
-            </a:pPr>
-            <a:endParaRPr lang="en-US" dirty="0"/>
           </a:p>
         </p:txBody>
       </p:sp>
@@ -3824,926 +3405,6 @@
       </p:par>
     </p:tnLst>
   </p:timing>
-</p:sld>
-</file>
-
-<file path=ppt/slides/slide11.xml><?xml version="1.0" encoding="utf-8"?>
-<p:sld xmlns:a="http://schemas.openxmlformats.org/drawingml/2006/main" xmlns:r="http://schemas.openxmlformats.org/officeDocument/2006/relationships" xmlns:p="http://schemas.openxmlformats.org/presentationml/2006/main">
-  <p:cSld>
-    <p:spTree>
-      <p:nvGrpSpPr>
-        <p:cNvPr id="1" name=""/>
-        <p:cNvGrpSpPr/>
-        <p:nvPr/>
-      </p:nvGrpSpPr>
-      <p:grpSpPr>
-        <a:xfrm>
-          <a:off x="0" y="0"/>
-          <a:ext cx="0" cy="0"/>
-          <a:chOff x="0" y="0"/>
-          <a:chExt cx="0" cy="0"/>
-        </a:xfrm>
-      </p:grpSpPr>
-      <p:sp>
-        <p:nvSpPr>
-          <p:cNvPr id="2" name="Title 1"/>
-          <p:cNvSpPr>
-            <a:spLocks noGrp="1"/>
-          </p:cNvSpPr>
-          <p:nvPr>
-            <p:ph type="title"/>
-          </p:nvPr>
-        </p:nvSpPr>
-        <p:spPr/>
-        <p:txBody>
-          <a:bodyPr/>
-          <a:lstStyle/>
-          <a:p>
-            <a:endParaRPr lang="en-US"/>
-          </a:p>
-        </p:txBody>
-      </p:sp>
-      <p:sp>
-        <p:nvSpPr>
-          <p:cNvPr id="3" name="Content Placeholder 2"/>
-          <p:cNvSpPr>
-            <a:spLocks noGrp="1"/>
-          </p:cNvSpPr>
-          <p:nvPr>
-            <p:ph idx="1"/>
-          </p:nvPr>
-        </p:nvSpPr>
-        <p:spPr/>
-        <p:txBody>
-          <a:bodyPr>
-            <a:normAutofit fontScale="40000" lnSpcReduction="20000"/>
-          </a:bodyPr>
-          <a:lstStyle/>
-          <a:p>
-            <a:pPr>
-              <a:buNone/>
-            </a:pPr>
-            <a:r>
-              <a:rPr lang="en-US" sz="3500" dirty="0" smtClean="0">
-                <a:latin typeface="Times New Roman" pitchFamily="18" charset="0"/>
-                <a:cs typeface="Times New Roman" pitchFamily="18" charset="0"/>
-              </a:rPr>
-              <a:t>N_1=length(</a:t>
-            </a:r>
-            <a:r>
-              <a:rPr lang="en-US" sz="3500" dirty="0" err="1" smtClean="0">
-                <a:latin typeface="Times New Roman" pitchFamily="18" charset="0"/>
-                <a:cs typeface="Times New Roman" pitchFamily="18" charset="0"/>
-              </a:rPr>
-              <a:t>bic</a:t>
-            </a:r>
-            <a:r>
-              <a:rPr lang="en-US" sz="3500" dirty="0" smtClean="0">
-                <a:latin typeface="Times New Roman" pitchFamily="18" charset="0"/>
-                <a:cs typeface="Times New Roman" pitchFamily="18" charset="0"/>
-              </a:rPr>
-              <a:t>);</a:t>
-            </a:r>
-          </a:p>
-          <a:p>
-            <a:pPr>
-              <a:buNone/>
-            </a:pPr>
-            <a:r>
-              <a:rPr lang="en-US" sz="3500" dirty="0" smtClean="0">
-                <a:latin typeface="Times New Roman" pitchFamily="18" charset="0"/>
-                <a:cs typeface="Times New Roman" pitchFamily="18" charset="0"/>
-              </a:rPr>
-              <a:t> </a:t>
-            </a:r>
-          </a:p>
-          <a:p>
-            <a:pPr>
-              <a:buNone/>
-            </a:pPr>
-            <a:r>
-              <a:rPr lang="en-US" sz="3500" dirty="0" smtClean="0">
-                <a:latin typeface="Times New Roman" pitchFamily="18" charset="0"/>
-                <a:cs typeface="Times New Roman" pitchFamily="18" charset="0"/>
-              </a:rPr>
-              <a:t>xf_1=</a:t>
-            </a:r>
-            <a:r>
-              <a:rPr lang="en-US" sz="3500" dirty="0" err="1" smtClean="0">
-                <a:latin typeface="Times New Roman" pitchFamily="18" charset="0"/>
-                <a:cs typeface="Times New Roman" pitchFamily="18" charset="0"/>
-              </a:rPr>
-              <a:t>bic</a:t>
-            </a:r>
-            <a:r>
-              <a:rPr lang="en-US" sz="3500" dirty="0" smtClean="0">
-                <a:latin typeface="Times New Roman" pitchFamily="18" charset="0"/>
-                <a:cs typeface="Times New Roman" pitchFamily="18" charset="0"/>
-              </a:rPr>
-              <a:t>;</a:t>
-            </a:r>
-          </a:p>
-          <a:p>
-            <a:pPr>
-              <a:buNone/>
-            </a:pPr>
-            <a:r>
-              <a:rPr lang="en-US" sz="3500" dirty="0" smtClean="0">
-                <a:latin typeface="Times New Roman" pitchFamily="18" charset="0"/>
-                <a:cs typeface="Times New Roman" pitchFamily="18" charset="0"/>
-              </a:rPr>
-              <a:t>win_num_1=size(xf_1,2);</a:t>
-            </a:r>
-          </a:p>
-          <a:p>
-            <a:pPr>
-              <a:buNone/>
-            </a:pPr>
-            <a:r>
-              <a:rPr lang="en-US" sz="3500" dirty="0" smtClean="0">
-                <a:latin typeface="Times New Roman" pitchFamily="18" charset="0"/>
-                <a:cs typeface="Times New Roman" pitchFamily="18" charset="0"/>
-              </a:rPr>
-              <a:t>M0_1=size(bic,2);</a:t>
-            </a:r>
-          </a:p>
-          <a:p>
-            <a:pPr>
-              <a:buNone/>
-            </a:pPr>
-            <a:endParaRPr lang="en-US" sz="3500" dirty="0" smtClean="0">
-              <a:latin typeface="Times New Roman" pitchFamily="18" charset="0"/>
-              <a:cs typeface="Times New Roman" pitchFamily="18" charset="0"/>
-            </a:endParaRPr>
-          </a:p>
-          <a:p>
-            <a:pPr>
-              <a:buNone/>
-            </a:pPr>
-            <a:r>
-              <a:rPr lang="en-US" sz="3500" dirty="0" smtClean="0">
-                <a:latin typeface="Times New Roman" pitchFamily="18" charset="0"/>
-                <a:cs typeface="Times New Roman" pitchFamily="18" charset="0"/>
-              </a:rPr>
-              <a:t>ccor_1=</a:t>
-            </a:r>
-            <a:r>
-              <a:rPr lang="en-US" sz="3500" dirty="0" err="1" smtClean="0">
-                <a:latin typeface="Times New Roman" pitchFamily="18" charset="0"/>
-                <a:cs typeface="Times New Roman" pitchFamily="18" charset="0"/>
-              </a:rPr>
-              <a:t>NaN</a:t>
-            </a:r>
-            <a:r>
-              <a:rPr lang="en-US" sz="3500" dirty="0" smtClean="0">
-                <a:latin typeface="Times New Roman" pitchFamily="18" charset="0"/>
-                <a:cs typeface="Times New Roman" pitchFamily="18" charset="0"/>
-              </a:rPr>
-              <a:t>(M0_1-1,win_num_1);</a:t>
-            </a:r>
-          </a:p>
-          <a:p>
-            <a:pPr>
-              <a:buNone/>
-            </a:pPr>
-            <a:r>
-              <a:rPr lang="en-US" sz="3500" dirty="0" smtClean="0">
-                <a:latin typeface="Times New Roman" pitchFamily="18" charset="0"/>
-                <a:cs typeface="Times New Roman" pitchFamily="18" charset="0"/>
-              </a:rPr>
-              <a:t>for </a:t>
-            </a:r>
-            <a:r>
-              <a:rPr lang="en-US" sz="3500" dirty="0" err="1" smtClean="0">
-                <a:latin typeface="Times New Roman" pitchFamily="18" charset="0"/>
-                <a:cs typeface="Times New Roman" pitchFamily="18" charset="0"/>
-              </a:rPr>
-              <a:t>col</a:t>
-            </a:r>
-            <a:r>
-              <a:rPr lang="en-US" sz="3500" dirty="0" smtClean="0">
-                <a:latin typeface="Times New Roman" pitchFamily="18" charset="0"/>
-                <a:cs typeface="Times New Roman" pitchFamily="18" charset="0"/>
-              </a:rPr>
-              <a:t>=1:win_num_1</a:t>
-            </a:r>
-          </a:p>
-          <a:p>
-            <a:pPr>
-              <a:buNone/>
-            </a:pPr>
-            <a:r>
-              <a:rPr lang="en-US" sz="3500" dirty="0" smtClean="0">
-                <a:latin typeface="Times New Roman" pitchFamily="18" charset="0"/>
-                <a:cs typeface="Times New Roman" pitchFamily="18" charset="0"/>
-              </a:rPr>
-              <a:t>   </a:t>
-            </a:r>
-            <a:r>
-              <a:rPr lang="en-US" sz="3500" dirty="0" smtClean="0">
-                <a:latin typeface="Times New Roman" pitchFamily="18" charset="0"/>
-                <a:cs typeface="Times New Roman" pitchFamily="18" charset="0"/>
-              </a:rPr>
-              <a:t>for m=1:M0_1-1,</a:t>
-            </a:r>
-          </a:p>
-          <a:p>
-            <a:pPr>
-              <a:buNone/>
-            </a:pPr>
-            <a:r>
-              <a:rPr lang="en-US" sz="3500" dirty="0" smtClean="0">
-                <a:latin typeface="Times New Roman" pitchFamily="18" charset="0"/>
-                <a:cs typeface="Times New Roman" pitchFamily="18" charset="0"/>
-              </a:rPr>
-              <a:t>        [step1,step2,step3]=deal(0);</a:t>
-            </a:r>
-          </a:p>
-          <a:p>
-            <a:pPr>
-              <a:buNone/>
-            </a:pPr>
-            <a:r>
-              <a:rPr lang="en-US" sz="3500" dirty="0" smtClean="0">
-                <a:latin typeface="Times New Roman" pitchFamily="18" charset="0"/>
-                <a:cs typeface="Times New Roman" pitchFamily="18" charset="0"/>
-              </a:rPr>
-              <a:t>        for n=1:N_1-m,</a:t>
-            </a:r>
-          </a:p>
-          <a:p>
-            <a:pPr>
-              <a:buNone/>
-            </a:pPr>
-            <a:r>
-              <a:rPr lang="en-US" sz="3500" dirty="0" smtClean="0">
-                <a:latin typeface="Times New Roman" pitchFamily="18" charset="0"/>
-                <a:cs typeface="Times New Roman" pitchFamily="18" charset="0"/>
-              </a:rPr>
-              <a:t>           </a:t>
-            </a:r>
-            <a:r>
-              <a:rPr lang="en-US" sz="3500" dirty="0" smtClean="0">
-                <a:latin typeface="Times New Roman" pitchFamily="18" charset="0"/>
-                <a:cs typeface="Times New Roman" pitchFamily="18" charset="0"/>
-              </a:rPr>
-              <a:t>step1=step1+xf_1(</a:t>
-            </a:r>
-            <a:r>
-              <a:rPr lang="en-US" sz="3500" dirty="0" err="1" smtClean="0">
-                <a:latin typeface="Times New Roman" pitchFamily="18" charset="0"/>
-                <a:cs typeface="Times New Roman" pitchFamily="18" charset="0"/>
-              </a:rPr>
-              <a:t>n,col</a:t>
-            </a:r>
-            <a:r>
-              <a:rPr lang="en-US" sz="3500" dirty="0" smtClean="0">
-                <a:latin typeface="Times New Roman" pitchFamily="18" charset="0"/>
-                <a:cs typeface="Times New Roman" pitchFamily="18" charset="0"/>
-              </a:rPr>
-              <a:t>)*xf_1(</a:t>
-            </a:r>
-            <a:r>
-              <a:rPr lang="en-US" sz="3500" dirty="0" err="1" smtClean="0">
-                <a:latin typeface="Times New Roman" pitchFamily="18" charset="0"/>
-                <a:cs typeface="Times New Roman" pitchFamily="18" charset="0"/>
-              </a:rPr>
-              <a:t>n+m,col</a:t>
-            </a:r>
-            <a:r>
-              <a:rPr lang="en-US" sz="3500" dirty="0" smtClean="0">
-                <a:latin typeface="Times New Roman" pitchFamily="18" charset="0"/>
-                <a:cs typeface="Times New Roman" pitchFamily="18" charset="0"/>
-              </a:rPr>
-              <a:t>);</a:t>
-            </a:r>
-          </a:p>
-          <a:p>
-            <a:pPr>
-              <a:buNone/>
-            </a:pPr>
-            <a:r>
-              <a:rPr lang="en-US" sz="3500" dirty="0" smtClean="0">
-                <a:latin typeface="Times New Roman" pitchFamily="18" charset="0"/>
-                <a:cs typeface="Times New Roman" pitchFamily="18" charset="0"/>
-              </a:rPr>
-              <a:t>           step2=step2+xf_1(</a:t>
-            </a:r>
-            <a:r>
-              <a:rPr lang="en-US" sz="3500" dirty="0" err="1" smtClean="0">
-                <a:latin typeface="Times New Roman" pitchFamily="18" charset="0"/>
-                <a:cs typeface="Times New Roman" pitchFamily="18" charset="0"/>
-              </a:rPr>
-              <a:t>n,col</a:t>
-            </a:r>
-            <a:r>
-              <a:rPr lang="en-US" sz="3500" dirty="0" smtClean="0">
-                <a:latin typeface="Times New Roman" pitchFamily="18" charset="0"/>
-                <a:cs typeface="Times New Roman" pitchFamily="18" charset="0"/>
-              </a:rPr>
-              <a:t>)^2;</a:t>
-            </a:r>
-          </a:p>
-          <a:p>
-            <a:pPr>
-              <a:buNone/>
-            </a:pPr>
-            <a:r>
-              <a:rPr lang="en-US" sz="3500" dirty="0" smtClean="0">
-                <a:latin typeface="Times New Roman" pitchFamily="18" charset="0"/>
-                <a:cs typeface="Times New Roman" pitchFamily="18" charset="0"/>
-              </a:rPr>
-              <a:t> </a:t>
-            </a:r>
-            <a:r>
-              <a:rPr lang="en-US" sz="3500" dirty="0" smtClean="0">
-                <a:latin typeface="Times New Roman" pitchFamily="18" charset="0"/>
-                <a:cs typeface="Times New Roman" pitchFamily="18" charset="0"/>
-              </a:rPr>
-              <a:t>          step3=step3+xf_1(</a:t>
-            </a:r>
-            <a:r>
-              <a:rPr lang="en-US" sz="3500" dirty="0" err="1" smtClean="0">
-                <a:latin typeface="Times New Roman" pitchFamily="18" charset="0"/>
-                <a:cs typeface="Times New Roman" pitchFamily="18" charset="0"/>
-              </a:rPr>
-              <a:t>n+m,col</a:t>
-            </a:r>
-            <a:r>
-              <a:rPr lang="en-US" sz="3500" dirty="0" smtClean="0">
-                <a:latin typeface="Times New Roman" pitchFamily="18" charset="0"/>
-                <a:cs typeface="Times New Roman" pitchFamily="18" charset="0"/>
-              </a:rPr>
-              <a:t>)^2;</a:t>
-            </a:r>
-          </a:p>
-          <a:p>
-            <a:pPr>
-              <a:buNone/>
-            </a:pPr>
-            <a:r>
-              <a:rPr lang="en-US" sz="3500" dirty="0" smtClean="0">
-                <a:latin typeface="Times New Roman" pitchFamily="18" charset="0"/>
-                <a:cs typeface="Times New Roman" pitchFamily="18" charset="0"/>
-              </a:rPr>
-              <a:t>        end</a:t>
-            </a:r>
-            <a:endParaRPr lang="en-US" sz="3500" dirty="0" smtClean="0">
-              <a:latin typeface="Times New Roman" pitchFamily="18" charset="0"/>
-              <a:cs typeface="Times New Roman" pitchFamily="18" charset="0"/>
-            </a:endParaRPr>
-          </a:p>
-          <a:p>
-            <a:pPr>
-              <a:buNone/>
-            </a:pPr>
-            <a:r>
-              <a:rPr lang="en-US" sz="3500" dirty="0" smtClean="0">
-                <a:latin typeface="Times New Roman" pitchFamily="18" charset="0"/>
-                <a:cs typeface="Times New Roman" pitchFamily="18" charset="0"/>
-              </a:rPr>
-              <a:t>       </a:t>
-            </a:r>
-            <a:r>
-              <a:rPr lang="en-US" sz="3500" dirty="0" smtClean="0">
-                <a:latin typeface="Times New Roman" pitchFamily="18" charset="0"/>
-                <a:cs typeface="Times New Roman" pitchFamily="18" charset="0"/>
-              </a:rPr>
-              <a:t>ccor_1(</a:t>
-            </a:r>
-            <a:r>
-              <a:rPr lang="en-US" sz="3500" dirty="0" err="1" smtClean="0">
-                <a:latin typeface="Times New Roman" pitchFamily="18" charset="0"/>
-                <a:cs typeface="Times New Roman" pitchFamily="18" charset="0"/>
-              </a:rPr>
-              <a:t>m,col</a:t>
-            </a:r>
-            <a:r>
-              <a:rPr lang="en-US" sz="3500" dirty="0" smtClean="0">
-                <a:latin typeface="Times New Roman" pitchFamily="18" charset="0"/>
-                <a:cs typeface="Times New Roman" pitchFamily="18" charset="0"/>
-              </a:rPr>
-              <a:t>)=step1/</a:t>
-            </a:r>
-            <a:r>
-              <a:rPr lang="en-US" sz="3500" dirty="0" err="1" smtClean="0">
-                <a:latin typeface="Times New Roman" pitchFamily="18" charset="0"/>
-                <a:cs typeface="Times New Roman" pitchFamily="18" charset="0"/>
-              </a:rPr>
-              <a:t>sqrt</a:t>
-            </a:r>
-            <a:r>
-              <a:rPr lang="en-US" sz="3500" dirty="0" smtClean="0">
-                <a:latin typeface="Times New Roman" pitchFamily="18" charset="0"/>
-                <a:cs typeface="Times New Roman" pitchFamily="18" charset="0"/>
-              </a:rPr>
-              <a:t>(step2*step3);        </a:t>
-            </a:r>
-          </a:p>
-          <a:p>
-            <a:pPr>
-              <a:buNone/>
-            </a:pPr>
-            <a:r>
-              <a:rPr lang="en-US" sz="3500" dirty="0" smtClean="0">
-                <a:latin typeface="Times New Roman" pitchFamily="18" charset="0"/>
-                <a:cs typeface="Times New Roman" pitchFamily="18" charset="0"/>
-              </a:rPr>
-              <a:t>    end</a:t>
-            </a:r>
-          </a:p>
-          <a:p>
-            <a:pPr>
-              <a:buNone/>
-            </a:pPr>
-            <a:r>
-              <a:rPr lang="en-US" sz="3500" dirty="0" smtClean="0">
-                <a:latin typeface="Times New Roman" pitchFamily="18" charset="0"/>
-                <a:cs typeface="Times New Roman" pitchFamily="18" charset="0"/>
-              </a:rPr>
-              <a:t>end</a:t>
-            </a:r>
-          </a:p>
-          <a:p>
-            <a:pPr>
-              <a:buNone/>
-            </a:pPr>
-            <a:r>
-              <a:rPr lang="en-US" sz="3500" dirty="0" smtClean="0">
-                <a:latin typeface="Times New Roman" pitchFamily="18" charset="0"/>
-                <a:cs typeface="Times New Roman" pitchFamily="18" charset="0"/>
-              </a:rPr>
-              <a:t> </a:t>
-            </a:r>
-          </a:p>
-          <a:p>
-            <a:pPr>
-              <a:buNone/>
-            </a:pPr>
-            <a:r>
-              <a:rPr lang="en-US" sz="3500" dirty="0" smtClean="0">
-                <a:latin typeface="Times New Roman" pitchFamily="18" charset="0"/>
-                <a:cs typeface="Times New Roman" pitchFamily="18" charset="0"/>
-              </a:rPr>
-              <a:t>co_1 = ccor_1;</a:t>
-            </a:r>
-          </a:p>
-          <a:p>
-            <a:endParaRPr lang="en-US" dirty="0"/>
-          </a:p>
-        </p:txBody>
-      </p:sp>
-    </p:spTree>
-  </p:cSld>
-  <p:clrMapOvr>
-    <a:masterClrMapping/>
-  </p:clrMapOvr>
-</p:sld>
-</file>
-
-<file path=ppt/slides/slide12.xml><?xml version="1.0" encoding="utf-8"?>
-<p:sld xmlns:a="http://schemas.openxmlformats.org/drawingml/2006/main" xmlns:r="http://schemas.openxmlformats.org/officeDocument/2006/relationships" xmlns:p="http://schemas.openxmlformats.org/presentationml/2006/main">
-  <p:cSld>
-    <p:spTree>
-      <p:nvGrpSpPr>
-        <p:cNvPr id="1" name=""/>
-        <p:cNvGrpSpPr/>
-        <p:nvPr/>
-      </p:nvGrpSpPr>
-      <p:grpSpPr>
-        <a:xfrm>
-          <a:off x="0" y="0"/>
-          <a:ext cx="0" cy="0"/>
-          <a:chOff x="0" y="0"/>
-          <a:chExt cx="0" cy="0"/>
-        </a:xfrm>
-      </p:grpSpPr>
-      <p:sp>
-        <p:nvSpPr>
-          <p:cNvPr id="2" name="Title 1"/>
-          <p:cNvSpPr>
-            <a:spLocks noGrp="1"/>
-          </p:cNvSpPr>
-          <p:nvPr>
-            <p:ph type="title"/>
-          </p:nvPr>
-        </p:nvSpPr>
-        <p:spPr/>
-        <p:txBody>
-          <a:bodyPr/>
-          <a:lstStyle/>
-          <a:p>
-            <a:endParaRPr lang="en-US"/>
-          </a:p>
-        </p:txBody>
-      </p:sp>
-      <p:sp>
-        <p:nvSpPr>
-          <p:cNvPr id="3" name="Content Placeholder 2"/>
-          <p:cNvSpPr>
-            <a:spLocks noGrp="1"/>
-          </p:cNvSpPr>
-          <p:nvPr>
-            <p:ph idx="1"/>
-          </p:nvPr>
-        </p:nvSpPr>
-        <p:spPr/>
-        <p:txBody>
-          <a:bodyPr>
-            <a:normAutofit/>
-          </a:bodyPr>
-          <a:lstStyle/>
-          <a:p>
-            <a:pPr>
-              <a:buNone/>
-            </a:pPr>
-            <a:r>
-              <a:rPr lang="en-US" sz="1400" dirty="0" smtClean="0">
-                <a:latin typeface="Times New Roman" pitchFamily="18" charset="0"/>
-                <a:cs typeface="Times New Roman" pitchFamily="18" charset="0"/>
-              </a:rPr>
-              <a:t>c = normxcorr2(co_1,co);</a:t>
-            </a:r>
-          </a:p>
-          <a:p>
-            <a:pPr>
-              <a:buNone/>
-            </a:pPr>
-            <a:r>
-              <a:rPr lang="en-US" sz="1400" dirty="0" smtClean="0">
-                <a:latin typeface="Times New Roman" pitchFamily="18" charset="0"/>
-                <a:cs typeface="Times New Roman" pitchFamily="18" charset="0"/>
-              </a:rPr>
-              <a:t> </a:t>
-            </a:r>
-          </a:p>
-          <a:p>
-            <a:pPr>
-              <a:buNone/>
-            </a:pPr>
-            <a:r>
-              <a:rPr lang="en-US" sz="1400" dirty="0" smtClean="0">
-                <a:latin typeface="Times New Roman" pitchFamily="18" charset="0"/>
-                <a:cs typeface="Times New Roman" pitchFamily="18" charset="0"/>
-              </a:rPr>
-              <a:t>[</a:t>
-            </a:r>
-            <a:r>
-              <a:rPr lang="en-US" sz="1400" dirty="0" err="1" smtClean="0">
-                <a:latin typeface="Times New Roman" pitchFamily="18" charset="0"/>
-                <a:cs typeface="Times New Roman" pitchFamily="18" charset="0"/>
-              </a:rPr>
-              <a:t>ypeak</a:t>
-            </a:r>
-            <a:r>
-              <a:rPr lang="en-US" sz="1400" dirty="0" smtClean="0">
-                <a:latin typeface="Times New Roman" pitchFamily="18" charset="0"/>
-                <a:cs typeface="Times New Roman" pitchFamily="18" charset="0"/>
-              </a:rPr>
-              <a:t>, </a:t>
-            </a:r>
-            <a:r>
-              <a:rPr lang="en-US" sz="1400" dirty="0" err="1" smtClean="0">
-                <a:latin typeface="Times New Roman" pitchFamily="18" charset="0"/>
-                <a:cs typeface="Times New Roman" pitchFamily="18" charset="0"/>
-              </a:rPr>
-              <a:t>xpeak</a:t>
-            </a:r>
-            <a:r>
-              <a:rPr lang="en-US" sz="1400" dirty="0" smtClean="0">
-                <a:latin typeface="Times New Roman" pitchFamily="18" charset="0"/>
-                <a:cs typeface="Times New Roman" pitchFamily="18" charset="0"/>
-              </a:rPr>
-              <a:t>] = find(c==max(c(:)));</a:t>
-            </a:r>
-          </a:p>
-          <a:p>
-            <a:pPr>
-              <a:buNone/>
-            </a:pPr>
-            <a:endParaRPr lang="en-US" sz="1400" dirty="0" smtClean="0">
-              <a:latin typeface="Times New Roman" pitchFamily="18" charset="0"/>
-              <a:cs typeface="Times New Roman" pitchFamily="18" charset="0"/>
-            </a:endParaRPr>
-          </a:p>
-          <a:p>
-            <a:pPr>
-              <a:buNone/>
-            </a:pPr>
-            <a:r>
-              <a:rPr lang="en-US" sz="1400" dirty="0" err="1" smtClean="0">
-                <a:latin typeface="Times New Roman" pitchFamily="18" charset="0"/>
-                <a:cs typeface="Times New Roman" pitchFamily="18" charset="0"/>
-              </a:rPr>
-              <a:t>yoffSet</a:t>
-            </a:r>
-            <a:r>
-              <a:rPr lang="en-US" sz="1400" dirty="0" smtClean="0">
-                <a:latin typeface="Times New Roman" pitchFamily="18" charset="0"/>
-                <a:cs typeface="Times New Roman" pitchFamily="18" charset="0"/>
-              </a:rPr>
-              <a:t> = </a:t>
-            </a:r>
-            <a:r>
-              <a:rPr lang="en-US" sz="1400" dirty="0" err="1" smtClean="0">
-                <a:latin typeface="Times New Roman" pitchFamily="18" charset="0"/>
-                <a:cs typeface="Times New Roman" pitchFamily="18" charset="0"/>
-              </a:rPr>
-              <a:t>ypeak</a:t>
-            </a:r>
-            <a:r>
-              <a:rPr lang="en-US" sz="1400" dirty="0" smtClean="0">
-                <a:latin typeface="Times New Roman" pitchFamily="18" charset="0"/>
-                <a:cs typeface="Times New Roman" pitchFamily="18" charset="0"/>
-              </a:rPr>
-              <a:t>-size(bic,1);</a:t>
-            </a:r>
-          </a:p>
-          <a:p>
-            <a:pPr>
-              <a:buNone/>
-            </a:pPr>
-            <a:r>
-              <a:rPr lang="en-US" sz="1400" dirty="0" err="1" smtClean="0">
-                <a:latin typeface="Times New Roman" pitchFamily="18" charset="0"/>
-                <a:cs typeface="Times New Roman" pitchFamily="18" charset="0"/>
-              </a:rPr>
-              <a:t>xoffSet</a:t>
-            </a:r>
-            <a:r>
-              <a:rPr lang="en-US" sz="1400" dirty="0" smtClean="0">
-                <a:latin typeface="Times New Roman" pitchFamily="18" charset="0"/>
-                <a:cs typeface="Times New Roman" pitchFamily="18" charset="0"/>
-              </a:rPr>
-              <a:t> = </a:t>
-            </a:r>
-            <a:r>
-              <a:rPr lang="en-US" sz="1400" dirty="0" err="1" smtClean="0">
-                <a:latin typeface="Times New Roman" pitchFamily="18" charset="0"/>
-                <a:cs typeface="Times New Roman" pitchFamily="18" charset="0"/>
-              </a:rPr>
-              <a:t>xpeak</a:t>
-            </a:r>
-            <a:r>
-              <a:rPr lang="en-US" sz="1400" dirty="0" smtClean="0">
-                <a:latin typeface="Times New Roman" pitchFamily="18" charset="0"/>
-                <a:cs typeface="Times New Roman" pitchFamily="18" charset="0"/>
-              </a:rPr>
-              <a:t>-size(bic,2);</a:t>
-            </a:r>
-          </a:p>
-          <a:p>
-            <a:pPr>
-              <a:buNone/>
-            </a:pPr>
-            <a:r>
-              <a:rPr lang="en-US" sz="1400" dirty="0" err="1" smtClean="0">
-                <a:latin typeface="Times New Roman" pitchFamily="18" charset="0"/>
-                <a:cs typeface="Times New Roman" pitchFamily="18" charset="0"/>
-              </a:rPr>
-              <a:t>hFig</a:t>
-            </a:r>
-            <a:r>
-              <a:rPr lang="en-US" sz="1400" dirty="0" smtClean="0">
-                <a:latin typeface="Times New Roman" pitchFamily="18" charset="0"/>
-                <a:cs typeface="Times New Roman" pitchFamily="18" charset="0"/>
-              </a:rPr>
-              <a:t> = figure;</a:t>
-            </a:r>
-          </a:p>
-          <a:p>
-            <a:pPr>
-              <a:buNone/>
-            </a:pPr>
-            <a:r>
-              <a:rPr lang="en-US" sz="1400" dirty="0" err="1" smtClean="0">
-                <a:latin typeface="Times New Roman" pitchFamily="18" charset="0"/>
-                <a:cs typeface="Times New Roman" pitchFamily="18" charset="0"/>
-              </a:rPr>
-              <a:t>hAx</a:t>
-            </a:r>
-            <a:r>
-              <a:rPr lang="en-US" sz="1400" dirty="0" smtClean="0">
-                <a:latin typeface="Times New Roman" pitchFamily="18" charset="0"/>
-                <a:cs typeface="Times New Roman" pitchFamily="18" charset="0"/>
-              </a:rPr>
-              <a:t>  = axes;</a:t>
-            </a:r>
-          </a:p>
-          <a:p>
-            <a:pPr>
-              <a:buNone/>
-            </a:pPr>
-            <a:r>
-              <a:rPr lang="en-US" sz="1400" dirty="0" err="1" smtClean="0">
-                <a:latin typeface="Times New Roman" pitchFamily="18" charset="0"/>
-                <a:cs typeface="Times New Roman" pitchFamily="18" charset="0"/>
-              </a:rPr>
-              <a:t>imshow</a:t>
-            </a:r>
-            <a:r>
-              <a:rPr lang="en-US" sz="1400" dirty="0" smtClean="0">
-                <a:latin typeface="Times New Roman" pitchFamily="18" charset="0"/>
-                <a:cs typeface="Times New Roman" pitchFamily="18" charset="0"/>
-              </a:rPr>
-              <a:t>(</a:t>
-            </a:r>
-            <a:r>
-              <a:rPr lang="en-US" sz="1400" dirty="0" err="1" smtClean="0">
-                <a:latin typeface="Times New Roman" pitchFamily="18" charset="0"/>
-                <a:cs typeface="Times New Roman" pitchFamily="18" charset="0"/>
-              </a:rPr>
-              <a:t>bit,'Parent</a:t>
-            </a:r>
-            <a:r>
-              <a:rPr lang="en-US" sz="1400" dirty="0" smtClean="0">
-                <a:latin typeface="Times New Roman" pitchFamily="18" charset="0"/>
-                <a:cs typeface="Times New Roman" pitchFamily="18" charset="0"/>
-              </a:rPr>
-              <a:t>', </a:t>
-            </a:r>
-            <a:r>
-              <a:rPr lang="en-US" sz="1400" dirty="0" err="1" smtClean="0">
-                <a:latin typeface="Times New Roman" pitchFamily="18" charset="0"/>
-                <a:cs typeface="Times New Roman" pitchFamily="18" charset="0"/>
-              </a:rPr>
-              <a:t>hAx</a:t>
-            </a:r>
-            <a:r>
-              <a:rPr lang="en-US" sz="1400" dirty="0" smtClean="0">
-                <a:latin typeface="Times New Roman" pitchFamily="18" charset="0"/>
-                <a:cs typeface="Times New Roman" pitchFamily="18" charset="0"/>
-              </a:rPr>
-              <a:t>);</a:t>
-            </a:r>
-          </a:p>
-          <a:p>
-            <a:pPr>
-              <a:buNone/>
-            </a:pPr>
-            <a:r>
-              <a:rPr lang="en-US" sz="1400" dirty="0" err="1" smtClean="0">
-                <a:latin typeface="Times New Roman" pitchFamily="18" charset="0"/>
-                <a:cs typeface="Times New Roman" pitchFamily="18" charset="0"/>
-              </a:rPr>
-              <a:t>imrect</a:t>
-            </a:r>
-            <a:r>
-              <a:rPr lang="en-US" sz="1400" dirty="0" smtClean="0">
-                <a:latin typeface="Times New Roman" pitchFamily="18" charset="0"/>
-                <a:cs typeface="Times New Roman" pitchFamily="18" charset="0"/>
-              </a:rPr>
-              <a:t>(</a:t>
-            </a:r>
-            <a:r>
-              <a:rPr lang="en-US" sz="1400" dirty="0" err="1" smtClean="0">
-                <a:latin typeface="Times New Roman" pitchFamily="18" charset="0"/>
-                <a:cs typeface="Times New Roman" pitchFamily="18" charset="0"/>
-              </a:rPr>
-              <a:t>hAx</a:t>
-            </a:r>
-            <a:r>
-              <a:rPr lang="en-US" sz="1400" dirty="0" smtClean="0">
-                <a:latin typeface="Times New Roman" pitchFamily="18" charset="0"/>
-                <a:cs typeface="Times New Roman" pitchFamily="18" charset="0"/>
-              </a:rPr>
-              <a:t>, [</a:t>
-            </a:r>
-            <a:r>
-              <a:rPr lang="en-US" sz="1400" dirty="0" err="1" smtClean="0">
-                <a:latin typeface="Times New Roman" pitchFamily="18" charset="0"/>
-                <a:cs typeface="Times New Roman" pitchFamily="18" charset="0"/>
-              </a:rPr>
-              <a:t>xoffSet</a:t>
-            </a:r>
-            <a:r>
-              <a:rPr lang="en-US" sz="1400" dirty="0" smtClean="0">
-                <a:latin typeface="Times New Roman" pitchFamily="18" charset="0"/>
-                <a:cs typeface="Times New Roman" pitchFamily="18" charset="0"/>
-              </a:rPr>
-              <a:t>, </a:t>
-            </a:r>
-            <a:r>
-              <a:rPr lang="en-US" sz="1400" dirty="0" err="1" smtClean="0">
-                <a:latin typeface="Times New Roman" pitchFamily="18" charset="0"/>
-                <a:cs typeface="Times New Roman" pitchFamily="18" charset="0"/>
-              </a:rPr>
-              <a:t>yoffSet</a:t>
-            </a:r>
-            <a:r>
-              <a:rPr lang="en-US" sz="1400" dirty="0" smtClean="0">
-                <a:latin typeface="Times New Roman" pitchFamily="18" charset="0"/>
-                <a:cs typeface="Times New Roman" pitchFamily="18" charset="0"/>
-              </a:rPr>
-              <a:t>, size(bic,2), size(bic,1)]);</a:t>
-            </a:r>
-          </a:p>
-          <a:p>
-            <a:pPr>
-              <a:buNone/>
-            </a:pPr>
-            <a:endParaRPr lang="en-US" dirty="0"/>
-          </a:p>
-        </p:txBody>
-      </p:sp>
-    </p:spTree>
-  </p:cSld>
-  <p:clrMapOvr>
-    <a:masterClrMapping/>
-  </p:clrMapOvr>
-</p:sld>
-</file>
-
-<file path=ppt/slides/slide13.xml><?xml version="1.0" encoding="utf-8"?>
-<p:sld xmlns:a="http://schemas.openxmlformats.org/drawingml/2006/main" xmlns:r="http://schemas.openxmlformats.org/officeDocument/2006/relationships" xmlns:p="http://schemas.openxmlformats.org/presentationml/2006/main">
-  <p:cSld>
-    <p:spTree>
-      <p:nvGrpSpPr>
-        <p:cNvPr id="1" name=""/>
-        <p:cNvGrpSpPr/>
-        <p:nvPr/>
-      </p:nvGrpSpPr>
-      <p:grpSpPr>
-        <a:xfrm>
-          <a:off x="0" y="0"/>
-          <a:ext cx="0" cy="0"/>
-          <a:chOff x="0" y="0"/>
-          <a:chExt cx="0" cy="0"/>
-        </a:xfrm>
-      </p:grpSpPr>
-      <p:sp>
-        <p:nvSpPr>
-          <p:cNvPr id="2" name="Title 1"/>
-          <p:cNvSpPr>
-            <a:spLocks noGrp="1"/>
-          </p:cNvSpPr>
-          <p:nvPr>
-            <p:ph type="title"/>
-          </p:nvPr>
-        </p:nvSpPr>
-        <p:spPr/>
-        <p:txBody>
-          <a:bodyPr/>
-          <a:lstStyle/>
-          <a:p>
-            <a:r>
-              <a:rPr lang="en-US" dirty="0" smtClean="0">
-                <a:latin typeface="Times New Roman" pitchFamily="18" charset="0"/>
-                <a:cs typeface="Times New Roman" pitchFamily="18" charset="0"/>
-              </a:rPr>
-              <a:t>Conclusion</a:t>
-            </a:r>
-            <a:endParaRPr lang="en-US" dirty="0">
-              <a:latin typeface="Times New Roman" pitchFamily="18" charset="0"/>
-              <a:cs typeface="Times New Roman" pitchFamily="18" charset="0"/>
-            </a:endParaRPr>
-          </a:p>
-        </p:txBody>
-      </p:sp>
-      <p:sp>
-        <p:nvSpPr>
-          <p:cNvPr id="3" name="Content Placeholder 2"/>
-          <p:cNvSpPr>
-            <a:spLocks noGrp="1"/>
-          </p:cNvSpPr>
-          <p:nvPr>
-            <p:ph idx="1"/>
-          </p:nvPr>
-        </p:nvSpPr>
-        <p:spPr>
-          <a:xfrm>
-            <a:off x="381000" y="1676400"/>
-            <a:ext cx="8229600" cy="4525963"/>
-          </a:xfrm>
-        </p:spPr>
-        <p:txBody>
-          <a:bodyPr>
-            <a:normAutofit/>
-          </a:bodyPr>
-          <a:lstStyle/>
-          <a:p>
-            <a:pPr algn="just">
-              <a:buNone/>
-            </a:pPr>
-            <a:r>
-              <a:rPr lang="en-US" sz="2800" dirty="0" smtClean="0">
-                <a:latin typeface="Times New Roman" pitchFamily="18" charset="0"/>
-                <a:cs typeface="Times New Roman" pitchFamily="18" charset="0"/>
-              </a:rPr>
-              <a:t>    By this we can identify the main pattern, which we want to find from the template. Pattern recognition is now the most helpful system for daily life, Though it has some disadvantages, we can get more and more help for daily life or corporate life. </a:t>
-            </a:r>
-            <a:endParaRPr lang="en-US" sz="2800" dirty="0">
-              <a:latin typeface="Times New Roman" pitchFamily="18" charset="0"/>
-              <a:cs typeface="Times New Roman" pitchFamily="18" charset="0"/>
-            </a:endParaRPr>
-          </a:p>
-        </p:txBody>
-      </p:sp>
-    </p:spTree>
-  </p:cSld>
-  <p:clrMapOvr>
-    <a:masterClrMapping/>
-  </p:clrMapOvr>
 </p:sld>
 </file>
 
@@ -4805,8 +3466,8 @@
         </p:nvSpPr>
         <p:spPr>
           <a:xfrm>
-            <a:off x="304800" y="1600200"/>
-            <a:ext cx="8229600" cy="4525963"/>
+            <a:off x="426720" y="1600202"/>
+            <a:ext cx="11521440" cy="4525963"/>
           </a:xfrm>
         </p:spPr>
         <p:txBody>
@@ -4823,70 +3484,21 @@
                 <a:latin typeface="Times New Roman" pitchFamily="18" charset="0"/>
                 <a:cs typeface="Times New Roman" pitchFamily="18" charset="0"/>
               </a:rPr>
-              <a:t>    The </a:t>
+              <a:t>    </a:t>
             </a:r>
             <a:r>
               <a:rPr lang="en-US" sz="2800" dirty="0" smtClean="0">
                 <a:latin typeface="Times New Roman" pitchFamily="18" charset="0"/>
                 <a:cs typeface="Times New Roman" pitchFamily="18" charset="0"/>
               </a:rPr>
-              <a:t>main goal of this project is recognizing </a:t>
+              <a:t> The </a:t>
             </a:r>
             <a:r>
               <a:rPr lang="en-US" sz="2800" dirty="0" smtClean="0">
                 <a:latin typeface="Times New Roman" pitchFamily="18" charset="0"/>
                 <a:cs typeface="Times New Roman" pitchFamily="18" charset="0"/>
               </a:rPr>
-              <a:t>the number from </a:t>
-            </a:r>
-            <a:r>
-              <a:rPr lang="en-US" sz="2800" dirty="0" smtClean="0">
-                <a:latin typeface="Times New Roman" pitchFamily="18" charset="0"/>
-                <a:cs typeface="Times New Roman" pitchFamily="18" charset="0"/>
-              </a:rPr>
-              <a:t>the given numbers image, </a:t>
-            </a:r>
-            <a:r>
-              <a:rPr lang="en-US" sz="2800" dirty="0" smtClean="0">
-                <a:latin typeface="Times New Roman" pitchFamily="18" charset="0"/>
-                <a:cs typeface="Times New Roman" pitchFamily="18" charset="0"/>
-              </a:rPr>
-              <a:t>basically it </a:t>
-            </a:r>
-            <a:r>
-              <a:rPr lang="en-US" sz="2800" dirty="0" smtClean="0">
-                <a:latin typeface="Times New Roman" pitchFamily="18" charset="0"/>
-                <a:cs typeface="Times New Roman" pitchFamily="18" charset="0"/>
-              </a:rPr>
-              <a:t>is </a:t>
-            </a:r>
-            <a:r>
-              <a:rPr lang="en-US" sz="2800" dirty="0" smtClean="0">
-                <a:latin typeface="Times New Roman" pitchFamily="18" charset="0"/>
-                <a:cs typeface="Times New Roman" pitchFamily="18" charset="0"/>
-              </a:rPr>
-              <a:t>pattern matching </a:t>
-            </a:r>
-            <a:r>
-              <a:rPr lang="en-US" sz="2800" dirty="0" smtClean="0">
-                <a:latin typeface="Times New Roman" pitchFamily="18" charset="0"/>
-                <a:cs typeface="Times New Roman" pitchFamily="18" charset="0"/>
-              </a:rPr>
-              <a:t>way to find the </a:t>
-            </a:r>
-            <a:r>
-              <a:rPr lang="en-US" sz="2800" dirty="0" smtClean="0">
-                <a:latin typeface="Times New Roman" pitchFamily="18" charset="0"/>
-                <a:cs typeface="Times New Roman" pitchFamily="18" charset="0"/>
-              </a:rPr>
-              <a:t>number, which </a:t>
-            </a:r>
-            <a:r>
-              <a:rPr lang="en-US" sz="2800" dirty="0" smtClean="0">
-                <a:latin typeface="Times New Roman" pitchFamily="18" charset="0"/>
-                <a:cs typeface="Times New Roman" pitchFamily="18" charset="0"/>
-              </a:rPr>
-              <a:t>is required to find.</a:t>
+              <a:t>main goal of this project is recognizing the number from the given numbers image, basically it is pattern matching way to find the number, which is required to find.</a:t>
             </a:r>
             <a:endParaRPr lang="en-US" sz="2800" dirty="0">
               <a:latin typeface="Times New Roman" pitchFamily="18" charset="0"/>
@@ -4900,6 +3512,13 @@
   <p:clrMapOvr>
     <a:masterClrMapping/>
   </p:clrMapOvr>
+  <p:timing>
+    <p:tnLst>
+      <p:par>
+        <p:cTn id="1" dur="indefinite" restart="never" nodeType="tmRoot"/>
+      </p:par>
+    </p:tnLst>
+  </p:timing>
 </p:sld>
 </file>
 
@@ -4962,7 +3581,7 @@
         <p:spPr>
           <a:xfrm>
             <a:off x="304800" y="1600200"/>
-            <a:ext cx="8229600" cy="4525963"/>
+            <a:ext cx="11521440" cy="4525963"/>
           </a:xfrm>
         </p:spPr>
         <p:txBody>
@@ -4979,56 +3598,28 @@
                 <a:latin typeface="Times New Roman" pitchFamily="18" charset="0"/>
                 <a:cs typeface="Times New Roman" pitchFamily="18" charset="0"/>
               </a:rPr>
-              <a:t>    By </a:t>
+              <a:t>    </a:t>
             </a:r>
             <a:r>
               <a:rPr lang="en-US" sz="2800" dirty="0" smtClean="0">
                 <a:latin typeface="Times New Roman" pitchFamily="18" charset="0"/>
                 <a:cs typeface="Times New Roman" pitchFamily="18" charset="0"/>
               </a:rPr>
-              <a:t>using this project, we can get the </a:t>
+              <a:t> By </a:t>
             </a:r>
             <a:r>
               <a:rPr lang="en-US" sz="2800" dirty="0" smtClean="0">
                 <a:latin typeface="Times New Roman" pitchFamily="18" charset="0"/>
                 <a:cs typeface="Times New Roman" pitchFamily="18" charset="0"/>
               </a:rPr>
-              <a:t>matched pattern </a:t>
+              <a:t>using this project, we can get the matched pattern from a numbers template. We can use this project to find the numbers from a template</a:t>
             </a:r>
             <a:r>
               <a:rPr lang="en-US" sz="2800" dirty="0" smtClean="0">
                 <a:latin typeface="Times New Roman" pitchFamily="18" charset="0"/>
                 <a:cs typeface="Times New Roman" pitchFamily="18" charset="0"/>
               </a:rPr>
-              <a:t>from a numbers template. We can </a:t>
-            </a:r>
-            <a:r>
-              <a:rPr lang="en-US" sz="2800" dirty="0" smtClean="0">
-                <a:latin typeface="Times New Roman" pitchFamily="18" charset="0"/>
-                <a:cs typeface="Times New Roman" pitchFamily="18" charset="0"/>
-              </a:rPr>
-              <a:t>use this </a:t>
-            </a:r>
-            <a:r>
-              <a:rPr lang="en-US" sz="2800" dirty="0" smtClean="0">
-                <a:latin typeface="Times New Roman" pitchFamily="18" charset="0"/>
-                <a:cs typeface="Times New Roman" pitchFamily="18" charset="0"/>
-              </a:rPr>
-              <a:t>project to find the numbers from </a:t>
-            </a:r>
-            <a:r>
-              <a:rPr lang="en-US" sz="2800" dirty="0" smtClean="0">
-                <a:latin typeface="Times New Roman" pitchFamily="18" charset="0"/>
-                <a:cs typeface="Times New Roman" pitchFamily="18" charset="0"/>
-              </a:rPr>
-              <a:t>a template</a:t>
-            </a:r>
-            <a:r>
-              <a:rPr lang="en-US" sz="2800" dirty="0" smtClean="0">
-                <a:latin typeface="Times New Roman" pitchFamily="18" charset="0"/>
-                <a:cs typeface="Times New Roman" pitchFamily="18" charset="0"/>
-              </a:rPr>
-              <a:t>. </a:t>
+              <a:t>. Now-a-days, we want the easy life, to get this easy life pattern matching is so important, it plays the role of finding the pattern, which is required to find out.</a:t>
             </a:r>
             <a:endParaRPr lang="en-US" sz="2800" dirty="0">
               <a:latin typeface="Times New Roman" pitchFamily="18" charset="0"/>
@@ -5042,6 +3633,13 @@
   <p:clrMapOvr>
     <a:masterClrMapping/>
   </p:clrMapOvr>
+  <p:timing>
+    <p:tnLst>
+      <p:par>
+        <p:cTn id="1" dur="indefinite" restart="never" nodeType="tmRoot"/>
+      </p:par>
+    </p:tnLst>
+  </p:timing>
 </p:sld>
 </file>
 
@@ -5104,7 +3702,7 @@
         <p:spPr>
           <a:xfrm>
             <a:off x="304800" y="1600200"/>
-            <a:ext cx="8229600" cy="4525963"/>
+            <a:ext cx="11521440" cy="4525963"/>
           </a:xfrm>
         </p:spPr>
         <p:txBody>
@@ -5121,63 +3719,21 @@
                 <a:latin typeface="Times New Roman" pitchFamily="18" charset="0"/>
                 <a:cs typeface="Times New Roman" pitchFamily="18" charset="0"/>
               </a:rPr>
-              <a:t>    Pattern </a:t>
+              <a:t>    </a:t>
             </a:r>
             <a:r>
               <a:rPr lang="en-US" sz="2800" dirty="0" smtClean="0">
                 <a:latin typeface="Times New Roman" pitchFamily="18" charset="0"/>
                 <a:cs typeface="Times New Roman" pitchFamily="18" charset="0"/>
               </a:rPr>
-              <a:t>recognition is used in any area of </a:t>
+              <a:t> Pattern </a:t>
             </a:r>
             <a:r>
               <a:rPr lang="en-US" sz="2800" dirty="0" smtClean="0">
                 <a:latin typeface="Times New Roman" pitchFamily="18" charset="0"/>
                 <a:cs typeface="Times New Roman" pitchFamily="18" charset="0"/>
               </a:rPr>
-              <a:t>science and engineering </a:t>
-            </a:r>
-            <a:r>
-              <a:rPr lang="en-US" sz="2800" dirty="0" smtClean="0">
-                <a:latin typeface="Times New Roman" pitchFamily="18" charset="0"/>
-                <a:cs typeface="Times New Roman" pitchFamily="18" charset="0"/>
-              </a:rPr>
-              <a:t>that studies the structure </a:t>
-            </a:r>
-            <a:r>
-              <a:rPr lang="en-US" sz="2800" dirty="0" smtClean="0">
-                <a:latin typeface="Times New Roman" pitchFamily="18" charset="0"/>
-                <a:cs typeface="Times New Roman" pitchFamily="18" charset="0"/>
-              </a:rPr>
-              <a:t>of observations. It </a:t>
-            </a:r>
-            <a:r>
-              <a:rPr lang="en-US" sz="2800" dirty="0" smtClean="0">
-                <a:latin typeface="Times New Roman" pitchFamily="18" charset="0"/>
-                <a:cs typeface="Times New Roman" pitchFamily="18" charset="0"/>
-              </a:rPr>
-              <a:t>is now frequently used in </a:t>
-            </a:r>
-            <a:r>
-              <a:rPr lang="en-US" sz="2800" dirty="0" smtClean="0">
-                <a:latin typeface="Times New Roman" pitchFamily="18" charset="0"/>
-                <a:cs typeface="Times New Roman" pitchFamily="18" charset="0"/>
-              </a:rPr>
-              <a:t>many applications in manufacturing industry, healthcare</a:t>
-            </a:r>
-            <a:r>
-              <a:rPr lang="en-US" sz="2800" dirty="0" smtClean="0">
-                <a:latin typeface="Times New Roman" pitchFamily="18" charset="0"/>
-                <a:cs typeface="Times New Roman" pitchFamily="18" charset="0"/>
-              </a:rPr>
-              <a:t>, and the </a:t>
-            </a:r>
-            <a:r>
-              <a:rPr lang="en-US" sz="2800" dirty="0" smtClean="0">
-                <a:latin typeface="Times New Roman" pitchFamily="18" charset="0"/>
-                <a:cs typeface="Times New Roman" pitchFamily="18" charset="0"/>
-              </a:rPr>
-              <a:t>military. These are the applications of this, Number recognition, Image identification, Reading machine for blind, Digit or letter recognition etc.</a:t>
+              <a:t>recognition is used in any area of science and engineering that studies the structure of observations. It is now frequently used in many applications in manufacturing industry, healthcare, and the military. These are the applications of this, Number recognition, Image identification, Reading machine for blind, Digit or letter recognition etc.</a:t>
             </a:r>
           </a:p>
         </p:txBody>
@@ -5187,6 +3743,13 @@
   <p:clrMapOvr>
     <a:masterClrMapping/>
   </p:clrMapOvr>
+  <p:timing>
+    <p:tnLst>
+      <p:par>
+        <p:cTn id="1" dur="indefinite" restart="never" nodeType="tmRoot"/>
+      </p:par>
+    </p:tnLst>
+  </p:timing>
 </p:sld>
 </file>
 
@@ -5249,7 +3812,7 @@
         <p:spPr>
           <a:xfrm>
             <a:off x="381000" y="1600200"/>
-            <a:ext cx="8229600" cy="4525963"/>
+            <a:ext cx="11521440" cy="4525963"/>
           </a:xfrm>
         </p:spPr>
         <p:txBody>
@@ -5266,89 +3829,22 @@
                 <a:latin typeface="Times New Roman" pitchFamily="18" charset="0"/>
                 <a:cs typeface="Times New Roman" pitchFamily="18" charset="0"/>
               </a:rPr>
-              <a:t> </a:t>
+              <a:t>    </a:t>
             </a:r>
             <a:r>
               <a:rPr lang="en-US" sz="2800" dirty="0" smtClean="0">
                 <a:latin typeface="Times New Roman" pitchFamily="18" charset="0"/>
                 <a:cs typeface="Times New Roman" pitchFamily="18" charset="0"/>
               </a:rPr>
-              <a:t>   Pattern recognition </a:t>
+              <a:t> Pattern </a:t>
             </a:r>
             <a:r>
               <a:rPr lang="en-US" sz="2800" dirty="0" smtClean="0">
                 <a:latin typeface="Times New Roman" pitchFamily="18" charset="0"/>
                 <a:cs typeface="Times New Roman" pitchFamily="18" charset="0"/>
               </a:rPr>
-              <a:t>process is quite </a:t>
-            </a:r>
-            <a:r>
-              <a:rPr lang="en-US" sz="2800" dirty="0" smtClean="0">
-                <a:latin typeface="Times New Roman" pitchFamily="18" charset="0"/>
-                <a:cs typeface="Times New Roman" pitchFamily="18" charset="0"/>
-              </a:rPr>
-              <a:t>complex and lengthy</a:t>
-            </a:r>
-            <a:r>
-              <a:rPr lang="en-US" sz="2800" dirty="0" smtClean="0">
-                <a:latin typeface="Times New Roman" pitchFamily="18" charset="0"/>
-                <a:cs typeface="Times New Roman" pitchFamily="18" charset="0"/>
-              </a:rPr>
-              <a:t>, </a:t>
-            </a:r>
-            <a:r>
-              <a:rPr lang="en-US" sz="2800" dirty="0" smtClean="0">
-                <a:latin typeface="Times New Roman" pitchFamily="18" charset="0"/>
-                <a:cs typeface="Times New Roman" pitchFamily="18" charset="0"/>
-              </a:rPr>
-              <a:t>which consumes time. The dataset needs </a:t>
-            </a:r>
-            <a:r>
-              <a:rPr lang="en-US" sz="2800" dirty="0" smtClean="0">
-                <a:latin typeface="Times New Roman" pitchFamily="18" charset="0"/>
-                <a:cs typeface="Times New Roman" pitchFamily="18" charset="0"/>
-              </a:rPr>
-              <a:t>to be </a:t>
-            </a:r>
-            <a:r>
-              <a:rPr lang="en-US" sz="2800" dirty="0" smtClean="0">
-                <a:latin typeface="Times New Roman" pitchFamily="18" charset="0"/>
-                <a:cs typeface="Times New Roman" pitchFamily="18" charset="0"/>
-              </a:rPr>
-              <a:t>large for accuracy. The </a:t>
-            </a:r>
-            <a:r>
-              <a:rPr lang="en-US" sz="2800" dirty="0" smtClean="0">
-                <a:latin typeface="Times New Roman" pitchFamily="18" charset="0"/>
-                <a:cs typeface="Times New Roman" pitchFamily="18" charset="0"/>
-              </a:rPr>
-              <a:t>logic is </a:t>
-            </a:r>
-            <a:r>
-              <a:rPr lang="en-US" sz="2800" dirty="0" smtClean="0">
-                <a:latin typeface="Times New Roman" pitchFamily="18" charset="0"/>
-                <a:cs typeface="Times New Roman" pitchFamily="18" charset="0"/>
-              </a:rPr>
-              <a:t>not certain </a:t>
-            </a:r>
-            <a:r>
-              <a:rPr lang="en-US" sz="2800" dirty="0" smtClean="0">
-                <a:latin typeface="Times New Roman" pitchFamily="18" charset="0"/>
-                <a:cs typeface="Times New Roman" pitchFamily="18" charset="0"/>
-              </a:rPr>
-              <a:t>of </a:t>
-            </a:r>
-            <a:r>
-              <a:rPr lang="en-US" sz="2800" dirty="0" smtClean="0">
-                <a:latin typeface="Times New Roman" pitchFamily="18" charset="0"/>
-                <a:cs typeface="Times New Roman" pitchFamily="18" charset="0"/>
-              </a:rPr>
-              <a:t>object recognition. We have to search the numbers one by one. Multiple numbers can’t be searched by this code.</a:t>
-            </a:r>
-            <a:endParaRPr lang="en-US" sz="2800" dirty="0" smtClean="0">
-              <a:latin typeface="Times New Roman" pitchFamily="18" charset="0"/>
-              <a:cs typeface="Times New Roman" pitchFamily="18" charset="0"/>
-            </a:endParaRPr>
+              <a:t>recognition process is quite complex and lengthy, which consumes time. The dataset needs to be large for accuracy. The logic is not certain of object recognition. We have to search the numbers one by one. Multiple numbers can’t be searched by this code.</a:t>
+            </a:r>
           </a:p>
         </p:txBody>
       </p:sp>
@@ -5357,6 +3853,13 @@
   <p:clrMapOvr>
     <a:masterClrMapping/>
   </p:clrMapOvr>
+  <p:timing>
+    <p:tnLst>
+      <p:par>
+        <p:cTn id="1" dur="indefinite" restart="never" nodeType="tmRoot"/>
+      </p:par>
+    </p:tnLst>
+  </p:timing>
 </p:sld>
 </file>
 
@@ -5424,8 +3927,8 @@
         </p:blipFill>
         <p:spPr>
           <a:xfrm>
-            <a:off x="2743200" y="1905000"/>
-            <a:ext cx="3429000" cy="2743200"/>
+            <a:off x="3840480" y="1905000"/>
+            <a:ext cx="4800600" cy="2743200"/>
           </a:xfrm>
         </p:spPr>
       </p:pic>
@@ -5437,8 +3940,8 @@
         </p:nvSpPr>
         <p:spPr>
           <a:xfrm>
-            <a:off x="533400" y="5410200"/>
-            <a:ext cx="8077200" cy="400110"/>
+            <a:off x="746760" y="5410200"/>
+            <a:ext cx="11308080" cy="400110"/>
           </a:xfrm>
           <a:prstGeom prst="rect">
             <a:avLst/>
@@ -5471,6 +3974,13 @@
   <p:clrMapOvr>
     <a:masterClrMapping/>
   </p:clrMapOvr>
+  <p:timing>
+    <p:tnLst>
+      <p:par>
+        <p:cTn id="1" dur="indefinite" restart="never" nodeType="tmRoot"/>
+      </p:par>
+    </p:tnLst>
+  </p:timing>
 </p:sld>
 </file>
 
@@ -5528,8 +4038,8 @@
         </p:blipFill>
         <p:spPr>
           <a:xfrm>
-            <a:off x="2286000" y="2286000"/>
-            <a:ext cx="4572000" cy="1905000"/>
+            <a:off x="3200400" y="2286000"/>
+            <a:ext cx="6400800" cy="1905000"/>
           </a:xfrm>
         </p:spPr>
       </p:pic>
@@ -5541,8 +4051,8 @@
         </p:nvSpPr>
         <p:spPr>
           <a:xfrm>
-            <a:off x="1447800" y="5257800"/>
-            <a:ext cx="6096000" cy="400110"/>
+            <a:off x="2026920" y="5257800"/>
+            <a:ext cx="8534400" cy="400110"/>
           </a:xfrm>
           <a:prstGeom prst="rect">
             <a:avLst/>
@@ -5561,26 +4071,8 @@
                 <a:latin typeface="Times New Roman" pitchFamily="18" charset="0"/>
                 <a:cs typeface="Times New Roman" pitchFamily="18" charset="0"/>
               </a:rPr>
-              <a:t>Fig 0.2: Template (</a:t>
-            </a:r>
-            <a:r>
-              <a:rPr lang="en-US" sz="2000" dirty="0" smtClean="0">
-                <a:latin typeface="Times New Roman" pitchFamily="18" charset="0"/>
-                <a:cs typeface="Times New Roman" pitchFamily="18" charset="0"/>
-              </a:rPr>
-              <a:t>Converted to binary image</a:t>
-            </a:r>
-            <a:r>
-              <a:rPr lang="en-US" sz="2000" dirty="0" smtClean="0">
-                <a:latin typeface="Times New Roman" pitchFamily="18" charset="0"/>
-                <a:cs typeface="Times New Roman" pitchFamily="18" charset="0"/>
-              </a:rPr>
-              <a:t>)</a:t>
-            </a:r>
-            <a:endParaRPr lang="en-US" sz="2000" dirty="0" smtClean="0">
-              <a:latin typeface="Times New Roman" pitchFamily="18" charset="0"/>
-              <a:cs typeface="Times New Roman" pitchFamily="18" charset="0"/>
-            </a:endParaRPr>
+              <a:t>Fig 0.2: Template (Converted to binary image)</a:t>
+            </a:r>
           </a:p>
         </p:txBody>
       </p:sp>
@@ -5589,6 +4081,13 @@
   <p:clrMapOvr>
     <a:masterClrMapping/>
   </p:clrMapOvr>
+  <p:timing>
+    <p:tnLst>
+      <p:par>
+        <p:cTn id="1" dur="indefinite" restart="never" nodeType="tmRoot"/>
+      </p:par>
+    </p:tnLst>
+  </p:timing>
 </p:sld>
 </file>
 
@@ -5646,8 +4145,8 @@
         </p:blipFill>
         <p:spPr>
           <a:xfrm>
-            <a:off x="2362200" y="2286000"/>
-            <a:ext cx="4648200" cy="1905000"/>
+            <a:off x="4438480" y="3085707"/>
+            <a:ext cx="3924640" cy="1737511"/>
           </a:xfrm>
         </p:spPr>
       </p:pic>
@@ -5659,8 +4158,8 @@
         </p:nvSpPr>
         <p:spPr>
           <a:xfrm>
-            <a:off x="2209800" y="5181600"/>
-            <a:ext cx="4800600" cy="400110"/>
+            <a:off x="3093720" y="5181600"/>
+            <a:ext cx="6720840" cy="400110"/>
           </a:xfrm>
           <a:prstGeom prst="rect">
             <a:avLst/>
@@ -5679,14 +4178,7 @@
                 <a:latin typeface="Times New Roman" pitchFamily="18" charset="0"/>
                 <a:cs typeface="Times New Roman" pitchFamily="18" charset="0"/>
               </a:rPr>
-              <a:t>Fig </a:t>
-            </a:r>
-            <a:r>
-              <a:rPr lang="en-US" sz="2000" dirty="0" smtClean="0">
-                <a:latin typeface="Times New Roman" pitchFamily="18" charset="0"/>
-                <a:cs typeface="Times New Roman" pitchFamily="18" charset="0"/>
-              </a:rPr>
-              <a:t>0.3:  Template of Matched pattern</a:t>
+              <a:t>Fig 0.3:  Template of Matched pattern</a:t>
             </a:r>
             <a:endParaRPr lang="en-US" sz="2000" dirty="0">
               <a:latin typeface="Times New Roman" pitchFamily="18" charset="0"/>
@@ -5700,6 +4192,13 @@
   <p:clrMapOvr>
     <a:masterClrMapping/>
   </p:clrMapOvr>
+  <p:timing>
+    <p:tnLst>
+      <p:par>
+        <p:cTn id="1" dur="indefinite" restart="never" nodeType="tmRoot"/>
+      </p:par>
+    </p:tnLst>
+  </p:timing>
 </p:sld>
 </file>
 
@@ -5751,425 +4250,1333 @@
       </p:sp>
       <p:sp>
         <p:nvSpPr>
-          <p:cNvPr id="3" name="Content Placeholder 2"/>
-          <p:cNvSpPr>
-            <a:spLocks noGrp="1"/>
-          </p:cNvSpPr>
-          <p:nvPr>
-            <p:ph idx="1"/>
-          </p:nvPr>
-        </p:nvSpPr>
-        <p:spPr/>
-        <p:txBody>
-          <a:bodyPr>
-            <a:normAutofit fontScale="70000" lnSpcReduction="20000"/>
-          </a:bodyPr>
-          <a:lstStyle/>
-          <a:p>
-            <a:pPr>
-              <a:buNone/>
-            </a:pPr>
-            <a:r>
-              <a:rPr lang="en-US" sz="2000" dirty="0" err="1" smtClean="0">
+          <p:cNvPr id="4" name="Oval 3"/>
+          <p:cNvSpPr/>
+          <p:nvPr/>
+        </p:nvSpPr>
+        <p:spPr>
+          <a:xfrm>
+            <a:off x="2438400" y="1447800"/>
+            <a:ext cx="1295400" cy="457200"/>
+          </a:xfrm>
+          <a:prstGeom prst="ellipse">
+            <a:avLst/>
+          </a:prstGeom>
+          <a:ln>
+            <a:solidFill>
+              <a:schemeClr val="tx1"/>
+            </a:solidFill>
+          </a:ln>
+        </p:spPr>
+        <p:style>
+          <a:lnRef idx="2">
+            <a:schemeClr val="accent6"/>
+          </a:lnRef>
+          <a:fillRef idx="1">
+            <a:schemeClr val="lt1"/>
+          </a:fillRef>
+          <a:effectRef idx="0">
+            <a:schemeClr val="accent6"/>
+          </a:effectRef>
+          <a:fontRef idx="minor">
+            <a:schemeClr val="dk1"/>
+          </a:fontRef>
+        </p:style>
+        <p:txBody>
+          <a:bodyPr rtlCol="0" anchor="ctr"/>
+          <a:lstStyle/>
+          <a:p>
+            <a:pPr algn="ctr"/>
+            <a:r>
+              <a:rPr lang="en-US" sz="1600" dirty="0" smtClean="0">
                 <a:latin typeface="Times New Roman" pitchFamily="18" charset="0"/>
                 <a:cs typeface="Times New Roman" pitchFamily="18" charset="0"/>
               </a:rPr>
-              <a:t>clc</a:t>
-            </a:r>
-            <a:r>
-              <a:rPr lang="en-US" sz="2000" dirty="0" smtClean="0">
-                <a:latin typeface="Times New Roman" pitchFamily="18" charset="0"/>
-                <a:cs typeface="Times New Roman" pitchFamily="18" charset="0"/>
-              </a:rPr>
-              <a:t>();</a:t>
-            </a:r>
-          </a:p>
-          <a:p>
-            <a:pPr>
-              <a:buNone/>
-            </a:pPr>
-            <a:r>
-              <a:rPr lang="en-US" sz="2000" dirty="0" smtClean="0">
-                <a:latin typeface="Times New Roman" pitchFamily="18" charset="0"/>
-                <a:cs typeface="Times New Roman" pitchFamily="18" charset="0"/>
-              </a:rPr>
-              <a:t>clear all;</a:t>
-            </a:r>
-          </a:p>
-          <a:p>
-            <a:pPr>
-              <a:buNone/>
-            </a:pPr>
-            <a:r>
-              <a:rPr lang="en-US" sz="2000" dirty="0" smtClean="0">
-                <a:latin typeface="Times New Roman" pitchFamily="18" charset="0"/>
-                <a:cs typeface="Times New Roman" pitchFamily="18" charset="0"/>
-              </a:rPr>
-              <a:t>close all;</a:t>
-            </a:r>
-          </a:p>
-          <a:p>
-            <a:pPr>
-              <a:buNone/>
-            </a:pPr>
-            <a:r>
-              <a:rPr lang="en-US" sz="2000" dirty="0" smtClean="0">
-                <a:latin typeface="Times New Roman" pitchFamily="18" charset="0"/>
-                <a:cs typeface="Times New Roman" pitchFamily="18" charset="0"/>
-              </a:rPr>
-              <a:t> </a:t>
-            </a:r>
-          </a:p>
-          <a:p>
-            <a:pPr>
-              <a:buNone/>
-            </a:pPr>
-            <a:r>
-              <a:rPr lang="en-US" sz="2000" dirty="0" err="1" smtClean="0">
-                <a:latin typeface="Times New Roman" pitchFamily="18" charset="0"/>
-                <a:cs typeface="Times New Roman" pitchFamily="18" charset="0"/>
-              </a:rPr>
-              <a:t>ImageRead</a:t>
-            </a:r>
-            <a:r>
-              <a:rPr lang="en-US" sz="2000" dirty="0" smtClean="0">
-                <a:latin typeface="Times New Roman" pitchFamily="18" charset="0"/>
-                <a:cs typeface="Times New Roman" pitchFamily="18" charset="0"/>
-              </a:rPr>
-              <a:t> = </a:t>
-            </a:r>
-            <a:r>
-              <a:rPr lang="en-US" sz="2000" dirty="0" err="1" smtClean="0">
-                <a:latin typeface="Times New Roman" pitchFamily="18" charset="0"/>
-                <a:cs typeface="Times New Roman" pitchFamily="18" charset="0"/>
-              </a:rPr>
-              <a:t>imread</a:t>
-            </a:r>
-            <a:r>
-              <a:rPr lang="en-US" sz="2000" dirty="0" smtClean="0">
-                <a:latin typeface="Times New Roman" pitchFamily="18" charset="0"/>
-                <a:cs typeface="Times New Roman" pitchFamily="18" charset="0"/>
-              </a:rPr>
-              <a:t>('D:\Last Semester\PR\PR lab\Project\numbers (times new roman) templates\1_candidate.jpg');</a:t>
-            </a:r>
-          </a:p>
-          <a:p>
-            <a:pPr>
-              <a:buNone/>
-            </a:pPr>
-            <a:endParaRPr lang="en-US" sz="2000" dirty="0" smtClean="0">
+              <a:t>Start</a:t>
+            </a:r>
+            <a:endParaRPr lang="en-US" sz="1600" dirty="0">
               <a:latin typeface="Times New Roman" pitchFamily="18" charset="0"/>
               <a:cs typeface="Times New Roman" pitchFamily="18" charset="0"/>
             </a:endParaRPr>
           </a:p>
-          <a:p>
-            <a:pPr>
-              <a:buNone/>
-            </a:pPr>
-            <a:r>
-              <a:rPr lang="en-US" sz="2000" dirty="0" err="1" smtClean="0">
+        </p:txBody>
+      </p:sp>
+      <p:sp>
+        <p:nvSpPr>
+          <p:cNvPr id="5" name="Parallelogram 4"/>
+          <p:cNvSpPr/>
+          <p:nvPr/>
+        </p:nvSpPr>
+        <p:spPr>
+          <a:xfrm>
+            <a:off x="1219200" y="2209800"/>
+            <a:ext cx="3581400" cy="609600"/>
+          </a:xfrm>
+          <a:prstGeom prst="parallelogram">
+            <a:avLst/>
+          </a:prstGeom>
+          <a:ln>
+            <a:solidFill>
+              <a:schemeClr val="tx1"/>
+            </a:solidFill>
+          </a:ln>
+        </p:spPr>
+        <p:style>
+          <a:lnRef idx="2">
+            <a:schemeClr val="accent6"/>
+          </a:lnRef>
+          <a:fillRef idx="1">
+            <a:schemeClr val="lt1"/>
+          </a:fillRef>
+          <a:effectRef idx="0">
+            <a:schemeClr val="accent6"/>
+          </a:effectRef>
+          <a:fontRef idx="minor">
+            <a:schemeClr val="dk1"/>
+          </a:fontRef>
+        </p:style>
+        <p:txBody>
+          <a:bodyPr rtlCol="0" anchor="ctr"/>
+          <a:lstStyle/>
+          <a:p>
+            <a:pPr algn="ctr"/>
+            <a:r>
+              <a:rPr lang="en-US" sz="1600" dirty="0" smtClean="0">
                 <a:latin typeface="Times New Roman" pitchFamily="18" charset="0"/>
                 <a:cs typeface="Times New Roman" pitchFamily="18" charset="0"/>
               </a:rPr>
-              <a:t>ImageR</a:t>
-            </a:r>
-            <a:r>
-              <a:rPr lang="en-US" sz="2000" dirty="0" smtClean="0">
-                <a:latin typeface="Times New Roman" pitchFamily="18" charset="0"/>
-                <a:cs typeface="Times New Roman" pitchFamily="18" charset="0"/>
-              </a:rPr>
-              <a:t> = </a:t>
-            </a:r>
-            <a:r>
-              <a:rPr lang="en-US" sz="2000" dirty="0" err="1" smtClean="0">
-                <a:latin typeface="Times New Roman" pitchFamily="18" charset="0"/>
-                <a:cs typeface="Times New Roman" pitchFamily="18" charset="0"/>
-              </a:rPr>
-              <a:t>imread</a:t>
-            </a:r>
-            <a:r>
-              <a:rPr lang="en-US" sz="2000" dirty="0" smtClean="0">
-                <a:latin typeface="Times New Roman" pitchFamily="18" charset="0"/>
-                <a:cs typeface="Times New Roman" pitchFamily="18" charset="0"/>
-              </a:rPr>
-              <a:t>('D:\Last Semester\PR\PR lab\Project\numbers (times new roman) templates\Template_1.jpg');</a:t>
-            </a:r>
-          </a:p>
-          <a:p>
-            <a:pPr>
-              <a:buNone/>
-            </a:pPr>
-            <a:r>
-              <a:rPr lang="en-US" sz="2000" dirty="0" smtClean="0">
-                <a:latin typeface="Times New Roman" pitchFamily="18" charset="0"/>
-                <a:cs typeface="Times New Roman" pitchFamily="18" charset="0"/>
-              </a:rPr>
-              <a:t> </a:t>
-            </a:r>
-          </a:p>
-          <a:p>
-            <a:pPr>
-              <a:buNone/>
-            </a:pPr>
-            <a:r>
-              <a:rPr lang="en-US" sz="2000" dirty="0" smtClean="0">
-                <a:latin typeface="Times New Roman" pitchFamily="18" charset="0"/>
-                <a:cs typeface="Times New Roman" pitchFamily="18" charset="0"/>
-              </a:rPr>
-              <a:t>cit = rgb2gray(</a:t>
-            </a:r>
-            <a:r>
-              <a:rPr lang="en-US" sz="2000" dirty="0" err="1" smtClean="0">
-                <a:latin typeface="Times New Roman" pitchFamily="18" charset="0"/>
-                <a:cs typeface="Times New Roman" pitchFamily="18" charset="0"/>
-              </a:rPr>
-              <a:t>ImageRead</a:t>
-            </a:r>
-            <a:r>
-              <a:rPr lang="en-US" sz="2000" dirty="0" smtClean="0">
-                <a:latin typeface="Times New Roman" pitchFamily="18" charset="0"/>
-                <a:cs typeface="Times New Roman" pitchFamily="18" charset="0"/>
-              </a:rPr>
-              <a:t>);</a:t>
-            </a:r>
-          </a:p>
-          <a:p>
-            <a:pPr>
-              <a:buNone/>
-            </a:pPr>
-            <a:r>
-              <a:rPr lang="en-US" sz="2000" dirty="0" smtClean="0">
-                <a:latin typeface="Times New Roman" pitchFamily="18" charset="0"/>
-                <a:cs typeface="Times New Roman" pitchFamily="18" charset="0"/>
-              </a:rPr>
-              <a:t>ct = rgb2gray(</a:t>
-            </a:r>
-            <a:r>
-              <a:rPr lang="en-US" sz="2000" dirty="0" err="1" smtClean="0">
-                <a:latin typeface="Times New Roman" pitchFamily="18" charset="0"/>
-                <a:cs typeface="Times New Roman" pitchFamily="18" charset="0"/>
-              </a:rPr>
-              <a:t>ImageR</a:t>
-            </a:r>
-            <a:r>
-              <a:rPr lang="en-US" sz="2000" dirty="0" smtClean="0">
-                <a:latin typeface="Times New Roman" pitchFamily="18" charset="0"/>
-                <a:cs typeface="Times New Roman" pitchFamily="18" charset="0"/>
-              </a:rPr>
-              <a:t>);</a:t>
-            </a:r>
-          </a:p>
-          <a:p>
-            <a:pPr>
-              <a:buNone/>
-            </a:pPr>
-            <a:r>
-              <a:rPr lang="en-US" sz="2000" dirty="0" smtClean="0">
-                <a:latin typeface="Times New Roman" pitchFamily="18" charset="0"/>
-                <a:cs typeface="Times New Roman" pitchFamily="18" charset="0"/>
-              </a:rPr>
-              <a:t> </a:t>
-            </a:r>
-          </a:p>
-          <a:p>
-            <a:pPr>
-              <a:buNone/>
-            </a:pPr>
-            <a:r>
-              <a:rPr lang="en-US" sz="2000" dirty="0" smtClean="0">
-                <a:latin typeface="Times New Roman" pitchFamily="18" charset="0"/>
-                <a:cs typeface="Times New Roman" pitchFamily="18" charset="0"/>
-              </a:rPr>
-              <a:t>t = </a:t>
-            </a:r>
-            <a:r>
-              <a:rPr lang="en-US" sz="2000" dirty="0" err="1" smtClean="0">
-                <a:latin typeface="Times New Roman" pitchFamily="18" charset="0"/>
-                <a:cs typeface="Times New Roman" pitchFamily="18" charset="0"/>
-              </a:rPr>
-              <a:t>graythresh</a:t>
-            </a:r>
-            <a:r>
-              <a:rPr lang="en-US" sz="2000" dirty="0" smtClean="0">
-                <a:latin typeface="Times New Roman" pitchFamily="18" charset="0"/>
-                <a:cs typeface="Times New Roman" pitchFamily="18" charset="0"/>
-              </a:rPr>
-              <a:t>(cit);</a:t>
-            </a:r>
-          </a:p>
-          <a:p>
-            <a:pPr>
-              <a:buNone/>
-            </a:pPr>
-            <a:r>
-              <a:rPr lang="en-US" sz="2000" dirty="0" err="1" smtClean="0">
-                <a:latin typeface="Times New Roman" pitchFamily="18" charset="0"/>
-                <a:cs typeface="Times New Roman" pitchFamily="18" charset="0"/>
-              </a:rPr>
-              <a:t>ty</a:t>
-            </a:r>
-            <a:r>
-              <a:rPr lang="en-US" sz="2000" dirty="0" smtClean="0">
-                <a:latin typeface="Times New Roman" pitchFamily="18" charset="0"/>
-                <a:cs typeface="Times New Roman" pitchFamily="18" charset="0"/>
-              </a:rPr>
-              <a:t> = </a:t>
-            </a:r>
-            <a:r>
-              <a:rPr lang="en-US" sz="2000" dirty="0" err="1" smtClean="0">
-                <a:latin typeface="Times New Roman" pitchFamily="18" charset="0"/>
-                <a:cs typeface="Times New Roman" pitchFamily="18" charset="0"/>
-              </a:rPr>
-              <a:t>graythresh</a:t>
-            </a:r>
-            <a:r>
-              <a:rPr lang="en-US" sz="2000" dirty="0" smtClean="0">
-                <a:latin typeface="Times New Roman" pitchFamily="18" charset="0"/>
-                <a:cs typeface="Times New Roman" pitchFamily="18" charset="0"/>
-              </a:rPr>
-              <a:t>(ct);</a:t>
-            </a:r>
-          </a:p>
-          <a:p>
-            <a:pPr>
-              <a:buNone/>
-            </a:pPr>
-            <a:r>
-              <a:rPr lang="en-US" sz="2000" dirty="0" smtClean="0">
-                <a:latin typeface="Times New Roman" pitchFamily="18" charset="0"/>
-                <a:cs typeface="Times New Roman" pitchFamily="18" charset="0"/>
-              </a:rPr>
-              <a:t> </a:t>
-            </a:r>
-          </a:p>
-          <a:p>
-            <a:pPr>
-              <a:buNone/>
-            </a:pPr>
-            <a:r>
-              <a:rPr lang="en-US" sz="2000" dirty="0" err="1" smtClean="0">
-                <a:latin typeface="Times New Roman" pitchFamily="18" charset="0"/>
-                <a:cs typeface="Times New Roman" pitchFamily="18" charset="0"/>
-              </a:rPr>
-              <a:t>bic</a:t>
-            </a:r>
-            <a:r>
-              <a:rPr lang="en-US" sz="2000" dirty="0" smtClean="0">
-                <a:latin typeface="Times New Roman" pitchFamily="18" charset="0"/>
-                <a:cs typeface="Times New Roman" pitchFamily="18" charset="0"/>
-              </a:rPr>
-              <a:t> = im2bw(cit, t);</a:t>
-            </a:r>
-          </a:p>
-          <a:p>
-            <a:pPr>
-              <a:buNone/>
-            </a:pPr>
-            <a:r>
-              <a:rPr lang="en-US" sz="2000" dirty="0" err="1" smtClean="0">
-                <a:latin typeface="Times New Roman" pitchFamily="18" charset="0"/>
-                <a:cs typeface="Times New Roman" pitchFamily="18" charset="0"/>
-              </a:rPr>
-              <a:t>imshow</a:t>
-            </a:r>
-            <a:r>
-              <a:rPr lang="en-US" sz="2000" dirty="0" smtClean="0">
-                <a:latin typeface="Times New Roman" pitchFamily="18" charset="0"/>
-                <a:cs typeface="Times New Roman" pitchFamily="18" charset="0"/>
-              </a:rPr>
-              <a:t>(</a:t>
-            </a:r>
-            <a:r>
-              <a:rPr lang="en-US" sz="2000" dirty="0" err="1" smtClean="0">
-                <a:latin typeface="Times New Roman" pitchFamily="18" charset="0"/>
-                <a:cs typeface="Times New Roman" pitchFamily="18" charset="0"/>
-              </a:rPr>
-              <a:t>bic</a:t>
-            </a:r>
-            <a:r>
-              <a:rPr lang="en-US" sz="2000" dirty="0" smtClean="0">
-                <a:latin typeface="Times New Roman" pitchFamily="18" charset="0"/>
-                <a:cs typeface="Times New Roman" pitchFamily="18" charset="0"/>
-              </a:rPr>
-              <a:t>);</a:t>
-            </a:r>
-          </a:p>
-          <a:p>
-            <a:pPr>
-              <a:buNone/>
-            </a:pPr>
-            <a:endParaRPr lang="en-US" sz="2000" dirty="0" smtClean="0">
+              <a:t>Reading candidate template and numbers template</a:t>
+            </a:r>
+            <a:endParaRPr lang="en-US" sz="1600" dirty="0">
               <a:latin typeface="Times New Roman" pitchFamily="18" charset="0"/>
               <a:cs typeface="Times New Roman" pitchFamily="18" charset="0"/>
             </a:endParaRPr>
           </a:p>
-          <a:p>
-            <a:pPr>
-              <a:buNone/>
-            </a:pPr>
-            <a:r>
-              <a:rPr lang="en-US" sz="2000" dirty="0" smtClean="0">
+        </p:txBody>
+      </p:sp>
+      <p:sp>
+        <p:nvSpPr>
+          <p:cNvPr id="7" name="Parallelogram 6"/>
+          <p:cNvSpPr/>
+          <p:nvPr/>
+        </p:nvSpPr>
+        <p:spPr>
+          <a:xfrm>
+            <a:off x="1143000" y="3048000"/>
+            <a:ext cx="3581400" cy="685800"/>
+          </a:xfrm>
+          <a:prstGeom prst="parallelogram">
+            <a:avLst/>
+          </a:prstGeom>
+          <a:ln>
+            <a:solidFill>
+              <a:schemeClr val="tx1"/>
+            </a:solidFill>
+          </a:ln>
+        </p:spPr>
+        <p:style>
+          <a:lnRef idx="2">
+            <a:schemeClr val="accent6"/>
+          </a:lnRef>
+          <a:fillRef idx="1">
+            <a:schemeClr val="lt1"/>
+          </a:fillRef>
+          <a:effectRef idx="0">
+            <a:schemeClr val="accent6"/>
+          </a:effectRef>
+          <a:fontRef idx="minor">
+            <a:schemeClr val="dk1"/>
+          </a:fontRef>
+        </p:style>
+        <p:txBody>
+          <a:bodyPr rtlCol="0" anchor="ctr"/>
+          <a:lstStyle/>
+          <a:p>
+            <a:pPr algn="ctr"/>
+            <a:r>
+              <a:rPr lang="en-US" sz="1600" dirty="0" smtClean="0">
                 <a:latin typeface="Times New Roman" pitchFamily="18" charset="0"/>
                 <a:cs typeface="Times New Roman" pitchFamily="18" charset="0"/>
               </a:rPr>
-              <a:t>bit = im2bw(ct, </a:t>
-            </a:r>
-            <a:r>
-              <a:rPr lang="en-US" sz="2000" dirty="0" err="1" smtClean="0">
+              <a:t>RGB to gray conversion of </a:t>
+            </a:r>
+            <a:r>
+              <a:rPr lang="en-US" sz="1600" dirty="0" smtClean="0">
                 <a:latin typeface="Times New Roman" pitchFamily="18" charset="0"/>
                 <a:cs typeface="Times New Roman" pitchFamily="18" charset="0"/>
               </a:rPr>
-              <a:t>ty</a:t>
-            </a:r>
-            <a:r>
-              <a:rPr lang="en-US" sz="2000" dirty="0" smtClean="0">
+              <a:t>candidate</a:t>
+            </a:r>
+            <a:r>
+              <a:rPr lang="en-US" sz="1600" dirty="0" smtClean="0">
                 <a:latin typeface="Times New Roman" pitchFamily="18" charset="0"/>
                 <a:cs typeface="Times New Roman" pitchFamily="18" charset="0"/>
               </a:rPr>
-              <a:t>);</a:t>
-            </a:r>
-          </a:p>
-          <a:p>
-            <a:pPr>
-              <a:buNone/>
-            </a:pPr>
-            <a:r>
-              <a:rPr lang="en-US" sz="2000" dirty="0" smtClean="0">
+              <a:t> </a:t>
+            </a:r>
+            <a:r>
+              <a:rPr lang="en-US" sz="1600" dirty="0" smtClean="0">
                 <a:latin typeface="Times New Roman" pitchFamily="18" charset="0"/>
                 <a:cs typeface="Times New Roman" pitchFamily="18" charset="0"/>
               </a:rPr>
-              <a:t>figure</a:t>
-            </a:r>
-            <a:r>
-              <a:rPr lang="en-US" sz="2000" dirty="0" smtClean="0">
+              <a:t>template and </a:t>
+            </a:r>
+            <a:r>
+              <a:rPr lang="en-US" sz="1600" dirty="0" smtClean="0">
                 <a:latin typeface="Times New Roman" pitchFamily="18" charset="0"/>
                 <a:cs typeface="Times New Roman" pitchFamily="18" charset="0"/>
               </a:rPr>
-              <a:t>(), </a:t>
-            </a:r>
-            <a:r>
-              <a:rPr lang="en-US" sz="2000" dirty="0" err="1" smtClean="0">
+              <a:t> numbers template</a:t>
+            </a:r>
+            <a:endParaRPr lang="en-US" sz="1600" dirty="0">
+              <a:latin typeface="Times New Roman" pitchFamily="18" charset="0"/>
+              <a:cs typeface="Times New Roman" pitchFamily="18" charset="0"/>
+            </a:endParaRPr>
+          </a:p>
+        </p:txBody>
+      </p:sp>
+      <p:sp>
+        <p:nvSpPr>
+          <p:cNvPr id="8" name="Parallelogram 7"/>
+          <p:cNvSpPr/>
+          <p:nvPr/>
+        </p:nvSpPr>
+        <p:spPr>
+          <a:xfrm>
+            <a:off x="1066800" y="4114800"/>
+            <a:ext cx="3581400" cy="685800"/>
+          </a:xfrm>
+          <a:prstGeom prst="parallelogram">
+            <a:avLst/>
+          </a:prstGeom>
+          <a:ln>
+            <a:solidFill>
+              <a:schemeClr val="tx1"/>
+            </a:solidFill>
+          </a:ln>
+        </p:spPr>
+        <p:style>
+          <a:lnRef idx="2">
+            <a:schemeClr val="accent6"/>
+          </a:lnRef>
+          <a:fillRef idx="1">
+            <a:schemeClr val="lt1"/>
+          </a:fillRef>
+          <a:effectRef idx="0">
+            <a:schemeClr val="accent6"/>
+          </a:effectRef>
+          <a:fontRef idx="minor">
+            <a:schemeClr val="dk1"/>
+          </a:fontRef>
+        </p:style>
+        <p:txBody>
+          <a:bodyPr rtlCol="0" anchor="ctr"/>
+          <a:lstStyle/>
+          <a:p>
+            <a:pPr algn="ctr"/>
+            <a:r>
+              <a:rPr lang="en-US" sz="1600" dirty="0" smtClean="0">
                 <a:latin typeface="Times New Roman" pitchFamily="18" charset="0"/>
                 <a:cs typeface="Times New Roman" pitchFamily="18" charset="0"/>
               </a:rPr>
-              <a:t>imshow</a:t>
-            </a:r>
-            <a:r>
-              <a:rPr lang="en-US" sz="2000" dirty="0" smtClean="0">
+              <a:t>Finding threshold values from these two gray images</a:t>
+            </a:r>
+            <a:endParaRPr lang="en-US" sz="1600" dirty="0">
+              <a:latin typeface="Times New Roman" pitchFamily="18" charset="0"/>
+              <a:cs typeface="Times New Roman" pitchFamily="18" charset="0"/>
+            </a:endParaRPr>
+          </a:p>
+        </p:txBody>
+      </p:sp>
+      <p:sp>
+        <p:nvSpPr>
+          <p:cNvPr id="9" name="Parallelogram 8"/>
+          <p:cNvSpPr/>
+          <p:nvPr/>
+        </p:nvSpPr>
+        <p:spPr>
+          <a:xfrm>
+            <a:off x="990600" y="5181600"/>
+            <a:ext cx="3581400" cy="990600"/>
+          </a:xfrm>
+          <a:prstGeom prst="parallelogram">
+            <a:avLst/>
+          </a:prstGeom>
+          <a:ln>
+            <a:solidFill>
+              <a:schemeClr val="tx1"/>
+            </a:solidFill>
+          </a:ln>
+        </p:spPr>
+        <p:style>
+          <a:lnRef idx="2">
+            <a:schemeClr val="accent6"/>
+          </a:lnRef>
+          <a:fillRef idx="1">
+            <a:schemeClr val="lt1"/>
+          </a:fillRef>
+          <a:effectRef idx="0">
+            <a:schemeClr val="accent6"/>
+          </a:effectRef>
+          <a:fontRef idx="minor">
+            <a:schemeClr val="dk1"/>
+          </a:fontRef>
+        </p:style>
+        <p:txBody>
+          <a:bodyPr rtlCol="0" anchor="ctr"/>
+          <a:lstStyle/>
+          <a:p>
+            <a:pPr algn="ctr"/>
+            <a:r>
+              <a:rPr lang="en-US" sz="1600" dirty="0" smtClean="0">
                 <a:latin typeface="Times New Roman" pitchFamily="18" charset="0"/>
                 <a:cs typeface="Times New Roman" pitchFamily="18" charset="0"/>
               </a:rPr>
-              <a:t>(bit);</a:t>
-            </a:r>
-          </a:p>
-          <a:p>
-            <a:pPr>
-              <a:buNone/>
-            </a:pPr>
-            <a:endParaRPr lang="en-US" sz="1800" dirty="0"/>
-          </a:p>
-        </p:txBody>
-      </p:sp>
+              <a:t>Image to binary conversion of these two gray images according to threshold values individually</a:t>
+            </a:r>
+            <a:endParaRPr lang="en-US" sz="1600" dirty="0">
+              <a:latin typeface="Times New Roman" pitchFamily="18" charset="0"/>
+              <a:cs typeface="Times New Roman" pitchFamily="18" charset="0"/>
+            </a:endParaRPr>
+          </a:p>
+        </p:txBody>
+      </p:sp>
+      <p:sp>
+        <p:nvSpPr>
+          <p:cNvPr id="11" name="Rectangle 10"/>
+          <p:cNvSpPr/>
+          <p:nvPr/>
+        </p:nvSpPr>
+        <p:spPr>
+          <a:xfrm>
+            <a:off x="6248400" y="1981200"/>
+            <a:ext cx="2590800" cy="762000"/>
+          </a:xfrm>
+          <a:prstGeom prst="rect">
+            <a:avLst/>
+          </a:prstGeom>
+          <a:ln>
+            <a:solidFill>
+              <a:schemeClr val="tx1"/>
+            </a:solidFill>
+          </a:ln>
+        </p:spPr>
+        <p:style>
+          <a:lnRef idx="2">
+            <a:schemeClr val="accent6"/>
+          </a:lnRef>
+          <a:fillRef idx="1">
+            <a:schemeClr val="lt1"/>
+          </a:fillRef>
+          <a:effectRef idx="0">
+            <a:schemeClr val="accent6"/>
+          </a:effectRef>
+          <a:fontRef idx="minor">
+            <a:schemeClr val="dk1"/>
+          </a:fontRef>
+        </p:style>
+        <p:txBody>
+          <a:bodyPr rtlCol="0" anchor="ctr"/>
+          <a:lstStyle/>
+          <a:p>
+            <a:pPr algn="ctr"/>
+            <a:r>
+              <a:rPr lang="en-US" sz="1600" dirty="0" smtClean="0">
+                <a:latin typeface="Times New Roman" pitchFamily="18" charset="0"/>
+                <a:cs typeface="Times New Roman" pitchFamily="18" charset="0"/>
+              </a:rPr>
+              <a:t>Normalization of  binary image of candidate template</a:t>
+            </a:r>
+            <a:endParaRPr lang="en-US" sz="1600" dirty="0">
+              <a:latin typeface="Times New Roman" pitchFamily="18" charset="0"/>
+              <a:cs typeface="Times New Roman" pitchFamily="18" charset="0"/>
+            </a:endParaRPr>
+          </a:p>
+        </p:txBody>
+      </p:sp>
+      <p:sp>
+        <p:nvSpPr>
+          <p:cNvPr id="12" name="Rectangle 11"/>
+          <p:cNvSpPr/>
+          <p:nvPr/>
+        </p:nvSpPr>
+        <p:spPr>
+          <a:xfrm>
+            <a:off x="9296400" y="1981200"/>
+            <a:ext cx="2667000" cy="685800"/>
+          </a:xfrm>
+          <a:prstGeom prst="rect">
+            <a:avLst/>
+          </a:prstGeom>
+          <a:ln>
+            <a:solidFill>
+              <a:schemeClr val="tx1"/>
+            </a:solidFill>
+          </a:ln>
+        </p:spPr>
+        <p:style>
+          <a:lnRef idx="2">
+            <a:schemeClr val="accent6"/>
+          </a:lnRef>
+          <a:fillRef idx="1">
+            <a:schemeClr val="lt1"/>
+          </a:fillRef>
+          <a:effectRef idx="0">
+            <a:schemeClr val="accent6"/>
+          </a:effectRef>
+          <a:fontRef idx="minor">
+            <a:schemeClr val="dk1"/>
+          </a:fontRef>
+        </p:style>
+        <p:txBody>
+          <a:bodyPr rtlCol="0" anchor="ctr"/>
+          <a:lstStyle/>
+          <a:p>
+            <a:pPr algn="ctr"/>
+            <a:r>
+              <a:rPr lang="en-US" sz="1600" dirty="0" smtClean="0">
+                <a:latin typeface="Times New Roman" pitchFamily="18" charset="0"/>
+                <a:cs typeface="Times New Roman" pitchFamily="18" charset="0"/>
+              </a:rPr>
+              <a:t>Normalization of </a:t>
+            </a:r>
+            <a:r>
+              <a:rPr lang="en-US" sz="1600" dirty="0" smtClean="0">
+                <a:latin typeface="Times New Roman" pitchFamily="18" charset="0"/>
+                <a:cs typeface="Times New Roman" pitchFamily="18" charset="0"/>
+              </a:rPr>
+              <a:t> </a:t>
+            </a:r>
+            <a:r>
+              <a:rPr lang="en-US" sz="1600" dirty="0" smtClean="0">
+                <a:latin typeface="Times New Roman" pitchFamily="18" charset="0"/>
+                <a:cs typeface="Times New Roman" pitchFamily="18" charset="0"/>
+              </a:rPr>
+              <a:t>binary image of </a:t>
+            </a:r>
+            <a:r>
+              <a:rPr lang="en-US" sz="1600" dirty="0" smtClean="0">
+                <a:latin typeface="Times New Roman" pitchFamily="18" charset="0"/>
+                <a:cs typeface="Times New Roman" pitchFamily="18" charset="0"/>
+              </a:rPr>
+              <a:t>numbers template</a:t>
+            </a:r>
+            <a:endParaRPr lang="en-US" sz="1600" dirty="0" smtClean="0">
+              <a:latin typeface="Times New Roman" pitchFamily="18" charset="0"/>
+              <a:cs typeface="Times New Roman" pitchFamily="18" charset="0"/>
+            </a:endParaRPr>
+          </a:p>
+        </p:txBody>
+      </p:sp>
+      <p:sp>
+        <p:nvSpPr>
+          <p:cNvPr id="13" name="Parallelogram 12"/>
+          <p:cNvSpPr/>
+          <p:nvPr/>
+        </p:nvSpPr>
+        <p:spPr>
+          <a:xfrm>
+            <a:off x="6934200" y="3048000"/>
+            <a:ext cx="4114800" cy="762000"/>
+          </a:xfrm>
+          <a:prstGeom prst="parallelogram">
+            <a:avLst/>
+          </a:prstGeom>
+          <a:ln>
+            <a:solidFill>
+              <a:schemeClr val="tx1"/>
+            </a:solidFill>
+          </a:ln>
+        </p:spPr>
+        <p:style>
+          <a:lnRef idx="2">
+            <a:schemeClr val="accent6"/>
+          </a:lnRef>
+          <a:fillRef idx="1">
+            <a:schemeClr val="lt1"/>
+          </a:fillRef>
+          <a:effectRef idx="0">
+            <a:schemeClr val="accent6"/>
+          </a:effectRef>
+          <a:fontRef idx="minor">
+            <a:schemeClr val="dk1"/>
+          </a:fontRef>
+        </p:style>
+        <p:txBody>
+          <a:bodyPr rtlCol="0" anchor="ctr"/>
+          <a:lstStyle/>
+          <a:p>
+            <a:pPr algn="ctr"/>
+            <a:r>
+              <a:rPr lang="en-US" sz="1600" dirty="0" smtClean="0">
+                <a:latin typeface="Times New Roman" pitchFamily="18" charset="0"/>
+                <a:cs typeface="Times New Roman" pitchFamily="18" charset="0"/>
+              </a:rPr>
+              <a:t>Normalized cross  co-relation between two normalized images data</a:t>
+            </a:r>
+            <a:endParaRPr lang="en-US" sz="1600" dirty="0">
+              <a:latin typeface="Times New Roman" pitchFamily="18" charset="0"/>
+              <a:cs typeface="Times New Roman" pitchFamily="18" charset="0"/>
+            </a:endParaRPr>
+          </a:p>
+        </p:txBody>
+      </p:sp>
+      <p:sp>
+        <p:nvSpPr>
+          <p:cNvPr id="14" name="Parallelogram 13"/>
+          <p:cNvSpPr/>
+          <p:nvPr/>
+        </p:nvSpPr>
+        <p:spPr>
+          <a:xfrm>
+            <a:off x="6858000" y="4267200"/>
+            <a:ext cx="4038600" cy="838200"/>
+          </a:xfrm>
+          <a:prstGeom prst="parallelogram">
+            <a:avLst/>
+          </a:prstGeom>
+          <a:ln>
+            <a:solidFill>
+              <a:schemeClr val="tx1"/>
+            </a:solidFill>
+          </a:ln>
+        </p:spPr>
+        <p:style>
+          <a:lnRef idx="2">
+            <a:schemeClr val="accent6"/>
+          </a:lnRef>
+          <a:fillRef idx="1">
+            <a:schemeClr val="lt1"/>
+          </a:fillRef>
+          <a:effectRef idx="0">
+            <a:schemeClr val="accent6"/>
+          </a:effectRef>
+          <a:fontRef idx="minor">
+            <a:schemeClr val="dk1"/>
+          </a:fontRef>
+        </p:style>
+        <p:txBody>
+          <a:bodyPr rtlCol="0" anchor="ctr"/>
+          <a:lstStyle/>
+          <a:p>
+            <a:pPr algn="ctr"/>
+            <a:r>
+              <a:rPr lang="en-US" sz="1600" dirty="0" smtClean="0">
+                <a:latin typeface="Times New Roman" pitchFamily="18" charset="0"/>
+                <a:cs typeface="Times New Roman" pitchFamily="18" charset="0"/>
+              </a:rPr>
+              <a:t>Identifying the </a:t>
+            </a:r>
+            <a:r>
+              <a:rPr lang="en-US" sz="1600" dirty="0" err="1" smtClean="0">
+                <a:latin typeface="Times New Roman" pitchFamily="18" charset="0"/>
+                <a:cs typeface="Times New Roman" pitchFamily="18" charset="0"/>
+              </a:rPr>
+              <a:t>propper</a:t>
+            </a:r>
+            <a:r>
+              <a:rPr lang="en-US" sz="1600" dirty="0" smtClean="0">
+                <a:latin typeface="Times New Roman" pitchFamily="18" charset="0"/>
+                <a:cs typeface="Times New Roman" pitchFamily="18" charset="0"/>
+              </a:rPr>
+              <a:t> numbers template from the templates binary image</a:t>
+            </a:r>
+            <a:endParaRPr lang="en-US" sz="1600" dirty="0">
+              <a:latin typeface="Times New Roman" pitchFamily="18" charset="0"/>
+              <a:cs typeface="Times New Roman" pitchFamily="18" charset="0"/>
+            </a:endParaRPr>
+          </a:p>
+        </p:txBody>
+      </p:sp>
+      <p:sp>
+        <p:nvSpPr>
+          <p:cNvPr id="15" name="Oval 14"/>
+          <p:cNvSpPr/>
+          <p:nvPr/>
+        </p:nvSpPr>
+        <p:spPr>
+          <a:xfrm>
+            <a:off x="8153400" y="5638800"/>
+            <a:ext cx="1371600" cy="533400"/>
+          </a:xfrm>
+          <a:prstGeom prst="ellipse">
+            <a:avLst/>
+          </a:prstGeom>
+          <a:ln>
+            <a:solidFill>
+              <a:schemeClr val="tx1"/>
+            </a:solidFill>
+          </a:ln>
+        </p:spPr>
+        <p:style>
+          <a:lnRef idx="2">
+            <a:schemeClr val="accent6"/>
+          </a:lnRef>
+          <a:fillRef idx="1">
+            <a:schemeClr val="lt1"/>
+          </a:fillRef>
+          <a:effectRef idx="0">
+            <a:schemeClr val="accent6"/>
+          </a:effectRef>
+          <a:fontRef idx="minor">
+            <a:schemeClr val="dk1"/>
+          </a:fontRef>
+        </p:style>
+        <p:txBody>
+          <a:bodyPr rtlCol="0" anchor="ctr"/>
+          <a:lstStyle/>
+          <a:p>
+            <a:pPr algn="ctr"/>
+            <a:r>
+              <a:rPr lang="en-US" sz="1600" dirty="0" smtClean="0">
+                <a:latin typeface="Times New Roman" pitchFamily="18" charset="0"/>
+                <a:cs typeface="Times New Roman" pitchFamily="18" charset="0"/>
+              </a:rPr>
+              <a:t>Output</a:t>
+            </a:r>
+            <a:endParaRPr lang="en-US" sz="1600" dirty="0">
+              <a:latin typeface="Times New Roman" pitchFamily="18" charset="0"/>
+              <a:cs typeface="Times New Roman" pitchFamily="18" charset="0"/>
+            </a:endParaRPr>
+          </a:p>
+        </p:txBody>
+      </p:sp>
+      <p:cxnSp>
+        <p:nvCxnSpPr>
+          <p:cNvPr id="17" name="Straight Arrow Connector 16"/>
+          <p:cNvCxnSpPr/>
+          <p:nvPr/>
+        </p:nvCxnSpPr>
+        <p:spPr>
+          <a:xfrm rot="5400000">
+            <a:off x="2896394" y="2056606"/>
+            <a:ext cx="304800" cy="1588"/>
+          </a:xfrm>
+          <a:prstGeom prst="straightConnector1">
+            <a:avLst/>
+          </a:prstGeom>
+          <a:ln>
+            <a:solidFill>
+              <a:schemeClr val="tx1"/>
+            </a:solidFill>
+            <a:tailEnd type="arrow"/>
+          </a:ln>
+        </p:spPr>
+        <p:style>
+          <a:lnRef idx="3">
+            <a:schemeClr val="accent6"/>
+          </a:lnRef>
+          <a:fillRef idx="0">
+            <a:schemeClr val="accent6"/>
+          </a:fillRef>
+          <a:effectRef idx="2">
+            <a:schemeClr val="accent6"/>
+          </a:effectRef>
+          <a:fontRef idx="minor">
+            <a:schemeClr val="tx1"/>
+          </a:fontRef>
+        </p:style>
+      </p:cxnSp>
+      <p:cxnSp>
+        <p:nvCxnSpPr>
+          <p:cNvPr id="19" name="Straight Arrow Connector 18"/>
+          <p:cNvCxnSpPr>
+            <a:stCxn id="5" idx="3"/>
+            <a:endCxn id="7" idx="0"/>
+          </p:cNvCxnSpPr>
+          <p:nvPr/>
+        </p:nvCxnSpPr>
+        <p:spPr>
+          <a:xfrm rot="5400000">
+            <a:off x="2819400" y="2933700"/>
+            <a:ext cx="228600" cy="1588"/>
+          </a:xfrm>
+          <a:prstGeom prst="straightConnector1">
+            <a:avLst/>
+          </a:prstGeom>
+          <a:ln>
+            <a:solidFill>
+              <a:schemeClr val="tx1"/>
+            </a:solidFill>
+            <a:tailEnd type="arrow"/>
+          </a:ln>
+        </p:spPr>
+        <p:style>
+          <a:lnRef idx="3">
+            <a:schemeClr val="accent6"/>
+          </a:lnRef>
+          <a:fillRef idx="0">
+            <a:schemeClr val="accent6"/>
+          </a:fillRef>
+          <a:effectRef idx="2">
+            <a:schemeClr val="accent6"/>
+          </a:effectRef>
+          <a:fontRef idx="minor">
+            <a:schemeClr val="tx1"/>
+          </a:fontRef>
+        </p:style>
+      </p:cxnSp>
+      <p:cxnSp>
+        <p:nvCxnSpPr>
+          <p:cNvPr id="22" name="Straight Arrow Connector 21"/>
+          <p:cNvCxnSpPr>
+            <a:stCxn id="7" idx="4"/>
+            <a:endCxn id="8" idx="0"/>
+          </p:cNvCxnSpPr>
+          <p:nvPr/>
+        </p:nvCxnSpPr>
+        <p:spPr>
+          <a:xfrm rot="5400000">
+            <a:off x="2705100" y="3886200"/>
+            <a:ext cx="381000" cy="76200"/>
+          </a:xfrm>
+          <a:prstGeom prst="straightConnector1">
+            <a:avLst/>
+          </a:prstGeom>
+          <a:ln>
+            <a:solidFill>
+              <a:schemeClr val="tx1"/>
+            </a:solidFill>
+            <a:tailEnd type="arrow"/>
+          </a:ln>
+        </p:spPr>
+        <p:style>
+          <a:lnRef idx="3">
+            <a:schemeClr val="accent6"/>
+          </a:lnRef>
+          <a:fillRef idx="0">
+            <a:schemeClr val="accent6"/>
+          </a:fillRef>
+          <a:effectRef idx="2">
+            <a:schemeClr val="accent6"/>
+          </a:effectRef>
+          <a:fontRef idx="minor">
+            <a:schemeClr val="tx1"/>
+          </a:fontRef>
+        </p:style>
+      </p:cxnSp>
+      <p:cxnSp>
+        <p:nvCxnSpPr>
+          <p:cNvPr id="24" name="Straight Arrow Connector 23"/>
+          <p:cNvCxnSpPr>
+            <a:stCxn id="8" idx="4"/>
+            <a:endCxn id="9" idx="1"/>
+          </p:cNvCxnSpPr>
+          <p:nvPr/>
+        </p:nvCxnSpPr>
+        <p:spPr>
+          <a:xfrm rot="16200000" flipH="1">
+            <a:off x="2690812" y="4967287"/>
+            <a:ext cx="381000" cy="47625"/>
+          </a:xfrm>
+          <a:prstGeom prst="straightConnector1">
+            <a:avLst/>
+          </a:prstGeom>
+          <a:ln>
+            <a:solidFill>
+              <a:schemeClr val="tx1"/>
+            </a:solidFill>
+            <a:tailEnd type="arrow"/>
+          </a:ln>
+        </p:spPr>
+        <p:style>
+          <a:lnRef idx="3">
+            <a:schemeClr val="accent6"/>
+          </a:lnRef>
+          <a:fillRef idx="0">
+            <a:schemeClr val="accent6"/>
+          </a:fillRef>
+          <a:effectRef idx="2">
+            <a:schemeClr val="accent6"/>
+          </a:effectRef>
+          <a:fontRef idx="minor">
+            <a:schemeClr val="tx1"/>
+          </a:fontRef>
+        </p:style>
+      </p:cxnSp>
+      <p:cxnSp>
+        <p:nvCxnSpPr>
+          <p:cNvPr id="26" name="Straight Connector 25"/>
+          <p:cNvCxnSpPr/>
+          <p:nvPr/>
+        </p:nvCxnSpPr>
+        <p:spPr>
+          <a:xfrm>
+            <a:off x="2743200" y="6553200"/>
+            <a:ext cx="2667000" cy="1588"/>
+          </a:xfrm>
+          <a:prstGeom prst="line">
+            <a:avLst/>
+          </a:prstGeom>
+          <a:ln>
+            <a:solidFill>
+              <a:schemeClr val="tx1"/>
+            </a:solidFill>
+          </a:ln>
+        </p:spPr>
+        <p:style>
+          <a:lnRef idx="3">
+            <a:schemeClr val="accent6"/>
+          </a:lnRef>
+          <a:fillRef idx="0">
+            <a:schemeClr val="accent6"/>
+          </a:fillRef>
+          <a:effectRef idx="2">
+            <a:schemeClr val="accent6"/>
+          </a:effectRef>
+          <a:fontRef idx="minor">
+            <a:schemeClr val="tx1"/>
+          </a:fontRef>
+        </p:style>
+      </p:cxnSp>
+      <p:cxnSp>
+        <p:nvCxnSpPr>
+          <p:cNvPr id="30" name="Straight Connector 29"/>
+          <p:cNvCxnSpPr>
+            <a:stCxn id="9" idx="4"/>
+          </p:cNvCxnSpPr>
+          <p:nvPr/>
+        </p:nvCxnSpPr>
+        <p:spPr>
+          <a:xfrm rot="5400000">
+            <a:off x="2571750" y="6343650"/>
+            <a:ext cx="381000" cy="38101"/>
+          </a:xfrm>
+          <a:prstGeom prst="line">
+            <a:avLst/>
+          </a:prstGeom>
+          <a:ln>
+            <a:solidFill>
+              <a:schemeClr val="tx1"/>
+            </a:solidFill>
+          </a:ln>
+        </p:spPr>
+        <p:style>
+          <a:lnRef idx="3">
+            <a:schemeClr val="accent6"/>
+          </a:lnRef>
+          <a:fillRef idx="0">
+            <a:schemeClr val="accent6"/>
+          </a:fillRef>
+          <a:effectRef idx="2">
+            <a:schemeClr val="accent6"/>
+          </a:effectRef>
+          <a:fontRef idx="minor">
+            <a:schemeClr val="tx1"/>
+          </a:fontRef>
+        </p:style>
+      </p:cxnSp>
+      <p:cxnSp>
+        <p:nvCxnSpPr>
+          <p:cNvPr id="34" name="Straight Connector 33"/>
+          <p:cNvCxnSpPr/>
+          <p:nvPr/>
+        </p:nvCxnSpPr>
+        <p:spPr>
+          <a:xfrm rot="5400000" flipH="1" flipV="1">
+            <a:off x="2932906" y="4076700"/>
+            <a:ext cx="4953794" cy="794"/>
+          </a:xfrm>
+          <a:prstGeom prst="line">
+            <a:avLst/>
+          </a:prstGeom>
+          <a:ln>
+            <a:solidFill>
+              <a:schemeClr val="tx1"/>
+            </a:solidFill>
+          </a:ln>
+        </p:spPr>
+        <p:style>
+          <a:lnRef idx="3">
+            <a:schemeClr val="accent6"/>
+          </a:lnRef>
+          <a:fillRef idx="0">
+            <a:schemeClr val="accent6"/>
+          </a:fillRef>
+          <a:effectRef idx="2">
+            <a:schemeClr val="accent6"/>
+          </a:effectRef>
+          <a:fontRef idx="minor">
+            <a:schemeClr val="tx1"/>
+          </a:fontRef>
+        </p:style>
+      </p:cxnSp>
+      <p:cxnSp>
+        <p:nvCxnSpPr>
+          <p:cNvPr id="37" name="Straight Connector 36"/>
+          <p:cNvCxnSpPr/>
+          <p:nvPr/>
+        </p:nvCxnSpPr>
+        <p:spPr>
+          <a:xfrm>
+            <a:off x="5410200" y="1600200"/>
+            <a:ext cx="3657600" cy="1588"/>
+          </a:xfrm>
+          <a:prstGeom prst="line">
+            <a:avLst/>
+          </a:prstGeom>
+          <a:ln>
+            <a:solidFill>
+              <a:schemeClr val="tx1"/>
+            </a:solidFill>
+          </a:ln>
+        </p:spPr>
+        <p:style>
+          <a:lnRef idx="3">
+            <a:schemeClr val="accent6"/>
+          </a:lnRef>
+          <a:fillRef idx="0">
+            <a:schemeClr val="accent6"/>
+          </a:fillRef>
+          <a:effectRef idx="2">
+            <a:schemeClr val="accent6"/>
+          </a:effectRef>
+          <a:fontRef idx="minor">
+            <a:schemeClr val="tx1"/>
+          </a:fontRef>
+        </p:style>
+      </p:cxnSp>
+      <p:cxnSp>
+        <p:nvCxnSpPr>
+          <p:cNvPr id="39" name="Straight Connector 38"/>
+          <p:cNvCxnSpPr/>
+          <p:nvPr/>
+        </p:nvCxnSpPr>
+        <p:spPr>
+          <a:xfrm rot="5400000">
+            <a:off x="8953500" y="1714500"/>
+            <a:ext cx="228600" cy="1588"/>
+          </a:xfrm>
+          <a:prstGeom prst="line">
+            <a:avLst/>
+          </a:prstGeom>
+          <a:ln>
+            <a:solidFill>
+              <a:schemeClr val="tx1"/>
+            </a:solidFill>
+          </a:ln>
+        </p:spPr>
+        <p:style>
+          <a:lnRef idx="3">
+            <a:schemeClr val="accent6"/>
+          </a:lnRef>
+          <a:fillRef idx="0">
+            <a:schemeClr val="accent6"/>
+          </a:fillRef>
+          <a:effectRef idx="2">
+            <a:schemeClr val="accent6"/>
+          </a:effectRef>
+          <a:fontRef idx="minor">
+            <a:schemeClr val="tx1"/>
+          </a:fontRef>
+        </p:style>
+      </p:cxnSp>
+      <p:cxnSp>
+        <p:nvCxnSpPr>
+          <p:cNvPr id="41" name="Straight Connector 40"/>
+          <p:cNvCxnSpPr/>
+          <p:nvPr/>
+        </p:nvCxnSpPr>
+        <p:spPr>
+          <a:xfrm>
+            <a:off x="9067800" y="1828800"/>
+            <a:ext cx="1524000" cy="1588"/>
+          </a:xfrm>
+          <a:prstGeom prst="line">
+            <a:avLst/>
+          </a:prstGeom>
+          <a:ln>
+            <a:solidFill>
+              <a:schemeClr val="tx1"/>
+            </a:solidFill>
+          </a:ln>
+        </p:spPr>
+        <p:style>
+          <a:lnRef idx="3">
+            <a:schemeClr val="accent6"/>
+          </a:lnRef>
+          <a:fillRef idx="0">
+            <a:schemeClr val="accent6"/>
+          </a:fillRef>
+          <a:effectRef idx="2">
+            <a:schemeClr val="accent6"/>
+          </a:effectRef>
+          <a:fontRef idx="minor">
+            <a:schemeClr val="tx1"/>
+          </a:fontRef>
+        </p:style>
+      </p:cxnSp>
+      <p:cxnSp>
+        <p:nvCxnSpPr>
+          <p:cNvPr id="43" name="Straight Connector 42"/>
+          <p:cNvCxnSpPr/>
+          <p:nvPr/>
+        </p:nvCxnSpPr>
+        <p:spPr>
+          <a:xfrm rot="10800000">
+            <a:off x="7543800" y="1828800"/>
+            <a:ext cx="1524000" cy="1588"/>
+          </a:xfrm>
+          <a:prstGeom prst="line">
+            <a:avLst/>
+          </a:prstGeom>
+          <a:ln>
+            <a:solidFill>
+              <a:schemeClr val="tx1"/>
+            </a:solidFill>
+          </a:ln>
+        </p:spPr>
+        <p:style>
+          <a:lnRef idx="3">
+            <a:schemeClr val="accent6"/>
+          </a:lnRef>
+          <a:fillRef idx="0">
+            <a:schemeClr val="accent6"/>
+          </a:fillRef>
+          <a:effectRef idx="2">
+            <a:schemeClr val="accent6"/>
+          </a:effectRef>
+          <a:fontRef idx="minor">
+            <a:schemeClr val="tx1"/>
+          </a:fontRef>
+        </p:style>
+      </p:cxnSp>
+      <p:cxnSp>
+        <p:nvCxnSpPr>
+          <p:cNvPr id="49" name="Straight Arrow Connector 48"/>
+          <p:cNvCxnSpPr>
+            <a:endCxn id="11" idx="0"/>
+          </p:cNvCxnSpPr>
+          <p:nvPr/>
+        </p:nvCxnSpPr>
+        <p:spPr>
+          <a:xfrm rot="5400000">
+            <a:off x="7467600" y="1905000"/>
+            <a:ext cx="152400" cy="1588"/>
+          </a:xfrm>
+          <a:prstGeom prst="straightConnector1">
+            <a:avLst/>
+          </a:prstGeom>
+          <a:ln>
+            <a:solidFill>
+              <a:schemeClr val="tx1"/>
+            </a:solidFill>
+            <a:tailEnd type="arrow"/>
+          </a:ln>
+        </p:spPr>
+        <p:style>
+          <a:lnRef idx="3">
+            <a:schemeClr val="accent6"/>
+          </a:lnRef>
+          <a:fillRef idx="0">
+            <a:schemeClr val="accent6"/>
+          </a:fillRef>
+          <a:effectRef idx="2">
+            <a:schemeClr val="accent6"/>
+          </a:effectRef>
+          <a:fontRef idx="minor">
+            <a:schemeClr val="tx1"/>
+          </a:fontRef>
+        </p:style>
+      </p:cxnSp>
+      <p:cxnSp>
+        <p:nvCxnSpPr>
+          <p:cNvPr id="51" name="Straight Arrow Connector 50"/>
+          <p:cNvCxnSpPr>
+            <a:endCxn id="12" idx="0"/>
+          </p:cNvCxnSpPr>
+          <p:nvPr/>
+        </p:nvCxnSpPr>
+        <p:spPr>
+          <a:xfrm rot="16200000" flipH="1">
+            <a:off x="10534650" y="1885950"/>
+            <a:ext cx="152400" cy="38100"/>
+          </a:xfrm>
+          <a:prstGeom prst="straightConnector1">
+            <a:avLst/>
+          </a:prstGeom>
+          <a:ln>
+            <a:solidFill>
+              <a:schemeClr val="tx1"/>
+            </a:solidFill>
+            <a:tailEnd type="arrow"/>
+          </a:ln>
+        </p:spPr>
+        <p:style>
+          <a:lnRef idx="3">
+            <a:schemeClr val="accent6"/>
+          </a:lnRef>
+          <a:fillRef idx="0">
+            <a:schemeClr val="accent6"/>
+          </a:fillRef>
+          <a:effectRef idx="2">
+            <a:schemeClr val="accent6"/>
+          </a:effectRef>
+          <a:fontRef idx="minor">
+            <a:schemeClr val="tx1"/>
+          </a:fontRef>
+        </p:style>
+      </p:cxnSp>
+      <p:cxnSp>
+        <p:nvCxnSpPr>
+          <p:cNvPr id="53" name="Straight Connector 52"/>
+          <p:cNvCxnSpPr>
+            <a:stCxn id="11" idx="2"/>
+          </p:cNvCxnSpPr>
+          <p:nvPr/>
+        </p:nvCxnSpPr>
+        <p:spPr>
+          <a:xfrm rot="5400000">
+            <a:off x="7467600" y="2819400"/>
+            <a:ext cx="152400" cy="1588"/>
+          </a:xfrm>
+          <a:prstGeom prst="line">
+            <a:avLst/>
+          </a:prstGeom>
+          <a:ln>
+            <a:solidFill>
+              <a:schemeClr val="tx1"/>
+            </a:solidFill>
+          </a:ln>
+        </p:spPr>
+        <p:style>
+          <a:lnRef idx="3">
+            <a:schemeClr val="accent6"/>
+          </a:lnRef>
+          <a:fillRef idx="0">
+            <a:schemeClr val="accent6"/>
+          </a:fillRef>
+          <a:effectRef idx="2">
+            <a:schemeClr val="accent6"/>
+          </a:effectRef>
+          <a:fontRef idx="minor">
+            <a:schemeClr val="tx1"/>
+          </a:fontRef>
+        </p:style>
+      </p:cxnSp>
+      <p:cxnSp>
+        <p:nvCxnSpPr>
+          <p:cNvPr id="55" name="Straight Connector 54"/>
+          <p:cNvCxnSpPr>
+            <a:stCxn id="12" idx="2"/>
+          </p:cNvCxnSpPr>
+          <p:nvPr/>
+        </p:nvCxnSpPr>
+        <p:spPr>
+          <a:xfrm rot="5400000">
+            <a:off x="10496550" y="2762250"/>
+            <a:ext cx="228600" cy="38100"/>
+          </a:xfrm>
+          <a:prstGeom prst="line">
+            <a:avLst/>
+          </a:prstGeom>
+          <a:ln>
+            <a:solidFill>
+              <a:schemeClr val="tx1"/>
+            </a:solidFill>
+          </a:ln>
+        </p:spPr>
+        <p:style>
+          <a:lnRef idx="3">
+            <a:schemeClr val="accent6"/>
+          </a:lnRef>
+          <a:fillRef idx="0">
+            <a:schemeClr val="accent6"/>
+          </a:fillRef>
+          <a:effectRef idx="2">
+            <a:schemeClr val="accent6"/>
+          </a:effectRef>
+          <a:fontRef idx="minor">
+            <a:schemeClr val="tx1"/>
+          </a:fontRef>
+        </p:style>
+      </p:cxnSp>
+      <p:cxnSp>
+        <p:nvCxnSpPr>
+          <p:cNvPr id="58" name="Straight Connector 57"/>
+          <p:cNvCxnSpPr/>
+          <p:nvPr/>
+        </p:nvCxnSpPr>
+        <p:spPr>
+          <a:xfrm>
+            <a:off x="7543800" y="2895600"/>
+            <a:ext cx="1447800" cy="1588"/>
+          </a:xfrm>
+          <a:prstGeom prst="line">
+            <a:avLst/>
+          </a:prstGeom>
+          <a:ln>
+            <a:solidFill>
+              <a:schemeClr val="tx1"/>
+            </a:solidFill>
+          </a:ln>
+        </p:spPr>
+        <p:style>
+          <a:lnRef idx="3">
+            <a:schemeClr val="accent6"/>
+          </a:lnRef>
+          <a:fillRef idx="0">
+            <a:schemeClr val="accent6"/>
+          </a:fillRef>
+          <a:effectRef idx="2">
+            <a:schemeClr val="accent6"/>
+          </a:effectRef>
+          <a:fontRef idx="minor">
+            <a:schemeClr val="tx1"/>
+          </a:fontRef>
+        </p:style>
+      </p:cxnSp>
+      <p:cxnSp>
+        <p:nvCxnSpPr>
+          <p:cNvPr id="60" name="Straight Connector 59"/>
+          <p:cNvCxnSpPr/>
+          <p:nvPr/>
+        </p:nvCxnSpPr>
+        <p:spPr>
+          <a:xfrm rot="10800000">
+            <a:off x="8991600" y="2895600"/>
+            <a:ext cx="1600200" cy="1588"/>
+          </a:xfrm>
+          <a:prstGeom prst="line">
+            <a:avLst/>
+          </a:prstGeom>
+          <a:ln>
+            <a:solidFill>
+              <a:schemeClr val="tx1"/>
+            </a:solidFill>
+          </a:ln>
+        </p:spPr>
+        <p:style>
+          <a:lnRef idx="3">
+            <a:schemeClr val="accent6"/>
+          </a:lnRef>
+          <a:fillRef idx="0">
+            <a:schemeClr val="accent6"/>
+          </a:fillRef>
+          <a:effectRef idx="2">
+            <a:schemeClr val="accent6"/>
+          </a:effectRef>
+          <a:fontRef idx="minor">
+            <a:schemeClr val="tx1"/>
+          </a:fontRef>
+        </p:style>
+      </p:cxnSp>
+      <p:cxnSp>
+        <p:nvCxnSpPr>
+          <p:cNvPr id="62" name="Straight Arrow Connector 61"/>
+          <p:cNvCxnSpPr>
+            <a:endCxn id="13" idx="0"/>
+          </p:cNvCxnSpPr>
+          <p:nvPr/>
+        </p:nvCxnSpPr>
+        <p:spPr>
+          <a:xfrm rot="5400000">
+            <a:off x="8915400" y="2971800"/>
+            <a:ext cx="152400" cy="1588"/>
+          </a:xfrm>
+          <a:prstGeom prst="straightConnector1">
+            <a:avLst/>
+          </a:prstGeom>
+          <a:ln>
+            <a:solidFill>
+              <a:schemeClr val="tx1"/>
+            </a:solidFill>
+            <a:tailEnd type="arrow"/>
+          </a:ln>
+        </p:spPr>
+        <p:style>
+          <a:lnRef idx="3">
+            <a:schemeClr val="accent6"/>
+          </a:lnRef>
+          <a:fillRef idx="0">
+            <a:schemeClr val="accent6"/>
+          </a:fillRef>
+          <a:effectRef idx="2">
+            <a:schemeClr val="accent6"/>
+          </a:effectRef>
+          <a:fontRef idx="minor">
+            <a:schemeClr val="tx1"/>
+          </a:fontRef>
+        </p:style>
+      </p:cxnSp>
+      <p:cxnSp>
+        <p:nvCxnSpPr>
+          <p:cNvPr id="64" name="Straight Arrow Connector 63"/>
+          <p:cNvCxnSpPr>
+            <a:stCxn id="13" idx="3"/>
+            <a:endCxn id="14" idx="0"/>
+          </p:cNvCxnSpPr>
+          <p:nvPr/>
+        </p:nvCxnSpPr>
+        <p:spPr>
+          <a:xfrm rot="5400000">
+            <a:off x="8658225" y="4029075"/>
+            <a:ext cx="457200" cy="19050"/>
+          </a:xfrm>
+          <a:prstGeom prst="straightConnector1">
+            <a:avLst/>
+          </a:prstGeom>
+          <a:ln>
+            <a:solidFill>
+              <a:schemeClr val="tx1"/>
+            </a:solidFill>
+            <a:tailEnd type="arrow"/>
+          </a:ln>
+        </p:spPr>
+        <p:style>
+          <a:lnRef idx="3">
+            <a:schemeClr val="accent6"/>
+          </a:lnRef>
+          <a:fillRef idx="0">
+            <a:schemeClr val="accent6"/>
+          </a:fillRef>
+          <a:effectRef idx="2">
+            <a:schemeClr val="accent6"/>
+          </a:effectRef>
+          <a:fontRef idx="minor">
+            <a:schemeClr val="tx1"/>
+          </a:fontRef>
+        </p:style>
+      </p:cxnSp>
+      <p:cxnSp>
+        <p:nvCxnSpPr>
+          <p:cNvPr id="66" name="Straight Arrow Connector 65"/>
+          <p:cNvCxnSpPr>
+            <a:stCxn id="14" idx="4"/>
+            <a:endCxn id="15" idx="0"/>
+          </p:cNvCxnSpPr>
+          <p:nvPr/>
+        </p:nvCxnSpPr>
+        <p:spPr>
+          <a:xfrm rot="5400000">
+            <a:off x="8591550" y="5353050"/>
+            <a:ext cx="533400" cy="38100"/>
+          </a:xfrm>
+          <a:prstGeom prst="straightConnector1">
+            <a:avLst/>
+          </a:prstGeom>
+          <a:ln>
+            <a:solidFill>
+              <a:schemeClr val="tx1"/>
+            </a:solidFill>
+            <a:tailEnd type="arrow"/>
+          </a:ln>
+        </p:spPr>
+        <p:style>
+          <a:lnRef idx="3">
+            <a:schemeClr val="accent6"/>
+          </a:lnRef>
+          <a:fillRef idx="0">
+            <a:schemeClr val="accent6"/>
+          </a:fillRef>
+          <a:effectRef idx="2">
+            <a:schemeClr val="accent6"/>
+          </a:effectRef>
+          <a:fontRef idx="minor">
+            <a:schemeClr val="tx1"/>
+          </a:fontRef>
+        </p:style>
+      </p:cxnSp>
     </p:spTree>
   </p:cSld>
   <p:clrMapOvr>
@@ -6186,9 +5593,9 @@
 </file>
 
 <file path=ppt/theme/theme1.xml><?xml version="1.0" encoding="utf-8"?>
-<a:theme xmlns:a="http://schemas.openxmlformats.org/drawingml/2006/main" name="Office Theme">
+<a:theme xmlns:a="http://schemas.openxmlformats.org/drawingml/2006/main" name="Apex">
   <a:themeElements>
-    <a:clrScheme name="Office">
+    <a:clrScheme name="Apex">
       <a:dk1>
         <a:sysClr val="windowText" lastClr="000000"/>
       </a:dk1>
@@ -6196,48 +5603,86 @@
         <a:sysClr val="window" lastClr="FFFFFF"/>
       </a:lt1>
       <a:dk2>
-        <a:srgbClr val="1F497D"/>
+        <a:srgbClr val="69676D"/>
       </a:dk2>
       <a:lt2>
-        <a:srgbClr val="EEECE1"/>
+        <a:srgbClr val="C9C2D1"/>
       </a:lt2>
       <a:accent1>
-        <a:srgbClr val="4F81BD"/>
+        <a:srgbClr val="CEB966"/>
       </a:accent1>
       <a:accent2>
-        <a:srgbClr val="C0504D"/>
+        <a:srgbClr val="9CB084"/>
       </a:accent2>
       <a:accent3>
-        <a:srgbClr val="9BBB59"/>
+        <a:srgbClr val="6BB1C9"/>
       </a:accent3>
       <a:accent4>
-        <a:srgbClr val="8064A2"/>
+        <a:srgbClr val="6585CF"/>
       </a:accent4>
       <a:accent5>
-        <a:srgbClr val="4BACC6"/>
+        <a:srgbClr val="7E6BC9"/>
       </a:accent5>
       <a:accent6>
-        <a:srgbClr val="F79646"/>
+        <a:srgbClr val="A379BB"/>
       </a:accent6>
       <a:hlink>
-        <a:srgbClr val="0000FF"/>
+        <a:srgbClr val="410082"/>
       </a:hlink>
       <a:folHlink>
-        <a:srgbClr val="800080"/>
+        <a:srgbClr val="932968"/>
       </a:folHlink>
     </a:clrScheme>
-    <a:fontScheme name="Office">
+    <a:fontScheme name="Apex">
       <a:majorFont>
-        <a:latin typeface="Calibri"/>
+        <a:latin typeface="Lucida Sans"/>
         <a:ea typeface=""/>
         <a:cs typeface=""/>
-        <a:font script="Jpan" typeface="ＭＳ Ｐゴシック"/>
-        <a:font script="Hang" typeface="맑은 고딕"/>
+        <a:font script="Grek" typeface="Arial"/>
+        <a:font script="Cyrl" typeface="Arial"/>
+        <a:font script="Jpan" typeface="HG丸ｺﾞｼｯｸM-PRO"/>
+        <a:font script="Hang" typeface="휴먼옛체"/>
+        <a:font script="Hans" typeface="黑体"/>
+        <a:font script="Hant" typeface="微軟正黑體"/>
+        <a:font script="Arab" typeface="Tahoma"/>
+        <a:font script="Hebr" typeface="Levenim MT"/>
+        <a:font script="Thai" typeface="FreesiaUPC"/>
+        <a:font script="Ethi" typeface="Nyala"/>
+        <a:font script="Beng" typeface="Vrinda"/>
+        <a:font script="Gujr" typeface="Shruti"/>
+        <a:font script="Khmr" typeface="DaunPenh"/>
+        <a:font script="Knda" typeface="Tunga"/>
+        <a:font script="Guru" typeface="Raavi"/>
+        <a:font script="Cans" typeface="Euphemia"/>
+        <a:font script="Cher" typeface="Plantagenet Cherokee"/>
+        <a:font script="Yiii" typeface="Microsoft Yi Baiti"/>
+        <a:font script="Tibt" typeface="Microsoft Himalaya"/>
+        <a:font script="Thaa" typeface="MV Boli"/>
+        <a:font script="Deva" typeface="Mangal"/>
+        <a:font script="Telu" typeface="Gautami"/>
+        <a:font script="Taml" typeface="Latha"/>
+        <a:font script="Syrc" typeface="Estrangelo Edessa"/>
+        <a:font script="Orya" typeface="Kalinga"/>
+        <a:font script="Mlym" typeface="Kartika"/>
+        <a:font script="Laoo" typeface="DokChampa"/>
+        <a:font script="Sinh" typeface="Iskoola Pota"/>
+        <a:font script="Mong" typeface="Mongolian Baiti"/>
+        <a:font script="Viet" typeface="Tahoma"/>
+        <a:font script="Uigh" typeface="Microsoft Uighur"/>
+      </a:majorFont>
+      <a:minorFont>
+        <a:latin typeface="Book Antiqua"/>
+        <a:ea typeface=""/>
+        <a:cs typeface=""/>
+        <a:font script="Grek" typeface="Times New Roman"/>
+        <a:font script="Cyrl" typeface="Times New Roman"/>
+        <a:font script="Jpan" typeface="HG明朝B"/>
+        <a:font script="Hang" typeface="돋움"/>
         <a:font script="Hans" typeface="宋体"/>
         <a:font script="Hant" typeface="新細明體"/>
         <a:font script="Arab" typeface="Times New Roman"/>
-        <a:font script="Hebr" typeface="Times New Roman"/>
-        <a:font script="Thai" typeface="Angsana New"/>
+        <a:font script="Hebr" typeface="David"/>
+        <a:font script="Thai" typeface="EucrosiaUPC"/>
         <a:font script="Ethi" typeface="Nyala"/>
         <a:font script="Beng" typeface="Vrinda"/>
         <a:font script="Gujr" typeface="Shruti"/>
@@ -6260,100 +5705,75 @@
         <a:font script="Mong" typeface="Mongolian Baiti"/>
         <a:font script="Viet" typeface="Times New Roman"/>
         <a:font script="Uigh" typeface="Microsoft Uighur"/>
-      </a:majorFont>
-      <a:minorFont>
-        <a:latin typeface="Calibri"/>
-        <a:ea typeface=""/>
-        <a:cs typeface=""/>
-        <a:font script="Jpan" typeface="ＭＳ Ｐゴシック"/>
-        <a:font script="Hang" typeface="맑은 고딕"/>
-        <a:font script="Hans" typeface="宋体"/>
-        <a:font script="Hant" typeface="新細明體"/>
-        <a:font script="Arab" typeface="Arial"/>
-        <a:font script="Hebr" typeface="Arial"/>
-        <a:font script="Thai" typeface="Cordia New"/>
-        <a:font script="Ethi" typeface="Nyala"/>
-        <a:font script="Beng" typeface="Vrinda"/>
-        <a:font script="Gujr" typeface="Shruti"/>
-        <a:font script="Khmr" typeface="DaunPenh"/>
-        <a:font script="Knda" typeface="Tunga"/>
-        <a:font script="Guru" typeface="Raavi"/>
-        <a:font script="Cans" typeface="Euphemia"/>
-        <a:font script="Cher" typeface="Plantagenet Cherokee"/>
-        <a:font script="Yiii" typeface="Microsoft Yi Baiti"/>
-        <a:font script="Tibt" typeface="Microsoft Himalaya"/>
-        <a:font script="Thaa" typeface="MV Boli"/>
-        <a:font script="Deva" typeface="Mangal"/>
-        <a:font script="Telu" typeface="Gautami"/>
-        <a:font script="Taml" typeface="Latha"/>
-        <a:font script="Syrc" typeface="Estrangelo Edessa"/>
-        <a:font script="Orya" typeface="Kalinga"/>
-        <a:font script="Mlym" typeface="Kartika"/>
-        <a:font script="Laoo" typeface="DokChampa"/>
-        <a:font script="Sinh" typeface="Iskoola Pota"/>
-        <a:font script="Mong" typeface="Mongolian Baiti"/>
-        <a:font script="Viet" typeface="Arial"/>
-        <a:font script="Uigh" typeface="Microsoft Uighur"/>
       </a:minorFont>
     </a:fontScheme>
-    <a:fmtScheme name="Office">
+    <a:fmtScheme name="Apex">
       <a:fillStyleLst>
         <a:solidFill>
           <a:schemeClr val="phClr"/>
         </a:solidFill>
         <a:gradFill rotWithShape="1">
           <a:gsLst>
-            <a:gs pos="0">
+            <a:gs pos="20000">
               <a:schemeClr val="phClr">
-                <a:tint val="50000"/>
-                <a:satMod val="300000"/>
-              </a:schemeClr>
-            </a:gs>
-            <a:gs pos="35000">
-              <a:schemeClr val="phClr">
-                <a:tint val="37000"/>
-                <a:satMod val="300000"/>
+                <a:tint val="9000"/>
               </a:schemeClr>
             </a:gs>
             <a:gs pos="100000">
               <a:schemeClr val="phClr">
-                <a:tint val="15000"/>
-                <a:satMod val="350000"/>
+                <a:tint val="70000"/>
+                <a:satMod val="100000"/>
               </a:schemeClr>
             </a:gs>
           </a:gsLst>
-          <a:lin ang="16200000" scaled="1"/>
+          <a:path path="circle">
+            <a:fillToRect l="-15000" t="-15000" r="115000" b="115000"/>
+          </a:path>
         </a:gradFill>
         <a:gradFill rotWithShape="1">
           <a:gsLst>
             <a:gs pos="0">
               <a:schemeClr val="phClr">
-                <a:shade val="51000"/>
-                <a:satMod val="130000"/>
+                <a:shade val="60000"/>
               </a:schemeClr>
             </a:gs>
-            <a:gs pos="80000">
+            <a:gs pos="33000">
               <a:schemeClr val="phClr">
-                <a:shade val="93000"/>
-                <a:satMod val="130000"/>
+                <a:tint val="86500"/>
+              </a:schemeClr>
+            </a:gs>
+            <a:gs pos="46750">
+              <a:schemeClr val="phClr">
+                <a:tint val="71000"/>
+                <a:satMod val="112000"/>
+              </a:schemeClr>
+            </a:gs>
+            <a:gs pos="53000">
+              <a:schemeClr val="phClr">
+                <a:tint val="71000"/>
+                <a:satMod val="112000"/>
+              </a:schemeClr>
+            </a:gs>
+            <a:gs pos="68000">
+              <a:schemeClr val="phClr">
+                <a:tint val="86000"/>
               </a:schemeClr>
             </a:gs>
             <a:gs pos="100000">
               <a:schemeClr val="phClr">
-                <a:shade val="94000"/>
-                <a:satMod val="135000"/>
+                <a:shade val="60000"/>
               </a:schemeClr>
             </a:gs>
           </a:gsLst>
-          <a:lin ang="16200000" scaled="0"/>
+          <a:lin ang="8350000" scaled="1"/>
         </a:gradFill>
       </a:fillStyleLst>
       <a:lnStyleLst>
         <a:ln w="9525" cap="flat" cmpd="sng" algn="ctr">
           <a:solidFill>
             <a:schemeClr val="phClr">
-              <a:shade val="95000"/>
-              <a:satMod val="105000"/>
+              <a:shade val="48000"/>
+              <a:satMod val="110000"/>
             </a:schemeClr>
           </a:solidFill>
           <a:prstDash val="solid"/>
@@ -6374,16 +5794,7 @@
       <a:effectStyleLst>
         <a:effectStyle>
           <a:effectLst>
-            <a:outerShdw blurRad="40000" dist="20000" dir="5400000" rotWithShape="0">
-              <a:srgbClr val="000000">
-                <a:alpha val="38000"/>
-              </a:srgbClr>
-            </a:outerShdw>
-          </a:effectLst>
-        </a:effectStyle>
-        <a:effectStyle>
-          <a:effectLst>
-            <a:outerShdw blurRad="40000" dist="23000" dir="5400000" rotWithShape="0">
+            <a:outerShdw blurRad="130000" dist="101600" dir="2700000" algn="tl" rotWithShape="0">
               <a:srgbClr val="000000">
                 <a:alpha val="35000"/>
               </a:srgbClr>
@@ -6392,22 +5803,31 @@
         </a:effectStyle>
         <a:effectStyle>
           <a:effectLst>
-            <a:outerShdw blurRad="40000" dist="23000" dir="5400000" rotWithShape="0">
+            <a:outerShdw blurRad="190500" dist="228600" dir="2700000" sy="90000" rotWithShape="0">
               <a:srgbClr val="000000">
-                <a:alpha val="35000"/>
+                <a:alpha val="25500"/>
+              </a:srgbClr>
+            </a:outerShdw>
+          </a:effectLst>
+        </a:effectStyle>
+        <a:effectStyle>
+          <a:effectLst>
+            <a:outerShdw blurRad="190500" dist="228600" dir="2700000" sy="90000" rotWithShape="0">
+              <a:srgbClr val="000000">
+                <a:alpha val="25500"/>
               </a:srgbClr>
             </a:outerShdw>
           </a:effectLst>
           <a:scene3d>
-            <a:camera prst="orthographicFront">
+            <a:camera prst="orthographicFront" fov="0">
               <a:rot lat="0" lon="0" rev="0"/>
             </a:camera>
-            <a:lightRig rig="threePt" dir="t">
-              <a:rot lat="0" lon="0" rev="1200000"/>
+            <a:lightRig rig="soft" dir="tl">
+              <a:rot lat="0" lon="0" rev="20100000"/>
             </a:lightRig>
           </a:scene3d>
           <a:sp3d>
-            <a:bevelT w="63500" h="25400"/>
+            <a:bevelT w="50800" h="50800"/>
           </a:sp3d>
         </a:effectStyle>
       </a:effectStyleLst>
@@ -6419,47 +5839,38 @@
           <a:gsLst>
             <a:gs pos="0">
               <a:schemeClr val="phClr">
-                <a:tint val="40000"/>
-                <a:satMod val="350000"/>
-              </a:schemeClr>
-            </a:gs>
-            <a:gs pos="40000">
-              <a:schemeClr val="phClr">
-                <a:tint val="45000"/>
-                <a:shade val="99000"/>
-                <a:satMod val="350000"/>
+                <a:tint val="50000"/>
+                <a:satMod val="180000"/>
               </a:schemeClr>
             </a:gs>
             <a:gs pos="100000">
               <a:schemeClr val="phClr">
-                <a:shade val="20000"/>
-                <a:satMod val="255000"/>
+                <a:shade val="45000"/>
+                <a:satMod val="120000"/>
               </a:schemeClr>
             </a:gs>
           </a:gsLst>
           <a:path path="circle">
-            <a:fillToRect l="50000" t="-80000" r="50000" b="180000"/>
+            <a:fillToRect r="100000" b="100000"/>
           </a:path>
         </a:gradFill>
-        <a:gradFill rotWithShape="1">
-          <a:gsLst>
-            <a:gs pos="0">
+        <a:blipFill>
+          <a:blip xmlns:r="http://schemas.openxmlformats.org/officeDocument/2006/relationships" r:embed="rId1">
+            <a:duotone>
               <a:schemeClr val="phClr">
-                <a:tint val="80000"/>
-                <a:satMod val="300000"/>
+                <a:shade val="3000"/>
+                <a:satMod val="110000"/>
               </a:schemeClr>
-            </a:gs>
-            <a:gs pos="100000">
               <a:schemeClr val="phClr">
-                <a:shade val="30000"/>
-                <a:satMod val="200000"/>
+                <a:tint val="60000"/>
+                <a:satMod val="425000"/>
               </a:schemeClr>
-            </a:gs>
-          </a:gsLst>
-          <a:path path="circle">
-            <a:fillToRect l="50000" t="50000" r="50000" b="50000"/>
-          </a:path>
-        </a:gradFill>
+            </a:duotone>
+          </a:blip>
+          <a:stretch>
+            <a:fillRect/>
+          </a:stretch>
+        </a:blipFill>
       </a:bgFillStyleLst>
     </a:fmtScheme>
   </a:themeElements>
